--- a/presentation.pptx
+++ b/presentation.pptx
@@ -2,24 +2,30 @@
 <file path=ppt/presentation.xml><?xml version="1.0" encoding="utf-8"?>
 <p:presentation xmlns:a="http://schemas.openxmlformats.org/drawingml/2006/main" xmlns:r="http://schemas.openxmlformats.org/officeDocument/2006/relationships" xmlns:p="http://schemas.openxmlformats.org/presentationml/2006/main" saveSubsetFonts="1" autoCompressPictures="0">
   <p:sldMasterIdLst>
-    <p:sldMasterId id="2147483648" r:id="rId1"/>
+    <p:sldMasterId id="2147483684" r:id="rId1"/>
   </p:sldMasterIdLst>
   <p:sldIdLst>
-    <p:sldId id="256" r:id="rId2"/>
-    <p:sldId id="259" r:id="rId3"/>
+    <p:sldId id="263" r:id="rId2"/>
+    <p:sldId id="264" r:id="rId3"/>
     <p:sldId id="257" r:id="rId4"/>
     <p:sldId id="258" r:id="rId5"/>
     <p:sldId id="260" r:id="rId6"/>
     <p:sldId id="261" r:id="rId7"/>
-    <p:sldId id="262" r:id="rId8"/>
+    <p:sldId id="265" r:id="rId8"/>
+    <p:sldId id="267" r:id="rId9"/>
+    <p:sldId id="266" r:id="rId10"/>
+    <p:sldId id="270" r:id="rId11"/>
+    <p:sldId id="269" r:id="rId12"/>
+    <p:sldId id="268" r:id="rId13"/>
+    <p:sldId id="262" r:id="rId14"/>
   </p:sldIdLst>
   <p:sldSz cx="12192000" cy="6858000"/>
   <p:notesSz cx="6858000" cy="9144000"/>
   <p:defaultTextStyle>
     <a:defPPr>
-      <a:defRPr lang="de-DE"/>
+      <a:defRPr lang="en-US"/>
     </a:defPPr>
-    <a:lvl1pPr marL="0" algn="l" defTabSz="914400" rtl="0" eaLnBrk="1" latinLnBrk="0" hangingPunct="1">
+    <a:lvl1pPr marL="0" algn="l" defTabSz="457200" rtl="0" eaLnBrk="1" latinLnBrk="0" hangingPunct="1">
       <a:defRPr sz="1800" kern="1200">
         <a:solidFill>
           <a:schemeClr val="tx1"/>
@@ -29,7 +35,7 @@
         <a:cs typeface="+mn-cs"/>
       </a:defRPr>
     </a:lvl1pPr>
-    <a:lvl2pPr marL="457200" algn="l" defTabSz="914400" rtl="0" eaLnBrk="1" latinLnBrk="0" hangingPunct="1">
+    <a:lvl2pPr marL="457200" algn="l" defTabSz="457200" rtl="0" eaLnBrk="1" latinLnBrk="0" hangingPunct="1">
       <a:defRPr sz="1800" kern="1200">
         <a:solidFill>
           <a:schemeClr val="tx1"/>
@@ -39,7 +45,7 @@
         <a:cs typeface="+mn-cs"/>
       </a:defRPr>
     </a:lvl2pPr>
-    <a:lvl3pPr marL="914400" algn="l" defTabSz="914400" rtl="0" eaLnBrk="1" latinLnBrk="0" hangingPunct="1">
+    <a:lvl3pPr marL="914400" algn="l" defTabSz="457200" rtl="0" eaLnBrk="1" latinLnBrk="0" hangingPunct="1">
       <a:defRPr sz="1800" kern="1200">
         <a:solidFill>
           <a:schemeClr val="tx1"/>
@@ -49,7 +55,7 @@
         <a:cs typeface="+mn-cs"/>
       </a:defRPr>
     </a:lvl3pPr>
-    <a:lvl4pPr marL="1371600" algn="l" defTabSz="914400" rtl="0" eaLnBrk="1" latinLnBrk="0" hangingPunct="1">
+    <a:lvl4pPr marL="1371600" algn="l" defTabSz="457200" rtl="0" eaLnBrk="1" latinLnBrk="0" hangingPunct="1">
       <a:defRPr sz="1800" kern="1200">
         <a:solidFill>
           <a:schemeClr val="tx1"/>
@@ -59,7 +65,7 @@
         <a:cs typeface="+mn-cs"/>
       </a:defRPr>
     </a:lvl4pPr>
-    <a:lvl5pPr marL="1828800" algn="l" defTabSz="914400" rtl="0" eaLnBrk="1" latinLnBrk="0" hangingPunct="1">
+    <a:lvl5pPr marL="1828800" algn="l" defTabSz="457200" rtl="0" eaLnBrk="1" latinLnBrk="0" hangingPunct="1">
       <a:defRPr sz="1800" kern="1200">
         <a:solidFill>
           <a:schemeClr val="tx1"/>
@@ -69,7 +75,7 @@
         <a:cs typeface="+mn-cs"/>
       </a:defRPr>
     </a:lvl5pPr>
-    <a:lvl6pPr marL="2286000" algn="l" defTabSz="914400" rtl="0" eaLnBrk="1" latinLnBrk="0" hangingPunct="1">
+    <a:lvl6pPr marL="2286000" algn="l" defTabSz="457200" rtl="0" eaLnBrk="1" latinLnBrk="0" hangingPunct="1">
       <a:defRPr sz="1800" kern="1200">
         <a:solidFill>
           <a:schemeClr val="tx1"/>
@@ -79,7 +85,7 @@
         <a:cs typeface="+mn-cs"/>
       </a:defRPr>
     </a:lvl6pPr>
-    <a:lvl7pPr marL="2743200" algn="l" defTabSz="914400" rtl="0" eaLnBrk="1" latinLnBrk="0" hangingPunct="1">
+    <a:lvl7pPr marL="2743200" algn="l" defTabSz="457200" rtl="0" eaLnBrk="1" latinLnBrk="0" hangingPunct="1">
       <a:defRPr sz="1800" kern="1200">
         <a:solidFill>
           <a:schemeClr val="tx1"/>
@@ -89,7 +95,7 @@
         <a:cs typeface="+mn-cs"/>
       </a:defRPr>
     </a:lvl7pPr>
-    <a:lvl8pPr marL="3200400" algn="l" defTabSz="914400" rtl="0" eaLnBrk="1" latinLnBrk="0" hangingPunct="1">
+    <a:lvl8pPr marL="3200400" algn="l" defTabSz="457200" rtl="0" eaLnBrk="1" latinLnBrk="0" hangingPunct="1">
       <a:defRPr sz="1800" kern="1200">
         <a:solidFill>
           <a:schemeClr val="tx1"/>
@@ -99,7 +105,7 @@
         <a:cs typeface="+mn-cs"/>
       </a:defRPr>
     </a:lvl8pPr>
-    <a:lvl9pPr marL="3657600" algn="l" defTabSz="914400" rtl="0" eaLnBrk="1" latinLnBrk="0" hangingPunct="1">
+    <a:lvl9pPr marL="3657600" algn="l" defTabSz="457200" rtl="0" eaLnBrk="1" latinLnBrk="0" hangingPunct="1">
       <a:defRPr sz="1800" kern="1200">
         <a:solidFill>
           <a:schemeClr val="tx1"/>
@@ -110,6 +116,11 @@
       </a:defRPr>
     </a:lvl9pPr>
   </p:defaultTextStyle>
+  <p:extLst>
+    <p:ext uri="{EFAFB233-063F-42B5-8137-9DF3F51BA10A}">
+      <p15:sldGuideLst xmlns:p15="http://schemas.microsoft.com/office/powerpoint/2012/main"/>
+    </p:ext>
+  </p:extLst>
 </p:presentation>
 </file>
 
@@ -132,13 +143,7 @@
       </p:grpSpPr>
       <p:sp>
         <p:nvSpPr>
-          <p:cNvPr id="2" name="Title 1">
-            <a:extLst>
-              <a:ext uri="{FF2B5EF4-FFF2-40B4-BE49-F238E27FC236}">
-                <a16:creationId xmlns:a16="http://schemas.microsoft.com/office/drawing/2014/main" id="{785CA128-3F18-ED4D-8826-62F3A1712B68}"/>
-              </a:ext>
-            </a:extLst>
-          </p:cNvPr>
+          <p:cNvPr id="2" name="Title 1"/>
           <p:cNvSpPr>
             <a:spLocks noGrp="1"/>
           </p:cNvSpPr>
@@ -164,18 +169,13 @@
               <a:rPr lang="en-GB"/>
               <a:t>Click to edit Master title style</a:t>
             </a:r>
+            <a:endParaRPr lang="en-US" dirty="0"/>
           </a:p>
         </p:txBody>
       </p:sp>
       <p:sp>
         <p:nvSpPr>
-          <p:cNvPr id="3" name="Subtitle 2">
-            <a:extLst>
-              <a:ext uri="{FF2B5EF4-FFF2-40B4-BE49-F238E27FC236}">
-                <a16:creationId xmlns:a16="http://schemas.microsoft.com/office/drawing/2014/main" id="{E68DF96E-6593-C644-8340-45EF3BD60998}"/>
-              </a:ext>
-            </a:extLst>
-          </p:cNvPr>
+          <p:cNvPr id="3" name="Subtitle 2"/>
           <p:cNvSpPr>
             <a:spLocks noGrp="1"/>
           </p:cNvSpPr>
@@ -234,18 +234,13 @@
               <a:rPr lang="en-GB"/>
               <a:t>Click to edit Master subtitle style</a:t>
             </a:r>
+            <a:endParaRPr lang="en-US" dirty="0"/>
           </a:p>
         </p:txBody>
       </p:sp>
       <p:sp>
         <p:nvSpPr>
-          <p:cNvPr id="4" name="Date Placeholder 3">
-            <a:extLst>
-              <a:ext uri="{FF2B5EF4-FFF2-40B4-BE49-F238E27FC236}">
-                <a16:creationId xmlns:a16="http://schemas.microsoft.com/office/drawing/2014/main" id="{AF1D8A89-4058-8346-8D4B-FA3578449F84}"/>
-              </a:ext>
-            </a:extLst>
-          </p:cNvPr>
+          <p:cNvPr id="4" name="Date Placeholder 3"/>
           <p:cNvSpPr>
             <a:spLocks noGrp="1"/>
           </p:cNvSpPr>
@@ -260,7 +255,7 @@
           <a:p>
             <a:fld id="{E57EA69A-F6CE-5E47-8D8A-CC0506B88AAC}" type="datetimeFigureOut">
               <a:rPr lang="en-GB" smtClean="0"/>
-              <a:t>15/12/2019</a:t>
+              <a:t>16/12/2019</a:t>
             </a:fld>
             <a:endParaRPr lang="en-GB"/>
           </a:p>
@@ -268,13 +263,7 @@
       </p:sp>
       <p:sp>
         <p:nvSpPr>
-          <p:cNvPr id="5" name="Footer Placeholder 4">
-            <a:extLst>
-              <a:ext uri="{FF2B5EF4-FFF2-40B4-BE49-F238E27FC236}">
-                <a16:creationId xmlns:a16="http://schemas.microsoft.com/office/drawing/2014/main" id="{BB20126E-F6B8-8741-A5C8-9BCEBB9D91DF}"/>
-              </a:ext>
-            </a:extLst>
-          </p:cNvPr>
+          <p:cNvPr id="5" name="Footer Placeholder 4"/>
           <p:cNvSpPr>
             <a:spLocks noGrp="1"/>
           </p:cNvSpPr>
@@ -293,13 +282,7 @@
       </p:sp>
       <p:sp>
         <p:nvSpPr>
-          <p:cNvPr id="6" name="Slide Number Placeholder 5">
-            <a:extLst>
-              <a:ext uri="{FF2B5EF4-FFF2-40B4-BE49-F238E27FC236}">
-                <a16:creationId xmlns:a16="http://schemas.microsoft.com/office/drawing/2014/main" id="{D48F8F6F-A80C-A74C-BD4F-4577B8F35D1E}"/>
-              </a:ext>
-            </a:extLst>
-          </p:cNvPr>
+          <p:cNvPr id="6" name="Slide Number Placeholder 5"/>
           <p:cNvSpPr>
             <a:spLocks noGrp="1"/>
           </p:cNvSpPr>
@@ -323,7 +306,7 @@
     </p:spTree>
     <p:extLst>
       <p:ext uri="{BB962C8B-B14F-4D97-AF65-F5344CB8AC3E}">
-        <p14:creationId xmlns:p14="http://schemas.microsoft.com/office/powerpoint/2010/main" val="3059965533"/>
+        <p14:creationId xmlns:p14="http://schemas.microsoft.com/office/powerpoint/2010/main" val="491539143"/>
       </p:ext>
     </p:extLst>
   </p:cSld>
@@ -352,13 +335,7 @@
       </p:grpSpPr>
       <p:sp>
         <p:nvSpPr>
-          <p:cNvPr id="2" name="Title 1">
-            <a:extLst>
-              <a:ext uri="{FF2B5EF4-FFF2-40B4-BE49-F238E27FC236}">
-                <a16:creationId xmlns:a16="http://schemas.microsoft.com/office/drawing/2014/main" id="{9E3F0B05-E7EF-7D4A-A07E-D64E18F9F389}"/>
-              </a:ext>
-            </a:extLst>
-          </p:cNvPr>
+          <p:cNvPr id="2" name="Title 1"/>
           <p:cNvSpPr>
             <a:spLocks noGrp="1"/>
           </p:cNvSpPr>
@@ -375,18 +352,13 @@
               <a:rPr lang="en-GB"/>
               <a:t>Click to edit Master title style</a:t>
             </a:r>
+            <a:endParaRPr lang="en-US" dirty="0"/>
           </a:p>
         </p:txBody>
       </p:sp>
       <p:sp>
         <p:nvSpPr>
-          <p:cNvPr id="3" name="Vertical Text Placeholder 2">
-            <a:extLst>
-              <a:ext uri="{FF2B5EF4-FFF2-40B4-BE49-F238E27FC236}">
-                <a16:creationId xmlns:a16="http://schemas.microsoft.com/office/drawing/2014/main" id="{9C641061-1424-A149-8BDE-93DFDC310899}"/>
-              </a:ext>
-            </a:extLst>
-          </p:cNvPr>
+          <p:cNvPr id="3" name="Vertical Text Placeholder 2"/>
           <p:cNvSpPr>
             <a:spLocks noGrp="1"/>
           </p:cNvSpPr>
@@ -432,18 +404,13 @@
               <a:rPr lang="en-GB"/>
               <a:t>Fifth level</a:t>
             </a:r>
+            <a:endParaRPr lang="en-US" dirty="0"/>
           </a:p>
         </p:txBody>
       </p:sp>
       <p:sp>
         <p:nvSpPr>
-          <p:cNvPr id="4" name="Date Placeholder 3">
-            <a:extLst>
-              <a:ext uri="{FF2B5EF4-FFF2-40B4-BE49-F238E27FC236}">
-                <a16:creationId xmlns:a16="http://schemas.microsoft.com/office/drawing/2014/main" id="{44C7D5AA-B21B-844F-B728-6103463E2A52}"/>
-              </a:ext>
-            </a:extLst>
-          </p:cNvPr>
+          <p:cNvPr id="4" name="Date Placeholder 3"/>
           <p:cNvSpPr>
             <a:spLocks noGrp="1"/>
           </p:cNvSpPr>
@@ -458,7 +425,7 @@
           <a:p>
             <a:fld id="{E57EA69A-F6CE-5E47-8D8A-CC0506B88AAC}" type="datetimeFigureOut">
               <a:rPr lang="en-GB" smtClean="0"/>
-              <a:t>15/12/2019</a:t>
+              <a:t>16/12/2019</a:t>
             </a:fld>
             <a:endParaRPr lang="en-GB"/>
           </a:p>
@@ -466,13 +433,7 @@
       </p:sp>
       <p:sp>
         <p:nvSpPr>
-          <p:cNvPr id="5" name="Footer Placeholder 4">
-            <a:extLst>
-              <a:ext uri="{FF2B5EF4-FFF2-40B4-BE49-F238E27FC236}">
-                <a16:creationId xmlns:a16="http://schemas.microsoft.com/office/drawing/2014/main" id="{BD9FA026-D619-D048-8B47-95BED6C27394}"/>
-              </a:ext>
-            </a:extLst>
-          </p:cNvPr>
+          <p:cNvPr id="5" name="Footer Placeholder 4"/>
           <p:cNvSpPr>
             <a:spLocks noGrp="1"/>
           </p:cNvSpPr>
@@ -491,13 +452,7 @@
       </p:sp>
       <p:sp>
         <p:nvSpPr>
-          <p:cNvPr id="6" name="Slide Number Placeholder 5">
-            <a:extLst>
-              <a:ext uri="{FF2B5EF4-FFF2-40B4-BE49-F238E27FC236}">
-                <a16:creationId xmlns:a16="http://schemas.microsoft.com/office/drawing/2014/main" id="{EAF42332-06DE-6F4A-91C7-D565563DBA26}"/>
-              </a:ext>
-            </a:extLst>
-          </p:cNvPr>
+          <p:cNvPr id="6" name="Slide Number Placeholder 5"/>
           <p:cNvSpPr>
             <a:spLocks noGrp="1"/>
           </p:cNvSpPr>
@@ -521,7 +476,7 @@
     </p:spTree>
     <p:extLst>
       <p:ext uri="{BB962C8B-B14F-4D97-AF65-F5344CB8AC3E}">
-        <p14:creationId xmlns:p14="http://schemas.microsoft.com/office/powerpoint/2010/main" val="1356806859"/>
+        <p14:creationId xmlns:p14="http://schemas.microsoft.com/office/powerpoint/2010/main" val="2232198257"/>
       </p:ext>
     </p:extLst>
   </p:cSld>
@@ -550,13 +505,7 @@
       </p:grpSpPr>
       <p:sp>
         <p:nvSpPr>
-          <p:cNvPr id="2" name="Vertical Title 1">
-            <a:extLst>
-              <a:ext uri="{FF2B5EF4-FFF2-40B4-BE49-F238E27FC236}">
-                <a16:creationId xmlns:a16="http://schemas.microsoft.com/office/drawing/2014/main" id="{DFF67E80-4834-F747-BB6B-71554C47AC04}"/>
-              </a:ext>
-            </a:extLst>
-          </p:cNvPr>
+          <p:cNvPr id="2" name="Vertical Title 1"/>
           <p:cNvSpPr>
             <a:spLocks noGrp="1"/>
           </p:cNvSpPr>
@@ -578,18 +527,13 @@
               <a:rPr lang="en-GB"/>
               <a:t>Click to edit Master title style</a:t>
             </a:r>
+            <a:endParaRPr lang="en-US" dirty="0"/>
           </a:p>
         </p:txBody>
       </p:sp>
       <p:sp>
         <p:nvSpPr>
-          <p:cNvPr id="3" name="Vertical Text Placeholder 2">
-            <a:extLst>
-              <a:ext uri="{FF2B5EF4-FFF2-40B4-BE49-F238E27FC236}">
-                <a16:creationId xmlns:a16="http://schemas.microsoft.com/office/drawing/2014/main" id="{41503A92-F27A-D743-95D4-63CE01C91A20}"/>
-              </a:ext>
-            </a:extLst>
-          </p:cNvPr>
+          <p:cNvPr id="3" name="Vertical Text Placeholder 2"/>
           <p:cNvSpPr>
             <a:spLocks noGrp="1"/>
           </p:cNvSpPr>
@@ -640,18 +584,13 @@
               <a:rPr lang="en-GB"/>
               <a:t>Fifth level</a:t>
             </a:r>
+            <a:endParaRPr lang="en-US" dirty="0"/>
           </a:p>
         </p:txBody>
       </p:sp>
       <p:sp>
         <p:nvSpPr>
-          <p:cNvPr id="4" name="Date Placeholder 3">
-            <a:extLst>
-              <a:ext uri="{FF2B5EF4-FFF2-40B4-BE49-F238E27FC236}">
-                <a16:creationId xmlns:a16="http://schemas.microsoft.com/office/drawing/2014/main" id="{E5D0DDD4-4DC3-E24D-A66D-7CAF0762AACF}"/>
-              </a:ext>
-            </a:extLst>
-          </p:cNvPr>
+          <p:cNvPr id="4" name="Date Placeholder 3"/>
           <p:cNvSpPr>
             <a:spLocks noGrp="1"/>
           </p:cNvSpPr>
@@ -666,7 +605,7 @@
           <a:p>
             <a:fld id="{E57EA69A-F6CE-5E47-8D8A-CC0506B88AAC}" type="datetimeFigureOut">
               <a:rPr lang="en-GB" smtClean="0"/>
-              <a:t>15/12/2019</a:t>
+              <a:t>16/12/2019</a:t>
             </a:fld>
             <a:endParaRPr lang="en-GB"/>
           </a:p>
@@ -674,13 +613,7 @@
       </p:sp>
       <p:sp>
         <p:nvSpPr>
-          <p:cNvPr id="5" name="Footer Placeholder 4">
-            <a:extLst>
-              <a:ext uri="{FF2B5EF4-FFF2-40B4-BE49-F238E27FC236}">
-                <a16:creationId xmlns:a16="http://schemas.microsoft.com/office/drawing/2014/main" id="{6DFDACA6-9E29-BD4B-8CFF-88FE936FFC54}"/>
-              </a:ext>
-            </a:extLst>
-          </p:cNvPr>
+          <p:cNvPr id="5" name="Footer Placeholder 4"/>
           <p:cNvSpPr>
             <a:spLocks noGrp="1"/>
           </p:cNvSpPr>
@@ -699,13 +632,7 @@
       </p:sp>
       <p:sp>
         <p:nvSpPr>
-          <p:cNvPr id="6" name="Slide Number Placeholder 5">
-            <a:extLst>
-              <a:ext uri="{FF2B5EF4-FFF2-40B4-BE49-F238E27FC236}">
-                <a16:creationId xmlns:a16="http://schemas.microsoft.com/office/drawing/2014/main" id="{2852C112-627F-CD4C-9534-712BDC317235}"/>
-              </a:ext>
-            </a:extLst>
-          </p:cNvPr>
+          <p:cNvPr id="6" name="Slide Number Placeholder 5"/>
           <p:cNvSpPr>
             <a:spLocks noGrp="1"/>
           </p:cNvSpPr>
@@ -729,7 +656,7 @@
     </p:spTree>
     <p:extLst>
       <p:ext uri="{BB962C8B-B14F-4D97-AF65-F5344CB8AC3E}">
-        <p14:creationId xmlns:p14="http://schemas.microsoft.com/office/powerpoint/2010/main" val="4102430831"/>
+        <p14:creationId xmlns:p14="http://schemas.microsoft.com/office/powerpoint/2010/main" val="2432303277"/>
       </p:ext>
     </p:extLst>
   </p:cSld>
@@ -758,13 +685,7 @@
       </p:grpSpPr>
       <p:sp>
         <p:nvSpPr>
-          <p:cNvPr id="2" name="Title 1">
-            <a:extLst>
-              <a:ext uri="{FF2B5EF4-FFF2-40B4-BE49-F238E27FC236}">
-                <a16:creationId xmlns:a16="http://schemas.microsoft.com/office/drawing/2014/main" id="{4A36FABD-49DA-9643-A9EC-EEF703443B19}"/>
-              </a:ext>
-            </a:extLst>
-          </p:cNvPr>
+          <p:cNvPr id="2" name="Title 1"/>
           <p:cNvSpPr>
             <a:spLocks noGrp="1"/>
           </p:cNvSpPr>
@@ -781,18 +702,13 @@
               <a:rPr lang="en-GB"/>
               <a:t>Click to edit Master title style</a:t>
             </a:r>
+            <a:endParaRPr lang="en-US" dirty="0"/>
           </a:p>
         </p:txBody>
       </p:sp>
       <p:sp>
         <p:nvSpPr>
-          <p:cNvPr id="3" name="Content Placeholder 2">
-            <a:extLst>
-              <a:ext uri="{FF2B5EF4-FFF2-40B4-BE49-F238E27FC236}">
-                <a16:creationId xmlns:a16="http://schemas.microsoft.com/office/drawing/2014/main" id="{3194F9E1-9E3D-314A-9A5C-2C299C553DAA}"/>
-              </a:ext>
-            </a:extLst>
-          </p:cNvPr>
+          <p:cNvPr id="3" name="Content Placeholder 2"/>
           <p:cNvSpPr>
             <a:spLocks noGrp="1"/>
           </p:cNvSpPr>
@@ -838,18 +754,13 @@
               <a:rPr lang="en-GB"/>
               <a:t>Fifth level</a:t>
             </a:r>
+            <a:endParaRPr lang="en-US" dirty="0"/>
           </a:p>
         </p:txBody>
       </p:sp>
       <p:sp>
         <p:nvSpPr>
-          <p:cNvPr id="4" name="Date Placeholder 3">
-            <a:extLst>
-              <a:ext uri="{FF2B5EF4-FFF2-40B4-BE49-F238E27FC236}">
-                <a16:creationId xmlns:a16="http://schemas.microsoft.com/office/drawing/2014/main" id="{9F9DC7DB-EE94-CB4B-860F-63E10B9FD65E}"/>
-              </a:ext>
-            </a:extLst>
-          </p:cNvPr>
+          <p:cNvPr id="4" name="Date Placeholder 3"/>
           <p:cNvSpPr>
             <a:spLocks noGrp="1"/>
           </p:cNvSpPr>
@@ -864,7 +775,7 @@
           <a:p>
             <a:fld id="{E57EA69A-F6CE-5E47-8D8A-CC0506B88AAC}" type="datetimeFigureOut">
               <a:rPr lang="en-GB" smtClean="0"/>
-              <a:t>15/12/2019</a:t>
+              <a:t>16/12/2019</a:t>
             </a:fld>
             <a:endParaRPr lang="en-GB"/>
           </a:p>
@@ -872,13 +783,7 @@
       </p:sp>
       <p:sp>
         <p:nvSpPr>
-          <p:cNvPr id="5" name="Footer Placeholder 4">
-            <a:extLst>
-              <a:ext uri="{FF2B5EF4-FFF2-40B4-BE49-F238E27FC236}">
-                <a16:creationId xmlns:a16="http://schemas.microsoft.com/office/drawing/2014/main" id="{30B937ED-D692-9B40-BEBB-A01FE4F93963}"/>
-              </a:ext>
-            </a:extLst>
-          </p:cNvPr>
+          <p:cNvPr id="5" name="Footer Placeholder 4"/>
           <p:cNvSpPr>
             <a:spLocks noGrp="1"/>
           </p:cNvSpPr>
@@ -897,13 +802,7 @@
       </p:sp>
       <p:sp>
         <p:nvSpPr>
-          <p:cNvPr id="6" name="Slide Number Placeholder 5">
-            <a:extLst>
-              <a:ext uri="{FF2B5EF4-FFF2-40B4-BE49-F238E27FC236}">
-                <a16:creationId xmlns:a16="http://schemas.microsoft.com/office/drawing/2014/main" id="{0D048307-69C4-4049-9085-BE893B27675A}"/>
-              </a:ext>
-            </a:extLst>
-          </p:cNvPr>
+          <p:cNvPr id="6" name="Slide Number Placeholder 5"/>
           <p:cNvSpPr>
             <a:spLocks noGrp="1"/>
           </p:cNvSpPr>
@@ -927,7 +826,7 @@
     </p:spTree>
     <p:extLst>
       <p:ext uri="{BB962C8B-B14F-4D97-AF65-F5344CB8AC3E}">
-        <p14:creationId xmlns:p14="http://schemas.microsoft.com/office/powerpoint/2010/main" val="2226253815"/>
+        <p14:creationId xmlns:p14="http://schemas.microsoft.com/office/powerpoint/2010/main" val="1199848781"/>
       </p:ext>
     </p:extLst>
   </p:cSld>
@@ -956,13 +855,7 @@
       </p:grpSpPr>
       <p:sp>
         <p:nvSpPr>
-          <p:cNvPr id="2" name="Title 1">
-            <a:extLst>
-              <a:ext uri="{FF2B5EF4-FFF2-40B4-BE49-F238E27FC236}">
-                <a16:creationId xmlns:a16="http://schemas.microsoft.com/office/drawing/2014/main" id="{746F3698-479E-A24F-A7E9-12B1675A3C07}"/>
-              </a:ext>
-            </a:extLst>
-          </p:cNvPr>
+          <p:cNvPr id="2" name="Title 1"/>
           <p:cNvSpPr>
             <a:spLocks noGrp="1"/>
           </p:cNvSpPr>
@@ -988,18 +881,13 @@
               <a:rPr lang="en-GB"/>
               <a:t>Click to edit Master title style</a:t>
             </a:r>
+            <a:endParaRPr lang="en-US" dirty="0"/>
           </a:p>
         </p:txBody>
       </p:sp>
       <p:sp>
         <p:nvSpPr>
-          <p:cNvPr id="3" name="Text Placeholder 2">
-            <a:extLst>
-              <a:ext uri="{FF2B5EF4-FFF2-40B4-BE49-F238E27FC236}">
-                <a16:creationId xmlns:a16="http://schemas.microsoft.com/office/drawing/2014/main" id="{137AAB84-80BC-F94D-ACA6-43DCAF914148}"/>
-              </a:ext>
-            </a:extLst>
-          </p:cNvPr>
+          <p:cNvPr id="3" name="Text Placeholder 2"/>
           <p:cNvSpPr>
             <a:spLocks noGrp="1"/>
           </p:cNvSpPr>
@@ -1118,13 +1006,7 @@
       </p:sp>
       <p:sp>
         <p:nvSpPr>
-          <p:cNvPr id="4" name="Date Placeholder 3">
-            <a:extLst>
-              <a:ext uri="{FF2B5EF4-FFF2-40B4-BE49-F238E27FC236}">
-                <a16:creationId xmlns:a16="http://schemas.microsoft.com/office/drawing/2014/main" id="{7D314EDC-2598-1B44-9D27-1BA0CE779D49}"/>
-              </a:ext>
-            </a:extLst>
-          </p:cNvPr>
+          <p:cNvPr id="4" name="Date Placeholder 3"/>
           <p:cNvSpPr>
             <a:spLocks noGrp="1"/>
           </p:cNvSpPr>
@@ -1139,7 +1021,7 @@
           <a:p>
             <a:fld id="{E57EA69A-F6CE-5E47-8D8A-CC0506B88AAC}" type="datetimeFigureOut">
               <a:rPr lang="en-GB" smtClean="0"/>
-              <a:t>15/12/2019</a:t>
+              <a:t>16/12/2019</a:t>
             </a:fld>
             <a:endParaRPr lang="en-GB"/>
           </a:p>
@@ -1147,13 +1029,7 @@
       </p:sp>
       <p:sp>
         <p:nvSpPr>
-          <p:cNvPr id="5" name="Footer Placeholder 4">
-            <a:extLst>
-              <a:ext uri="{FF2B5EF4-FFF2-40B4-BE49-F238E27FC236}">
-                <a16:creationId xmlns:a16="http://schemas.microsoft.com/office/drawing/2014/main" id="{A1FA3C5A-E194-1F4A-8255-E62D4DCE403A}"/>
-              </a:ext>
-            </a:extLst>
-          </p:cNvPr>
+          <p:cNvPr id="5" name="Footer Placeholder 4"/>
           <p:cNvSpPr>
             <a:spLocks noGrp="1"/>
           </p:cNvSpPr>
@@ -1172,13 +1048,7 @@
       </p:sp>
       <p:sp>
         <p:nvSpPr>
-          <p:cNvPr id="6" name="Slide Number Placeholder 5">
-            <a:extLst>
-              <a:ext uri="{FF2B5EF4-FFF2-40B4-BE49-F238E27FC236}">
-                <a16:creationId xmlns:a16="http://schemas.microsoft.com/office/drawing/2014/main" id="{DEA2EEB7-A587-4141-AEFD-242D27E0FA9C}"/>
-              </a:ext>
-            </a:extLst>
-          </p:cNvPr>
+          <p:cNvPr id="6" name="Slide Number Placeholder 5"/>
           <p:cNvSpPr>
             <a:spLocks noGrp="1"/>
           </p:cNvSpPr>
@@ -1202,7 +1072,7 @@
     </p:spTree>
     <p:extLst>
       <p:ext uri="{BB962C8B-B14F-4D97-AF65-F5344CB8AC3E}">
-        <p14:creationId xmlns:p14="http://schemas.microsoft.com/office/powerpoint/2010/main" val="1146762374"/>
+        <p14:creationId xmlns:p14="http://schemas.microsoft.com/office/powerpoint/2010/main" val="631299337"/>
       </p:ext>
     </p:extLst>
   </p:cSld>
@@ -1231,13 +1101,7 @@
       </p:grpSpPr>
       <p:sp>
         <p:nvSpPr>
-          <p:cNvPr id="2" name="Title 1">
-            <a:extLst>
-              <a:ext uri="{FF2B5EF4-FFF2-40B4-BE49-F238E27FC236}">
-                <a16:creationId xmlns:a16="http://schemas.microsoft.com/office/drawing/2014/main" id="{DF67D9DE-3DE4-DD49-94F4-857D3614930C}"/>
-              </a:ext>
-            </a:extLst>
-          </p:cNvPr>
+          <p:cNvPr id="2" name="Title 1"/>
           <p:cNvSpPr>
             <a:spLocks noGrp="1"/>
           </p:cNvSpPr>
@@ -1254,18 +1118,13 @@
               <a:rPr lang="en-GB"/>
               <a:t>Click to edit Master title style</a:t>
             </a:r>
+            <a:endParaRPr lang="en-US" dirty="0"/>
           </a:p>
         </p:txBody>
       </p:sp>
       <p:sp>
         <p:nvSpPr>
-          <p:cNvPr id="3" name="Content Placeholder 2">
-            <a:extLst>
-              <a:ext uri="{FF2B5EF4-FFF2-40B4-BE49-F238E27FC236}">
-                <a16:creationId xmlns:a16="http://schemas.microsoft.com/office/drawing/2014/main" id="{0204A753-9457-C249-B12B-3E8A02149BCC}"/>
-              </a:ext>
-            </a:extLst>
-          </p:cNvPr>
+          <p:cNvPr id="3" name="Content Placeholder 2"/>
           <p:cNvSpPr>
             <a:spLocks noGrp="1"/>
           </p:cNvSpPr>
@@ -1316,18 +1175,13 @@
               <a:rPr lang="en-GB"/>
               <a:t>Fifth level</a:t>
             </a:r>
+            <a:endParaRPr lang="en-US" dirty="0"/>
           </a:p>
         </p:txBody>
       </p:sp>
       <p:sp>
         <p:nvSpPr>
-          <p:cNvPr id="4" name="Content Placeholder 3">
-            <a:extLst>
-              <a:ext uri="{FF2B5EF4-FFF2-40B4-BE49-F238E27FC236}">
-                <a16:creationId xmlns:a16="http://schemas.microsoft.com/office/drawing/2014/main" id="{C214AA7A-681F-AB43-82EE-3FD101279E9A}"/>
-              </a:ext>
-            </a:extLst>
-          </p:cNvPr>
+          <p:cNvPr id="4" name="Content Placeholder 3"/>
           <p:cNvSpPr>
             <a:spLocks noGrp="1"/>
           </p:cNvSpPr>
@@ -1378,18 +1232,13 @@
               <a:rPr lang="en-GB"/>
               <a:t>Fifth level</a:t>
             </a:r>
+            <a:endParaRPr lang="en-US" dirty="0"/>
           </a:p>
         </p:txBody>
       </p:sp>
       <p:sp>
         <p:nvSpPr>
-          <p:cNvPr id="5" name="Date Placeholder 4">
-            <a:extLst>
-              <a:ext uri="{FF2B5EF4-FFF2-40B4-BE49-F238E27FC236}">
-                <a16:creationId xmlns:a16="http://schemas.microsoft.com/office/drawing/2014/main" id="{12E38EF1-1A48-A348-9EAA-41BD0EFE0B51}"/>
-              </a:ext>
-            </a:extLst>
-          </p:cNvPr>
+          <p:cNvPr id="5" name="Date Placeholder 4"/>
           <p:cNvSpPr>
             <a:spLocks noGrp="1"/>
           </p:cNvSpPr>
@@ -1404,7 +1253,7 @@
           <a:p>
             <a:fld id="{E57EA69A-F6CE-5E47-8D8A-CC0506B88AAC}" type="datetimeFigureOut">
               <a:rPr lang="en-GB" smtClean="0"/>
-              <a:t>15/12/2019</a:t>
+              <a:t>16/12/2019</a:t>
             </a:fld>
             <a:endParaRPr lang="en-GB"/>
           </a:p>
@@ -1412,13 +1261,7 @@
       </p:sp>
       <p:sp>
         <p:nvSpPr>
-          <p:cNvPr id="6" name="Footer Placeholder 5">
-            <a:extLst>
-              <a:ext uri="{FF2B5EF4-FFF2-40B4-BE49-F238E27FC236}">
-                <a16:creationId xmlns:a16="http://schemas.microsoft.com/office/drawing/2014/main" id="{09F2C36E-F1B0-FC4A-92D8-277950726222}"/>
-              </a:ext>
-            </a:extLst>
-          </p:cNvPr>
+          <p:cNvPr id="6" name="Footer Placeholder 5"/>
           <p:cNvSpPr>
             <a:spLocks noGrp="1"/>
           </p:cNvSpPr>
@@ -1437,13 +1280,7 @@
       </p:sp>
       <p:sp>
         <p:nvSpPr>
-          <p:cNvPr id="7" name="Slide Number Placeholder 6">
-            <a:extLst>
-              <a:ext uri="{FF2B5EF4-FFF2-40B4-BE49-F238E27FC236}">
-                <a16:creationId xmlns:a16="http://schemas.microsoft.com/office/drawing/2014/main" id="{3CE2DFB1-D1CD-604B-9573-EA0C2EFAFE5F}"/>
-              </a:ext>
-            </a:extLst>
-          </p:cNvPr>
+          <p:cNvPr id="7" name="Slide Number Placeholder 6"/>
           <p:cNvSpPr>
             <a:spLocks noGrp="1"/>
           </p:cNvSpPr>
@@ -1467,7 +1304,7 @@
     </p:spTree>
     <p:extLst>
       <p:ext uri="{BB962C8B-B14F-4D97-AF65-F5344CB8AC3E}">
-        <p14:creationId xmlns:p14="http://schemas.microsoft.com/office/powerpoint/2010/main" val="2674640547"/>
+        <p14:creationId xmlns:p14="http://schemas.microsoft.com/office/powerpoint/2010/main" val="3073428695"/>
       </p:ext>
     </p:extLst>
   </p:cSld>
@@ -1496,13 +1333,7 @@
       </p:grpSpPr>
       <p:sp>
         <p:nvSpPr>
-          <p:cNvPr id="2" name="Title 1">
-            <a:extLst>
-              <a:ext uri="{FF2B5EF4-FFF2-40B4-BE49-F238E27FC236}">
-                <a16:creationId xmlns:a16="http://schemas.microsoft.com/office/drawing/2014/main" id="{33EE1372-C410-1646-B7F8-BD631DC44F0E}"/>
-              </a:ext>
-            </a:extLst>
-          </p:cNvPr>
+          <p:cNvPr id="2" name="Title 1"/>
           <p:cNvSpPr>
             <a:spLocks noGrp="1"/>
           </p:cNvSpPr>
@@ -1524,18 +1355,13 @@
               <a:rPr lang="en-GB"/>
               <a:t>Click to edit Master title style</a:t>
             </a:r>
+            <a:endParaRPr lang="en-US" dirty="0"/>
           </a:p>
         </p:txBody>
       </p:sp>
       <p:sp>
         <p:nvSpPr>
-          <p:cNvPr id="3" name="Text Placeholder 2">
-            <a:extLst>
-              <a:ext uri="{FF2B5EF4-FFF2-40B4-BE49-F238E27FC236}">
-                <a16:creationId xmlns:a16="http://schemas.microsoft.com/office/drawing/2014/main" id="{F705A8C0-085C-3744-A124-737CD5178A7A}"/>
-              </a:ext>
-            </a:extLst>
-          </p:cNvPr>
+          <p:cNvPr id="3" name="Text Placeholder 2"/>
           <p:cNvSpPr>
             <a:spLocks noGrp="1"/>
           </p:cNvSpPr>
@@ -1600,13 +1426,7 @@
       </p:sp>
       <p:sp>
         <p:nvSpPr>
-          <p:cNvPr id="4" name="Content Placeholder 3">
-            <a:extLst>
-              <a:ext uri="{FF2B5EF4-FFF2-40B4-BE49-F238E27FC236}">
-                <a16:creationId xmlns:a16="http://schemas.microsoft.com/office/drawing/2014/main" id="{B7EF9CBB-1B1F-0747-8568-2FA647D283EB}"/>
-              </a:ext>
-            </a:extLst>
-          </p:cNvPr>
+          <p:cNvPr id="4" name="Content Placeholder 3"/>
           <p:cNvSpPr>
             <a:spLocks noGrp="1"/>
           </p:cNvSpPr>
@@ -1657,18 +1477,13 @@
               <a:rPr lang="en-GB"/>
               <a:t>Fifth level</a:t>
             </a:r>
+            <a:endParaRPr lang="en-US" dirty="0"/>
           </a:p>
         </p:txBody>
       </p:sp>
       <p:sp>
         <p:nvSpPr>
-          <p:cNvPr id="5" name="Text Placeholder 4">
-            <a:extLst>
-              <a:ext uri="{FF2B5EF4-FFF2-40B4-BE49-F238E27FC236}">
-                <a16:creationId xmlns:a16="http://schemas.microsoft.com/office/drawing/2014/main" id="{7D6AF4F1-5EED-2E47-826A-7DEB0730370B}"/>
-              </a:ext>
-            </a:extLst>
-          </p:cNvPr>
+          <p:cNvPr id="5" name="Text Placeholder 4"/>
           <p:cNvSpPr>
             <a:spLocks noGrp="1"/>
           </p:cNvSpPr>
@@ -1733,13 +1548,7 @@
       </p:sp>
       <p:sp>
         <p:nvSpPr>
-          <p:cNvPr id="6" name="Content Placeholder 5">
-            <a:extLst>
-              <a:ext uri="{FF2B5EF4-FFF2-40B4-BE49-F238E27FC236}">
-                <a16:creationId xmlns:a16="http://schemas.microsoft.com/office/drawing/2014/main" id="{74E7F48C-AFB7-374F-A01C-FFFD4DE0B583}"/>
-              </a:ext>
-            </a:extLst>
-          </p:cNvPr>
+          <p:cNvPr id="6" name="Content Placeholder 5"/>
           <p:cNvSpPr>
             <a:spLocks noGrp="1"/>
           </p:cNvSpPr>
@@ -1790,18 +1599,13 @@
               <a:rPr lang="en-GB"/>
               <a:t>Fifth level</a:t>
             </a:r>
+            <a:endParaRPr lang="en-US" dirty="0"/>
           </a:p>
         </p:txBody>
       </p:sp>
       <p:sp>
         <p:nvSpPr>
-          <p:cNvPr id="7" name="Date Placeholder 6">
-            <a:extLst>
-              <a:ext uri="{FF2B5EF4-FFF2-40B4-BE49-F238E27FC236}">
-                <a16:creationId xmlns:a16="http://schemas.microsoft.com/office/drawing/2014/main" id="{6D1313C0-FE81-414E-848B-22DEA1802C8F}"/>
-              </a:ext>
-            </a:extLst>
-          </p:cNvPr>
+          <p:cNvPr id="7" name="Date Placeholder 6"/>
           <p:cNvSpPr>
             <a:spLocks noGrp="1"/>
           </p:cNvSpPr>
@@ -1816,7 +1620,7 @@
           <a:p>
             <a:fld id="{E57EA69A-F6CE-5E47-8D8A-CC0506B88AAC}" type="datetimeFigureOut">
               <a:rPr lang="en-GB" smtClean="0"/>
-              <a:t>15/12/2019</a:t>
+              <a:t>16/12/2019</a:t>
             </a:fld>
             <a:endParaRPr lang="en-GB"/>
           </a:p>
@@ -1824,13 +1628,7 @@
       </p:sp>
       <p:sp>
         <p:nvSpPr>
-          <p:cNvPr id="8" name="Footer Placeholder 7">
-            <a:extLst>
-              <a:ext uri="{FF2B5EF4-FFF2-40B4-BE49-F238E27FC236}">
-                <a16:creationId xmlns:a16="http://schemas.microsoft.com/office/drawing/2014/main" id="{6021C027-43D0-574B-94E6-60DF2CD733B3}"/>
-              </a:ext>
-            </a:extLst>
-          </p:cNvPr>
+          <p:cNvPr id="8" name="Footer Placeholder 7"/>
           <p:cNvSpPr>
             <a:spLocks noGrp="1"/>
           </p:cNvSpPr>
@@ -1849,13 +1647,7 @@
       </p:sp>
       <p:sp>
         <p:nvSpPr>
-          <p:cNvPr id="9" name="Slide Number Placeholder 8">
-            <a:extLst>
-              <a:ext uri="{FF2B5EF4-FFF2-40B4-BE49-F238E27FC236}">
-                <a16:creationId xmlns:a16="http://schemas.microsoft.com/office/drawing/2014/main" id="{5846E2FC-FE58-6E43-AF2E-FE0A0808F39C}"/>
-              </a:ext>
-            </a:extLst>
-          </p:cNvPr>
+          <p:cNvPr id="9" name="Slide Number Placeholder 8"/>
           <p:cNvSpPr>
             <a:spLocks noGrp="1"/>
           </p:cNvSpPr>
@@ -1879,7 +1671,7 @@
     </p:spTree>
     <p:extLst>
       <p:ext uri="{BB962C8B-B14F-4D97-AF65-F5344CB8AC3E}">
-        <p14:creationId xmlns:p14="http://schemas.microsoft.com/office/powerpoint/2010/main" val="3028389693"/>
+        <p14:creationId xmlns:p14="http://schemas.microsoft.com/office/powerpoint/2010/main" val="3628529116"/>
       </p:ext>
     </p:extLst>
   </p:cSld>
@@ -1908,13 +1700,7 @@
       </p:grpSpPr>
       <p:sp>
         <p:nvSpPr>
-          <p:cNvPr id="2" name="Title 1">
-            <a:extLst>
-              <a:ext uri="{FF2B5EF4-FFF2-40B4-BE49-F238E27FC236}">
-                <a16:creationId xmlns:a16="http://schemas.microsoft.com/office/drawing/2014/main" id="{9AFB8AEC-D042-4147-9046-CA86477BBB2C}"/>
-              </a:ext>
-            </a:extLst>
-          </p:cNvPr>
+          <p:cNvPr id="2" name="Title 1"/>
           <p:cNvSpPr>
             <a:spLocks noGrp="1"/>
           </p:cNvSpPr>
@@ -1931,18 +1717,13 @@
               <a:rPr lang="en-GB"/>
               <a:t>Click to edit Master title style</a:t>
             </a:r>
+            <a:endParaRPr lang="en-US" dirty="0"/>
           </a:p>
         </p:txBody>
       </p:sp>
       <p:sp>
         <p:nvSpPr>
-          <p:cNvPr id="3" name="Date Placeholder 2">
-            <a:extLst>
-              <a:ext uri="{FF2B5EF4-FFF2-40B4-BE49-F238E27FC236}">
-                <a16:creationId xmlns:a16="http://schemas.microsoft.com/office/drawing/2014/main" id="{E0B65DDB-4B8D-A84C-8104-129DBE956063}"/>
-              </a:ext>
-            </a:extLst>
-          </p:cNvPr>
+          <p:cNvPr id="3" name="Date Placeholder 2"/>
           <p:cNvSpPr>
             <a:spLocks noGrp="1"/>
           </p:cNvSpPr>
@@ -1957,7 +1738,7 @@
           <a:p>
             <a:fld id="{E57EA69A-F6CE-5E47-8D8A-CC0506B88AAC}" type="datetimeFigureOut">
               <a:rPr lang="en-GB" smtClean="0"/>
-              <a:t>15/12/2019</a:t>
+              <a:t>16/12/2019</a:t>
             </a:fld>
             <a:endParaRPr lang="en-GB"/>
           </a:p>
@@ -1965,13 +1746,7 @@
       </p:sp>
       <p:sp>
         <p:nvSpPr>
-          <p:cNvPr id="4" name="Footer Placeholder 3">
-            <a:extLst>
-              <a:ext uri="{FF2B5EF4-FFF2-40B4-BE49-F238E27FC236}">
-                <a16:creationId xmlns:a16="http://schemas.microsoft.com/office/drawing/2014/main" id="{49F72F67-B4A9-FD45-B638-2B9CD81FBEAF}"/>
-              </a:ext>
-            </a:extLst>
-          </p:cNvPr>
+          <p:cNvPr id="4" name="Footer Placeholder 3"/>
           <p:cNvSpPr>
             <a:spLocks noGrp="1"/>
           </p:cNvSpPr>
@@ -1990,13 +1765,7 @@
       </p:sp>
       <p:sp>
         <p:nvSpPr>
-          <p:cNvPr id="5" name="Slide Number Placeholder 4">
-            <a:extLst>
-              <a:ext uri="{FF2B5EF4-FFF2-40B4-BE49-F238E27FC236}">
-                <a16:creationId xmlns:a16="http://schemas.microsoft.com/office/drawing/2014/main" id="{8FF7465D-DDB4-264F-A41F-3EFD36D01B71}"/>
-              </a:ext>
-            </a:extLst>
-          </p:cNvPr>
+          <p:cNvPr id="5" name="Slide Number Placeholder 4"/>
           <p:cNvSpPr>
             <a:spLocks noGrp="1"/>
           </p:cNvSpPr>
@@ -2020,7 +1789,7 @@
     </p:spTree>
     <p:extLst>
       <p:ext uri="{BB962C8B-B14F-4D97-AF65-F5344CB8AC3E}">
-        <p14:creationId xmlns:p14="http://schemas.microsoft.com/office/powerpoint/2010/main" val="900091489"/>
+        <p14:creationId xmlns:p14="http://schemas.microsoft.com/office/powerpoint/2010/main" val="3831824945"/>
       </p:ext>
     </p:extLst>
   </p:cSld>
@@ -2049,13 +1818,7 @@
       </p:grpSpPr>
       <p:sp>
         <p:nvSpPr>
-          <p:cNvPr id="2" name="Date Placeholder 1">
-            <a:extLst>
-              <a:ext uri="{FF2B5EF4-FFF2-40B4-BE49-F238E27FC236}">
-                <a16:creationId xmlns:a16="http://schemas.microsoft.com/office/drawing/2014/main" id="{6D5D037E-9469-4341-ABB0-74667BAB453E}"/>
-              </a:ext>
-            </a:extLst>
-          </p:cNvPr>
+          <p:cNvPr id="2" name="Date Placeholder 1"/>
           <p:cNvSpPr>
             <a:spLocks noGrp="1"/>
           </p:cNvSpPr>
@@ -2070,7 +1833,7 @@
           <a:p>
             <a:fld id="{E57EA69A-F6CE-5E47-8D8A-CC0506B88AAC}" type="datetimeFigureOut">
               <a:rPr lang="en-GB" smtClean="0"/>
-              <a:t>15/12/2019</a:t>
+              <a:t>16/12/2019</a:t>
             </a:fld>
             <a:endParaRPr lang="en-GB"/>
           </a:p>
@@ -2078,13 +1841,7 @@
       </p:sp>
       <p:sp>
         <p:nvSpPr>
-          <p:cNvPr id="3" name="Footer Placeholder 2">
-            <a:extLst>
-              <a:ext uri="{FF2B5EF4-FFF2-40B4-BE49-F238E27FC236}">
-                <a16:creationId xmlns:a16="http://schemas.microsoft.com/office/drawing/2014/main" id="{95178152-BD9B-4E44-9584-5909EBC90E79}"/>
-              </a:ext>
-            </a:extLst>
-          </p:cNvPr>
+          <p:cNvPr id="3" name="Footer Placeholder 2"/>
           <p:cNvSpPr>
             <a:spLocks noGrp="1"/>
           </p:cNvSpPr>
@@ -2103,13 +1860,7 @@
       </p:sp>
       <p:sp>
         <p:nvSpPr>
-          <p:cNvPr id="4" name="Slide Number Placeholder 3">
-            <a:extLst>
-              <a:ext uri="{FF2B5EF4-FFF2-40B4-BE49-F238E27FC236}">
-                <a16:creationId xmlns:a16="http://schemas.microsoft.com/office/drawing/2014/main" id="{E8C65D9B-35E2-5546-9D9B-AF6703C6E3CE}"/>
-              </a:ext>
-            </a:extLst>
-          </p:cNvPr>
+          <p:cNvPr id="4" name="Slide Number Placeholder 3"/>
           <p:cNvSpPr>
             <a:spLocks noGrp="1"/>
           </p:cNvSpPr>
@@ -2133,7 +1884,7 @@
     </p:spTree>
     <p:extLst>
       <p:ext uri="{BB962C8B-B14F-4D97-AF65-F5344CB8AC3E}">
-        <p14:creationId xmlns:p14="http://schemas.microsoft.com/office/powerpoint/2010/main" val="3696626557"/>
+        <p14:creationId xmlns:p14="http://schemas.microsoft.com/office/powerpoint/2010/main" val="1466130947"/>
       </p:ext>
     </p:extLst>
   </p:cSld>
@@ -2162,13 +1913,7 @@
       </p:grpSpPr>
       <p:sp>
         <p:nvSpPr>
-          <p:cNvPr id="2" name="Title 1">
-            <a:extLst>
-              <a:ext uri="{FF2B5EF4-FFF2-40B4-BE49-F238E27FC236}">
-                <a16:creationId xmlns:a16="http://schemas.microsoft.com/office/drawing/2014/main" id="{F788E480-141C-194E-AB36-66921C3CD264}"/>
-              </a:ext>
-            </a:extLst>
-          </p:cNvPr>
+          <p:cNvPr id="2" name="Title 1"/>
           <p:cNvSpPr>
             <a:spLocks noGrp="1"/>
           </p:cNvSpPr>
@@ -2194,18 +1939,13 @@
               <a:rPr lang="en-GB"/>
               <a:t>Click to edit Master title style</a:t>
             </a:r>
+            <a:endParaRPr lang="en-US" dirty="0"/>
           </a:p>
         </p:txBody>
       </p:sp>
       <p:sp>
         <p:nvSpPr>
-          <p:cNvPr id="3" name="Content Placeholder 2">
-            <a:extLst>
-              <a:ext uri="{FF2B5EF4-FFF2-40B4-BE49-F238E27FC236}">
-                <a16:creationId xmlns:a16="http://schemas.microsoft.com/office/drawing/2014/main" id="{AE23004B-3A36-4B4A-9D93-1E8680731DAC}"/>
-              </a:ext>
-            </a:extLst>
-          </p:cNvPr>
+          <p:cNvPr id="3" name="Content Placeholder 2"/>
           <p:cNvSpPr>
             <a:spLocks noGrp="1"/>
           </p:cNvSpPr>
@@ -2284,18 +2024,13 @@
               <a:rPr lang="en-GB"/>
               <a:t>Fifth level</a:t>
             </a:r>
+            <a:endParaRPr lang="en-US" dirty="0"/>
           </a:p>
         </p:txBody>
       </p:sp>
       <p:sp>
         <p:nvSpPr>
-          <p:cNvPr id="4" name="Text Placeholder 3">
-            <a:extLst>
-              <a:ext uri="{FF2B5EF4-FFF2-40B4-BE49-F238E27FC236}">
-                <a16:creationId xmlns:a16="http://schemas.microsoft.com/office/drawing/2014/main" id="{7B46AD77-795A-584F-B9F7-4503A7B6F028}"/>
-              </a:ext>
-            </a:extLst>
-          </p:cNvPr>
+          <p:cNvPr id="4" name="Text Placeholder 3"/>
           <p:cNvSpPr>
             <a:spLocks noGrp="1"/>
           </p:cNvSpPr>
@@ -2360,13 +2095,7 @@
       </p:sp>
       <p:sp>
         <p:nvSpPr>
-          <p:cNvPr id="5" name="Date Placeholder 4">
-            <a:extLst>
-              <a:ext uri="{FF2B5EF4-FFF2-40B4-BE49-F238E27FC236}">
-                <a16:creationId xmlns:a16="http://schemas.microsoft.com/office/drawing/2014/main" id="{21A6372E-64B9-D74A-8BD8-4A7EAB3D2764}"/>
-              </a:ext>
-            </a:extLst>
-          </p:cNvPr>
+          <p:cNvPr id="5" name="Date Placeholder 4"/>
           <p:cNvSpPr>
             <a:spLocks noGrp="1"/>
           </p:cNvSpPr>
@@ -2381,7 +2110,7 @@
           <a:p>
             <a:fld id="{E57EA69A-F6CE-5E47-8D8A-CC0506B88AAC}" type="datetimeFigureOut">
               <a:rPr lang="en-GB" smtClean="0"/>
-              <a:t>15/12/2019</a:t>
+              <a:t>16/12/2019</a:t>
             </a:fld>
             <a:endParaRPr lang="en-GB"/>
           </a:p>
@@ -2389,13 +2118,7 @@
       </p:sp>
       <p:sp>
         <p:nvSpPr>
-          <p:cNvPr id="6" name="Footer Placeholder 5">
-            <a:extLst>
-              <a:ext uri="{FF2B5EF4-FFF2-40B4-BE49-F238E27FC236}">
-                <a16:creationId xmlns:a16="http://schemas.microsoft.com/office/drawing/2014/main" id="{DFEA5FAF-60C1-8741-9EF4-D76276D7B8EF}"/>
-              </a:ext>
-            </a:extLst>
-          </p:cNvPr>
+          <p:cNvPr id="6" name="Footer Placeholder 5"/>
           <p:cNvSpPr>
             <a:spLocks noGrp="1"/>
           </p:cNvSpPr>
@@ -2414,13 +2137,7 @@
       </p:sp>
       <p:sp>
         <p:nvSpPr>
-          <p:cNvPr id="7" name="Slide Number Placeholder 6">
-            <a:extLst>
-              <a:ext uri="{FF2B5EF4-FFF2-40B4-BE49-F238E27FC236}">
-                <a16:creationId xmlns:a16="http://schemas.microsoft.com/office/drawing/2014/main" id="{6572B4C0-9306-0241-AF6B-42F3030BC30E}"/>
-              </a:ext>
-            </a:extLst>
-          </p:cNvPr>
+          <p:cNvPr id="7" name="Slide Number Placeholder 6"/>
           <p:cNvSpPr>
             <a:spLocks noGrp="1"/>
           </p:cNvSpPr>
@@ -2444,7 +2161,7 @@
     </p:spTree>
     <p:extLst>
       <p:ext uri="{BB962C8B-B14F-4D97-AF65-F5344CB8AC3E}">
-        <p14:creationId xmlns:p14="http://schemas.microsoft.com/office/powerpoint/2010/main" val="902264904"/>
+        <p14:creationId xmlns:p14="http://schemas.microsoft.com/office/powerpoint/2010/main" val="3479388918"/>
       </p:ext>
     </p:extLst>
   </p:cSld>
@@ -2473,13 +2190,7 @@
       </p:grpSpPr>
       <p:sp>
         <p:nvSpPr>
-          <p:cNvPr id="2" name="Title 1">
-            <a:extLst>
-              <a:ext uri="{FF2B5EF4-FFF2-40B4-BE49-F238E27FC236}">
-                <a16:creationId xmlns:a16="http://schemas.microsoft.com/office/drawing/2014/main" id="{A122E173-26F6-D74E-A984-CCBEDA0C41A0}"/>
-              </a:ext>
-            </a:extLst>
-          </p:cNvPr>
+          <p:cNvPr id="2" name="Title 1"/>
           <p:cNvSpPr>
             <a:spLocks noGrp="1"/>
           </p:cNvSpPr>
@@ -2505,20 +2216,15 @@
               <a:rPr lang="en-GB"/>
               <a:t>Click to edit Master title style</a:t>
             </a:r>
+            <a:endParaRPr lang="en-US" dirty="0"/>
           </a:p>
         </p:txBody>
       </p:sp>
       <p:sp>
         <p:nvSpPr>
-          <p:cNvPr id="3" name="Picture Placeholder 2">
-            <a:extLst>
-              <a:ext uri="{FF2B5EF4-FFF2-40B4-BE49-F238E27FC236}">
-                <a16:creationId xmlns:a16="http://schemas.microsoft.com/office/drawing/2014/main" id="{E861EA34-E857-FF40-B3A2-2792DB61DF5F}"/>
-              </a:ext>
-            </a:extLst>
-          </p:cNvPr>
+          <p:cNvPr id="3" name="Picture Placeholder 2"/>
           <p:cNvSpPr>
-            <a:spLocks noGrp="1"/>
+            <a:spLocks noGrp="1" noChangeAspect="1"/>
           </p:cNvSpPr>
           <p:nvPr>
             <p:ph type="pic" idx="1"/>
@@ -2531,7 +2237,7 @@
           </a:xfrm>
         </p:spPr>
         <p:txBody>
-          <a:bodyPr/>
+          <a:bodyPr anchor="t"/>
           <a:lstStyle>
             <a:lvl1pPr marL="0" indent="0">
               <a:buNone/>
@@ -2571,19 +2277,17 @@
             </a:lvl9pPr>
           </a:lstStyle>
           <a:p>
-            <a:endParaRPr lang="en-GB"/>
+            <a:r>
+              <a:rPr lang="en-GB"/>
+              <a:t>Click icon to add picture</a:t>
+            </a:r>
+            <a:endParaRPr lang="en-US" dirty="0"/>
           </a:p>
         </p:txBody>
       </p:sp>
       <p:sp>
         <p:nvSpPr>
-          <p:cNvPr id="4" name="Text Placeholder 3">
-            <a:extLst>
-              <a:ext uri="{FF2B5EF4-FFF2-40B4-BE49-F238E27FC236}">
-                <a16:creationId xmlns:a16="http://schemas.microsoft.com/office/drawing/2014/main" id="{10EC68C5-589B-334C-9B34-E6E90B823F26}"/>
-              </a:ext>
-            </a:extLst>
-          </p:cNvPr>
+          <p:cNvPr id="4" name="Text Placeholder 3"/>
           <p:cNvSpPr>
             <a:spLocks noGrp="1"/>
           </p:cNvSpPr>
@@ -2648,13 +2352,7 @@
       </p:sp>
       <p:sp>
         <p:nvSpPr>
-          <p:cNvPr id="5" name="Date Placeholder 4">
-            <a:extLst>
-              <a:ext uri="{FF2B5EF4-FFF2-40B4-BE49-F238E27FC236}">
-                <a16:creationId xmlns:a16="http://schemas.microsoft.com/office/drawing/2014/main" id="{5C79B761-9FA7-DE42-B15B-8EF1C037B38E}"/>
-              </a:ext>
-            </a:extLst>
-          </p:cNvPr>
+          <p:cNvPr id="5" name="Date Placeholder 4"/>
           <p:cNvSpPr>
             <a:spLocks noGrp="1"/>
           </p:cNvSpPr>
@@ -2669,7 +2367,7 @@
           <a:p>
             <a:fld id="{E57EA69A-F6CE-5E47-8D8A-CC0506B88AAC}" type="datetimeFigureOut">
               <a:rPr lang="en-GB" smtClean="0"/>
-              <a:t>15/12/2019</a:t>
+              <a:t>16/12/2019</a:t>
             </a:fld>
             <a:endParaRPr lang="en-GB"/>
           </a:p>
@@ -2677,13 +2375,7 @@
       </p:sp>
       <p:sp>
         <p:nvSpPr>
-          <p:cNvPr id="6" name="Footer Placeholder 5">
-            <a:extLst>
-              <a:ext uri="{FF2B5EF4-FFF2-40B4-BE49-F238E27FC236}">
-                <a16:creationId xmlns:a16="http://schemas.microsoft.com/office/drawing/2014/main" id="{DA2E32FA-AA9A-174D-B876-DB12EA417058}"/>
-              </a:ext>
-            </a:extLst>
-          </p:cNvPr>
+          <p:cNvPr id="6" name="Footer Placeholder 5"/>
           <p:cNvSpPr>
             <a:spLocks noGrp="1"/>
           </p:cNvSpPr>
@@ -2702,13 +2394,7 @@
       </p:sp>
       <p:sp>
         <p:nvSpPr>
-          <p:cNvPr id="7" name="Slide Number Placeholder 6">
-            <a:extLst>
-              <a:ext uri="{FF2B5EF4-FFF2-40B4-BE49-F238E27FC236}">
-                <a16:creationId xmlns:a16="http://schemas.microsoft.com/office/drawing/2014/main" id="{DF95A8ED-BC62-E245-A95F-35F8694C6506}"/>
-              </a:ext>
-            </a:extLst>
-          </p:cNvPr>
+          <p:cNvPr id="7" name="Slide Number Placeholder 6"/>
           <p:cNvSpPr>
             <a:spLocks noGrp="1"/>
           </p:cNvSpPr>
@@ -2732,7 +2418,7 @@
     </p:spTree>
     <p:extLst>
       <p:ext uri="{BB962C8B-B14F-4D97-AF65-F5344CB8AC3E}">
-        <p14:creationId xmlns:p14="http://schemas.microsoft.com/office/powerpoint/2010/main" val="1347435815"/>
+        <p14:creationId xmlns:p14="http://schemas.microsoft.com/office/powerpoint/2010/main" val="2423931839"/>
       </p:ext>
     </p:extLst>
   </p:cSld>
@@ -2766,13 +2452,7 @@
       </p:grpSpPr>
       <p:sp>
         <p:nvSpPr>
-          <p:cNvPr id="2" name="Title Placeholder 1">
-            <a:extLst>
-              <a:ext uri="{FF2B5EF4-FFF2-40B4-BE49-F238E27FC236}">
-                <a16:creationId xmlns:a16="http://schemas.microsoft.com/office/drawing/2014/main" id="{5A75F9EA-5EB0-CC4E-AF64-585203C61217}"/>
-              </a:ext>
-            </a:extLst>
-          </p:cNvPr>
+          <p:cNvPr id="2" name="Title Placeholder 1"/>
           <p:cNvSpPr>
             <a:spLocks noGrp="1"/>
           </p:cNvSpPr>
@@ -2796,21 +2476,16 @@
           <a:lstStyle/>
           <a:p>
             <a:r>
-              <a:rPr lang="en-GB"/>
+              <a:rPr lang="en-GB" dirty="0"/>
               <a:t>Click to edit Master title style</a:t>
             </a:r>
+            <a:endParaRPr lang="en-US" dirty="0"/>
           </a:p>
         </p:txBody>
       </p:sp>
       <p:sp>
         <p:nvSpPr>
-          <p:cNvPr id="3" name="Text Placeholder 2">
-            <a:extLst>
-              <a:ext uri="{FF2B5EF4-FFF2-40B4-BE49-F238E27FC236}">
-                <a16:creationId xmlns:a16="http://schemas.microsoft.com/office/drawing/2014/main" id="{0EBD30AD-4045-CB42-BC7F-4A7D06AF90C7}"/>
-              </a:ext>
-            </a:extLst>
-          </p:cNvPr>
+          <p:cNvPr id="3" name="Text Placeholder 2"/>
           <p:cNvSpPr>
             <a:spLocks noGrp="1"/>
           </p:cNvSpPr>
@@ -2866,18 +2541,13 @@
               <a:rPr lang="en-GB"/>
               <a:t>Fifth level</a:t>
             </a:r>
+            <a:endParaRPr lang="en-US" dirty="0"/>
           </a:p>
         </p:txBody>
       </p:sp>
       <p:sp>
         <p:nvSpPr>
-          <p:cNvPr id="4" name="Date Placeholder 3">
-            <a:extLst>
-              <a:ext uri="{FF2B5EF4-FFF2-40B4-BE49-F238E27FC236}">
-                <a16:creationId xmlns:a16="http://schemas.microsoft.com/office/drawing/2014/main" id="{67ACA21A-AF05-5F4D-859F-3CCB895D9FC5}"/>
-              </a:ext>
-            </a:extLst>
-          </p:cNvPr>
+          <p:cNvPr id="4" name="Date Placeholder 3"/>
           <p:cNvSpPr>
             <a:spLocks noGrp="1"/>
           </p:cNvSpPr>
@@ -2910,7 +2580,7 @@
           <a:p>
             <a:fld id="{E57EA69A-F6CE-5E47-8D8A-CC0506B88AAC}" type="datetimeFigureOut">
               <a:rPr lang="en-GB" smtClean="0"/>
-              <a:t>15/12/2019</a:t>
+              <a:t>16/12/2019</a:t>
             </a:fld>
             <a:endParaRPr lang="en-GB"/>
           </a:p>
@@ -2918,13 +2588,7 @@
       </p:sp>
       <p:sp>
         <p:nvSpPr>
-          <p:cNvPr id="5" name="Footer Placeholder 4">
-            <a:extLst>
-              <a:ext uri="{FF2B5EF4-FFF2-40B4-BE49-F238E27FC236}">
-                <a16:creationId xmlns:a16="http://schemas.microsoft.com/office/drawing/2014/main" id="{9BAEE59E-7C3F-1E42-86AF-5FF0A790CB9A}"/>
-              </a:ext>
-            </a:extLst>
-          </p:cNvPr>
+          <p:cNvPr id="5" name="Footer Placeholder 4"/>
           <p:cNvSpPr>
             <a:spLocks noGrp="1"/>
           </p:cNvSpPr>
@@ -2961,13 +2625,7 @@
       </p:sp>
       <p:sp>
         <p:nvSpPr>
-          <p:cNvPr id="6" name="Slide Number Placeholder 5">
-            <a:extLst>
-              <a:ext uri="{FF2B5EF4-FFF2-40B4-BE49-F238E27FC236}">
-                <a16:creationId xmlns:a16="http://schemas.microsoft.com/office/drawing/2014/main" id="{6973D2B7-6BE4-F146-B1FD-E1BF2A9E623D}"/>
-              </a:ext>
-            </a:extLst>
-          </p:cNvPr>
+          <p:cNvPr id="6" name="Slide Number Placeholder 5"/>
           <p:cNvSpPr>
             <a:spLocks noGrp="1"/>
           </p:cNvSpPr>
@@ -3009,27 +2667,27 @@
     </p:spTree>
     <p:extLst>
       <p:ext uri="{BB962C8B-B14F-4D97-AF65-F5344CB8AC3E}">
-        <p14:creationId xmlns:p14="http://schemas.microsoft.com/office/powerpoint/2010/main" val="599612809"/>
+        <p14:creationId xmlns:p14="http://schemas.microsoft.com/office/powerpoint/2010/main" val="1634947420"/>
       </p:ext>
     </p:extLst>
   </p:cSld>
-  <p:clrMap bg1="lt1" tx1="dk1" bg2="lt2" tx2="dk2" accent1="accent1" accent2="accent2" accent3="accent3" accent4="accent4" accent5="accent5" accent6="accent6" hlink="hlink" folHlink="folHlink"/>
+  <p:clrMap bg1="dk1" tx1="lt1" bg2="dk2" tx2="lt2" accent1="accent1" accent2="accent2" accent3="accent3" accent4="accent4" accent5="accent5" accent6="accent6" hlink="hlink" folHlink="folHlink"/>
   <p:sldLayoutIdLst>
-    <p:sldLayoutId id="2147483649" r:id="rId1"/>
-    <p:sldLayoutId id="2147483650" r:id="rId2"/>
-    <p:sldLayoutId id="2147483651" r:id="rId3"/>
-    <p:sldLayoutId id="2147483652" r:id="rId4"/>
-    <p:sldLayoutId id="2147483653" r:id="rId5"/>
-    <p:sldLayoutId id="2147483654" r:id="rId6"/>
-    <p:sldLayoutId id="2147483655" r:id="rId7"/>
-    <p:sldLayoutId id="2147483656" r:id="rId8"/>
-    <p:sldLayoutId id="2147483657" r:id="rId9"/>
-    <p:sldLayoutId id="2147483658" r:id="rId10"/>
-    <p:sldLayoutId id="2147483659" r:id="rId11"/>
+    <p:sldLayoutId id="2147483685" r:id="rId1"/>
+    <p:sldLayoutId id="2147483686" r:id="rId2"/>
+    <p:sldLayoutId id="2147483687" r:id="rId3"/>
+    <p:sldLayoutId id="2147483688" r:id="rId4"/>
+    <p:sldLayoutId id="2147483689" r:id="rId5"/>
+    <p:sldLayoutId id="2147483690" r:id="rId6"/>
+    <p:sldLayoutId id="2147483691" r:id="rId7"/>
+    <p:sldLayoutId id="2147483692" r:id="rId8"/>
+    <p:sldLayoutId id="2147483693" r:id="rId9"/>
+    <p:sldLayoutId id="2147483694" r:id="rId10"/>
+    <p:sldLayoutId id="2147483695" r:id="rId11"/>
   </p:sldLayoutIdLst>
   <p:txStyles>
     <p:titleStyle>
-      <a:lvl1pPr algn="l" defTabSz="914400" rtl="0" eaLnBrk="1" latinLnBrk="0" hangingPunct="1">
+      <a:lvl1pPr algn="ctr" defTabSz="914400" rtl="0" eaLnBrk="1" latinLnBrk="0" hangingPunct="1">
         <a:lnSpc>
           <a:spcPct val="90000"/>
         </a:lnSpc>
@@ -3213,7 +2871,7 @@
     </p:bodyStyle>
     <p:otherStyle>
       <a:defPPr>
-        <a:defRPr lang="de-DE"/>
+        <a:defRPr lang="en-US"/>
       </a:defPPr>
       <a:lvl1pPr marL="0" algn="l" defTabSz="914400" rtl="0" eaLnBrk="1" latinLnBrk="0" hangingPunct="1">
         <a:defRPr sz="1800" kern="1200">
@@ -3332,7 +2990,7 @@
           <p:cNvPr id="2" name="Title 1">
             <a:extLst>
               <a:ext uri="{FF2B5EF4-FFF2-40B4-BE49-F238E27FC236}">
-                <a16:creationId xmlns:a16="http://schemas.microsoft.com/office/drawing/2014/main" id="{CB6B2A7C-8762-9D4B-85CA-A7E419B58890}"/>
+                <a16:creationId xmlns:a16="http://schemas.microsoft.com/office/drawing/2014/main" id="{818CB20A-2FB7-5A40-8811-FFA010C5C1DC}"/>
               </a:ext>
             </a:extLst>
           </p:cNvPr>
@@ -3340,7 +2998,7 @@
             <a:spLocks noGrp="1"/>
           </p:cNvSpPr>
           <p:nvPr>
-            <p:ph type="ctrTitle"/>
+            <p:ph type="title"/>
           </p:nvPr>
         </p:nvSpPr>
         <p:spPr/>
@@ -3350,17 +3008,17 @@
           <a:p>
             <a:r>
               <a:rPr lang="en-GB" dirty="0"/>
-              <a:t>Microcontroller Metronome</a:t>
+              <a:t>metronomes</a:t>
             </a:r>
           </a:p>
         </p:txBody>
       </p:sp>
       <p:sp>
         <p:nvSpPr>
-          <p:cNvPr id="3" name="Subtitle 2">
+          <p:cNvPr id="3" name="Content Placeholder 2">
             <a:extLst>
               <a:ext uri="{FF2B5EF4-FFF2-40B4-BE49-F238E27FC236}">
-                <a16:creationId xmlns:a16="http://schemas.microsoft.com/office/drawing/2014/main" id="{B71C60C4-120A-3C4E-9CDB-B333D856CA64}"/>
+                <a16:creationId xmlns:a16="http://schemas.microsoft.com/office/drawing/2014/main" id="{8D37FAED-44E4-284E-A0F1-134ABAA088A2}"/>
               </a:ext>
             </a:extLst>
           </p:cNvPr>
@@ -3368,7 +3026,7 @@
             <a:spLocks noGrp="1"/>
           </p:cNvSpPr>
           <p:nvPr>
-            <p:ph type="subTitle" idx="1"/>
+            <p:ph idx="1"/>
           </p:nvPr>
         </p:nvSpPr>
         <p:spPr/>
@@ -3376,9 +3034,1961 @@
           <a:bodyPr/>
           <a:lstStyle/>
           <a:p>
+            <a:pPr marL="0" indent="0">
+              <a:buNone/>
+            </a:pPr>
             <a:r>
               <a:rPr lang="en-GB" dirty="0"/>
-              <a:t>Sebastian Schmid</a:t>
+              <a:t>produce audible click or other sound at a regular interval </a:t>
+            </a:r>
+            <a:br>
+              <a:rPr lang="en-GB" dirty="0"/>
+            </a:br>
+            <a:endParaRPr lang="en-GB" dirty="0"/>
+          </a:p>
+          <a:p>
+            <a:endParaRPr lang="en-GB" dirty="0"/>
+          </a:p>
+          <a:p>
+            <a:endParaRPr lang="en-GB" dirty="0"/>
+          </a:p>
+        </p:txBody>
+      </p:sp>
+      <p:pic>
+        <p:nvPicPr>
+          <p:cNvPr id="1026" name="Picture 2" descr="GLEAM Metronome - Piano Metronome Machanical Metal Movement with Free Bag">
+            <a:extLst>
+              <a:ext uri="{FF2B5EF4-FFF2-40B4-BE49-F238E27FC236}">
+                <a16:creationId xmlns:a16="http://schemas.microsoft.com/office/drawing/2014/main" id="{1F5DF89A-0418-9C4B-8860-1AF2A3B6A64E}"/>
+              </a:ext>
+            </a:extLst>
+          </p:cNvPr>
+          <p:cNvPicPr>
+            <a:picLocks noChangeAspect="1" noChangeArrowheads="1"/>
+          </p:cNvPicPr>
+          <p:nvPr/>
+        </p:nvPicPr>
+        <p:blipFill>
+          <a:blip r:embed="rId2">
+            <a:extLst>
+              <a:ext uri="{28A0092B-C50C-407E-A947-70E740481C1C}">
+                <a14:useLocalDpi xmlns:a14="http://schemas.microsoft.com/office/drawing/2010/main" val="0"/>
+              </a:ext>
+            </a:extLst>
+          </a:blip>
+          <a:srcRect/>
+          <a:stretch>
+            <a:fillRect/>
+          </a:stretch>
+        </p:blipFill>
+        <p:spPr bwMode="auto">
+          <a:xfrm>
+            <a:off x="1181100" y="2634457"/>
+            <a:ext cx="2191106" cy="3542506"/>
+          </a:xfrm>
+          <a:prstGeom prst="rect">
+            <a:avLst/>
+          </a:prstGeom>
+          <a:noFill/>
+          <a:extLst>
+            <a:ext uri="{909E8E84-426E-40DD-AFC4-6F175D3DCCD1}">
+              <a14:hiddenFill xmlns:a14="http://schemas.microsoft.com/office/drawing/2010/main">
+                <a:solidFill>
+                  <a:srgbClr val="FFFFFF"/>
+                </a:solidFill>
+              </a14:hiddenFill>
+            </a:ext>
+          </a:extLst>
+        </p:spPr>
+      </p:pic>
+      <p:pic>
+        <p:nvPicPr>
+          <p:cNvPr id="1028" name="Picture 4" descr="Bildergebnis für metronome">
+            <a:extLst>
+              <a:ext uri="{FF2B5EF4-FFF2-40B4-BE49-F238E27FC236}">
+                <a16:creationId xmlns:a16="http://schemas.microsoft.com/office/drawing/2014/main" id="{20827E62-1649-FF4B-8FCD-6EEB0A5B656B}"/>
+              </a:ext>
+            </a:extLst>
+          </p:cNvPr>
+          <p:cNvPicPr>
+            <a:picLocks noChangeAspect="1" noChangeArrowheads="1"/>
+          </p:cNvPicPr>
+          <p:nvPr/>
+        </p:nvPicPr>
+        <p:blipFill>
+          <a:blip r:embed="rId3">
+            <a:extLst>
+              <a:ext uri="{28A0092B-C50C-407E-A947-70E740481C1C}">
+                <a14:useLocalDpi xmlns:a14="http://schemas.microsoft.com/office/drawing/2010/main" val="0"/>
+              </a:ext>
+            </a:extLst>
+          </a:blip>
+          <a:srcRect/>
+          <a:stretch>
+            <a:fillRect/>
+          </a:stretch>
+        </p:blipFill>
+        <p:spPr bwMode="auto">
+          <a:xfrm>
+            <a:off x="4965596" y="2634457"/>
+            <a:ext cx="2260808" cy="3542506"/>
+          </a:xfrm>
+          <a:prstGeom prst="rect">
+            <a:avLst/>
+          </a:prstGeom>
+          <a:noFill/>
+          <a:extLst>
+            <a:ext uri="{909E8E84-426E-40DD-AFC4-6F175D3DCCD1}">
+              <a14:hiddenFill xmlns:a14="http://schemas.microsoft.com/office/drawing/2010/main">
+                <a:solidFill>
+                  <a:srgbClr val="FFFFFF"/>
+                </a:solidFill>
+              </a14:hiddenFill>
+            </a:ext>
+          </a:extLst>
+        </p:spPr>
+      </p:pic>
+      <p:pic>
+        <p:nvPicPr>
+          <p:cNvPr id="1030" name="Picture 6" descr="Bildergebnis für metronome">
+            <a:extLst>
+              <a:ext uri="{FF2B5EF4-FFF2-40B4-BE49-F238E27FC236}">
+                <a16:creationId xmlns:a16="http://schemas.microsoft.com/office/drawing/2014/main" id="{4496A99C-A5F8-4C46-B2E1-A2D429EBFA1C}"/>
+              </a:ext>
+            </a:extLst>
+          </p:cNvPr>
+          <p:cNvPicPr>
+            <a:picLocks noChangeAspect="1" noChangeArrowheads="1"/>
+          </p:cNvPicPr>
+          <p:nvPr/>
+        </p:nvPicPr>
+        <p:blipFill rotWithShape="1">
+          <a:blip r:embed="rId4">
+            <a:extLst>
+              <a:ext uri="{28A0092B-C50C-407E-A947-70E740481C1C}">
+                <a14:useLocalDpi xmlns:a14="http://schemas.microsoft.com/office/drawing/2010/main" val="0"/>
+              </a:ext>
+            </a:extLst>
+          </a:blip>
+          <a:srcRect l="16241" r="19494"/>
+          <a:stretch/>
+        </p:blipFill>
+        <p:spPr bwMode="auto">
+          <a:xfrm>
+            <a:off x="8407192" y="3350989"/>
+            <a:ext cx="2260808" cy="2109442"/>
+          </a:xfrm>
+          <a:prstGeom prst="rect">
+            <a:avLst/>
+          </a:prstGeom>
+          <a:noFill/>
+          <a:extLst>
+            <a:ext uri="{909E8E84-426E-40DD-AFC4-6F175D3DCCD1}">
+              <a14:hiddenFill xmlns:a14="http://schemas.microsoft.com/office/drawing/2010/main">
+                <a:solidFill>
+                  <a:srgbClr val="FFFFFF"/>
+                </a:solidFill>
+              </a14:hiddenFill>
+            </a:ext>
+          </a:extLst>
+        </p:spPr>
+      </p:pic>
+    </p:spTree>
+    <p:extLst>
+      <p:ext uri="{BB962C8B-B14F-4D97-AF65-F5344CB8AC3E}">
+        <p14:creationId xmlns:p14="http://schemas.microsoft.com/office/powerpoint/2010/main" val="2917752352"/>
+      </p:ext>
+    </p:extLst>
+  </p:cSld>
+  <p:clrMapOvr>
+    <a:masterClrMapping/>
+  </p:clrMapOvr>
+  <p:timing>
+    <p:tnLst>
+      <p:par>
+        <p:cTn id="1" dur="indefinite" restart="never" nodeType="tmRoot">
+          <p:childTnLst>
+            <p:seq concurrent="1" nextAc="seek">
+              <p:cTn id="2" dur="indefinite" nodeType="mainSeq">
+                <p:childTnLst>
+                  <p:par>
+                    <p:cTn id="3" fill="hold">
+                      <p:stCondLst>
+                        <p:cond delay="indefinite"/>
+                      </p:stCondLst>
+                      <p:childTnLst>
+                        <p:par>
+                          <p:cTn id="4" fill="hold">
+                            <p:stCondLst>
+                              <p:cond delay="0"/>
+                            </p:stCondLst>
+                            <p:childTnLst>
+                              <p:par>
+                                <p:cTn id="5" presetID="1" presetClass="entr" presetSubtype="0" fill="hold" nodeType="clickEffect">
+                                  <p:stCondLst>
+                                    <p:cond delay="0"/>
+                                  </p:stCondLst>
+                                  <p:childTnLst>
+                                    <p:set>
+                                      <p:cBhvr>
+                                        <p:cTn id="6" dur="1" fill="hold">
+                                          <p:stCondLst>
+                                            <p:cond delay="0"/>
+                                          </p:stCondLst>
+                                        </p:cTn>
+                                        <p:tgtEl>
+                                          <p:spTgt spid="3">
+                                            <p:txEl>
+                                              <p:pRg st="0" end="0"/>
+                                            </p:txEl>
+                                          </p:spTgt>
+                                        </p:tgtEl>
+                                        <p:attrNameLst>
+                                          <p:attrName>style.visibility</p:attrName>
+                                        </p:attrNameLst>
+                                      </p:cBhvr>
+                                      <p:to>
+                                        <p:strVal val="visible"/>
+                                      </p:to>
+                                    </p:set>
+                                  </p:childTnLst>
+                                </p:cTn>
+                              </p:par>
+                            </p:childTnLst>
+                          </p:cTn>
+                        </p:par>
+                      </p:childTnLst>
+                    </p:cTn>
+                  </p:par>
+                  <p:par>
+                    <p:cTn id="7" fill="hold">
+                      <p:stCondLst>
+                        <p:cond delay="indefinite"/>
+                      </p:stCondLst>
+                      <p:childTnLst>
+                        <p:par>
+                          <p:cTn id="8" fill="hold">
+                            <p:stCondLst>
+                              <p:cond delay="0"/>
+                            </p:stCondLst>
+                            <p:childTnLst>
+                              <p:par>
+                                <p:cTn id="9" presetID="1" presetClass="entr" presetSubtype="0" fill="hold" nodeType="clickEffect">
+                                  <p:stCondLst>
+                                    <p:cond delay="0"/>
+                                  </p:stCondLst>
+                                  <p:childTnLst>
+                                    <p:set>
+                                      <p:cBhvr>
+                                        <p:cTn id="10" dur="1" fill="hold">
+                                          <p:stCondLst>
+                                            <p:cond delay="0"/>
+                                          </p:stCondLst>
+                                        </p:cTn>
+                                        <p:tgtEl>
+                                          <p:spTgt spid="1026"/>
+                                        </p:tgtEl>
+                                        <p:attrNameLst>
+                                          <p:attrName>style.visibility</p:attrName>
+                                        </p:attrNameLst>
+                                      </p:cBhvr>
+                                      <p:to>
+                                        <p:strVal val="visible"/>
+                                      </p:to>
+                                    </p:set>
+                                  </p:childTnLst>
+                                </p:cTn>
+                              </p:par>
+                            </p:childTnLst>
+                          </p:cTn>
+                        </p:par>
+                      </p:childTnLst>
+                    </p:cTn>
+                  </p:par>
+                  <p:par>
+                    <p:cTn id="11" fill="hold">
+                      <p:stCondLst>
+                        <p:cond delay="indefinite"/>
+                      </p:stCondLst>
+                      <p:childTnLst>
+                        <p:par>
+                          <p:cTn id="12" fill="hold">
+                            <p:stCondLst>
+                              <p:cond delay="0"/>
+                            </p:stCondLst>
+                            <p:childTnLst>
+                              <p:par>
+                                <p:cTn id="13" presetID="1" presetClass="entr" presetSubtype="0" fill="hold" nodeType="clickEffect">
+                                  <p:stCondLst>
+                                    <p:cond delay="0"/>
+                                  </p:stCondLst>
+                                  <p:childTnLst>
+                                    <p:set>
+                                      <p:cBhvr>
+                                        <p:cTn id="14" dur="1" fill="hold">
+                                          <p:stCondLst>
+                                            <p:cond delay="0"/>
+                                          </p:stCondLst>
+                                        </p:cTn>
+                                        <p:tgtEl>
+                                          <p:spTgt spid="1028"/>
+                                        </p:tgtEl>
+                                        <p:attrNameLst>
+                                          <p:attrName>style.visibility</p:attrName>
+                                        </p:attrNameLst>
+                                      </p:cBhvr>
+                                      <p:to>
+                                        <p:strVal val="visible"/>
+                                      </p:to>
+                                    </p:set>
+                                  </p:childTnLst>
+                                </p:cTn>
+                              </p:par>
+                            </p:childTnLst>
+                          </p:cTn>
+                        </p:par>
+                      </p:childTnLst>
+                    </p:cTn>
+                  </p:par>
+                  <p:par>
+                    <p:cTn id="15" fill="hold">
+                      <p:stCondLst>
+                        <p:cond delay="indefinite"/>
+                      </p:stCondLst>
+                      <p:childTnLst>
+                        <p:par>
+                          <p:cTn id="16" fill="hold">
+                            <p:stCondLst>
+                              <p:cond delay="0"/>
+                            </p:stCondLst>
+                            <p:childTnLst>
+                              <p:par>
+                                <p:cTn id="17" presetID="1" presetClass="entr" presetSubtype="0" fill="hold" nodeType="clickEffect">
+                                  <p:stCondLst>
+                                    <p:cond delay="0"/>
+                                  </p:stCondLst>
+                                  <p:childTnLst>
+                                    <p:set>
+                                      <p:cBhvr>
+                                        <p:cTn id="18" dur="1" fill="hold">
+                                          <p:stCondLst>
+                                            <p:cond delay="0"/>
+                                          </p:stCondLst>
+                                        </p:cTn>
+                                        <p:tgtEl>
+                                          <p:spTgt spid="1030"/>
+                                        </p:tgtEl>
+                                        <p:attrNameLst>
+                                          <p:attrName>style.visibility</p:attrName>
+                                        </p:attrNameLst>
+                                      </p:cBhvr>
+                                      <p:to>
+                                        <p:strVal val="visible"/>
+                                      </p:to>
+                                    </p:set>
+                                  </p:childTnLst>
+                                </p:cTn>
+                              </p:par>
+                            </p:childTnLst>
+                          </p:cTn>
+                        </p:par>
+                      </p:childTnLst>
+                    </p:cTn>
+                  </p:par>
+                </p:childTnLst>
+              </p:cTn>
+              <p:prevCondLst>
+                <p:cond evt="onPrev" delay="0">
+                  <p:tgtEl>
+                    <p:sldTgt/>
+                  </p:tgtEl>
+                </p:cond>
+              </p:prevCondLst>
+              <p:nextCondLst>
+                <p:cond evt="onNext" delay="0">
+                  <p:tgtEl>
+                    <p:sldTgt/>
+                  </p:tgtEl>
+                </p:cond>
+              </p:nextCondLst>
+            </p:seq>
+          </p:childTnLst>
+        </p:cTn>
+      </p:par>
+    </p:tnLst>
+  </p:timing>
+</p:sld>
+</file>
+
+<file path=ppt/slides/slide10.xml><?xml version="1.0" encoding="utf-8"?>
+<p:sld xmlns:a="http://schemas.openxmlformats.org/drawingml/2006/main" xmlns:r="http://schemas.openxmlformats.org/officeDocument/2006/relationships" xmlns:p="http://schemas.openxmlformats.org/presentationml/2006/main">
+  <p:cSld>
+    <p:spTree>
+      <p:nvGrpSpPr>
+        <p:cNvPr id="1" name=""/>
+        <p:cNvGrpSpPr/>
+        <p:nvPr/>
+      </p:nvGrpSpPr>
+      <p:grpSpPr>
+        <a:xfrm>
+          <a:off x="0" y="0"/>
+          <a:ext cx="0" cy="0"/>
+          <a:chOff x="0" y="0"/>
+          <a:chExt cx="0" cy="0"/>
+        </a:xfrm>
+      </p:grpSpPr>
+      <p:sp>
+        <p:nvSpPr>
+          <p:cNvPr id="2" name="Title 1">
+            <a:extLst>
+              <a:ext uri="{FF2B5EF4-FFF2-40B4-BE49-F238E27FC236}">
+                <a16:creationId xmlns:a16="http://schemas.microsoft.com/office/drawing/2014/main" id="{A5E476F3-E890-2E42-AD89-B5E945531403}"/>
+              </a:ext>
+            </a:extLst>
+          </p:cNvPr>
+          <p:cNvSpPr>
+            <a:spLocks noGrp="1"/>
+          </p:cNvSpPr>
+          <p:nvPr>
+            <p:ph type="title"/>
+          </p:nvPr>
+        </p:nvSpPr>
+        <p:spPr/>
+        <p:txBody>
+          <a:bodyPr/>
+          <a:lstStyle/>
+          <a:p>
+            <a:r>
+              <a:rPr lang="en-GB" dirty="0"/>
+              <a:t>external interrupts</a:t>
+            </a:r>
+          </a:p>
+        </p:txBody>
+      </p:sp>
+      <p:sp>
+        <p:nvSpPr>
+          <p:cNvPr id="3" name="Content Placeholder 2">
+            <a:extLst>
+              <a:ext uri="{FF2B5EF4-FFF2-40B4-BE49-F238E27FC236}">
+                <a16:creationId xmlns:a16="http://schemas.microsoft.com/office/drawing/2014/main" id="{C1B3151A-5DBD-6A4F-8368-ED73E713B58A}"/>
+              </a:ext>
+            </a:extLst>
+          </p:cNvPr>
+          <p:cNvSpPr>
+            <a:spLocks noGrp="1"/>
+          </p:cNvSpPr>
+          <p:nvPr>
+            <p:ph idx="1"/>
+          </p:nvPr>
+        </p:nvSpPr>
+        <p:spPr/>
+        <p:txBody>
+          <a:bodyPr/>
+          <a:lstStyle/>
+          <a:p>
+            <a:pPr marL="0" indent="0" algn="ctr">
+              <a:buNone/>
+            </a:pPr>
+            <a:r>
+              <a:rPr lang="en-GB" dirty="0"/>
+              <a:t>one task: set flags</a:t>
+            </a:r>
+          </a:p>
+        </p:txBody>
+      </p:sp>
+      <p:pic>
+        <p:nvPicPr>
+          <p:cNvPr id="4" name="Picture 3">
+            <a:extLst>
+              <a:ext uri="{FF2B5EF4-FFF2-40B4-BE49-F238E27FC236}">
+                <a16:creationId xmlns:a16="http://schemas.microsoft.com/office/drawing/2014/main" id="{8BFCB39E-2952-0449-AE3A-6F44C177649E}"/>
+              </a:ext>
+            </a:extLst>
+          </p:cNvPr>
+          <p:cNvPicPr>
+            <a:picLocks noChangeAspect="1"/>
+          </p:cNvPicPr>
+          <p:nvPr/>
+        </p:nvPicPr>
+        <p:blipFill>
+          <a:blip r:embed="rId2"/>
+          <a:stretch>
+            <a:fillRect/>
+          </a:stretch>
+        </p:blipFill>
+        <p:spPr>
+          <a:xfrm>
+            <a:off x="1546687" y="2781035"/>
+            <a:ext cx="9098626" cy="2440517"/>
+          </a:xfrm>
+          <a:prstGeom prst="rect">
+            <a:avLst/>
+          </a:prstGeom>
+        </p:spPr>
+      </p:pic>
+    </p:spTree>
+    <p:extLst>
+      <p:ext uri="{BB962C8B-B14F-4D97-AF65-F5344CB8AC3E}">
+        <p14:creationId xmlns:p14="http://schemas.microsoft.com/office/powerpoint/2010/main" val="230454911"/>
+      </p:ext>
+    </p:extLst>
+  </p:cSld>
+  <p:clrMapOvr>
+    <a:masterClrMapping/>
+  </p:clrMapOvr>
+  <p:timing>
+    <p:tnLst>
+      <p:par>
+        <p:cTn id="1" dur="indefinite" restart="never" nodeType="tmRoot">
+          <p:childTnLst>
+            <p:seq concurrent="1" nextAc="seek">
+              <p:cTn id="2" dur="indefinite" nodeType="mainSeq">
+                <p:childTnLst>
+                  <p:par>
+                    <p:cTn id="3" fill="hold">
+                      <p:stCondLst>
+                        <p:cond delay="indefinite"/>
+                      </p:stCondLst>
+                      <p:childTnLst>
+                        <p:par>
+                          <p:cTn id="4" fill="hold">
+                            <p:stCondLst>
+                              <p:cond delay="0"/>
+                            </p:stCondLst>
+                            <p:childTnLst>
+                              <p:par>
+                                <p:cTn id="5" presetID="1" presetClass="entr" presetSubtype="0" fill="hold" nodeType="clickEffect">
+                                  <p:stCondLst>
+                                    <p:cond delay="0"/>
+                                  </p:stCondLst>
+                                  <p:childTnLst>
+                                    <p:set>
+                                      <p:cBhvr>
+                                        <p:cTn id="6" dur="1" fill="hold">
+                                          <p:stCondLst>
+                                            <p:cond delay="0"/>
+                                          </p:stCondLst>
+                                        </p:cTn>
+                                        <p:tgtEl>
+                                          <p:spTgt spid="3">
+                                            <p:txEl>
+                                              <p:pRg st="0" end="0"/>
+                                            </p:txEl>
+                                          </p:spTgt>
+                                        </p:tgtEl>
+                                        <p:attrNameLst>
+                                          <p:attrName>style.visibility</p:attrName>
+                                        </p:attrNameLst>
+                                      </p:cBhvr>
+                                      <p:to>
+                                        <p:strVal val="visible"/>
+                                      </p:to>
+                                    </p:set>
+                                  </p:childTnLst>
+                                </p:cTn>
+                              </p:par>
+                            </p:childTnLst>
+                          </p:cTn>
+                        </p:par>
+                      </p:childTnLst>
+                    </p:cTn>
+                  </p:par>
+                  <p:par>
+                    <p:cTn id="7" fill="hold">
+                      <p:stCondLst>
+                        <p:cond delay="indefinite"/>
+                      </p:stCondLst>
+                      <p:childTnLst>
+                        <p:par>
+                          <p:cTn id="8" fill="hold">
+                            <p:stCondLst>
+                              <p:cond delay="0"/>
+                            </p:stCondLst>
+                            <p:childTnLst>
+                              <p:par>
+                                <p:cTn id="9" presetID="1" presetClass="entr" presetSubtype="0" fill="hold" nodeType="clickEffect">
+                                  <p:stCondLst>
+                                    <p:cond delay="0"/>
+                                  </p:stCondLst>
+                                  <p:childTnLst>
+                                    <p:set>
+                                      <p:cBhvr>
+                                        <p:cTn id="10" dur="1" fill="hold">
+                                          <p:stCondLst>
+                                            <p:cond delay="0"/>
+                                          </p:stCondLst>
+                                        </p:cTn>
+                                        <p:tgtEl>
+                                          <p:spTgt spid="4"/>
+                                        </p:tgtEl>
+                                        <p:attrNameLst>
+                                          <p:attrName>style.visibility</p:attrName>
+                                        </p:attrNameLst>
+                                      </p:cBhvr>
+                                      <p:to>
+                                        <p:strVal val="visible"/>
+                                      </p:to>
+                                    </p:set>
+                                  </p:childTnLst>
+                                </p:cTn>
+                              </p:par>
+                            </p:childTnLst>
+                          </p:cTn>
+                        </p:par>
+                      </p:childTnLst>
+                    </p:cTn>
+                  </p:par>
+                </p:childTnLst>
+              </p:cTn>
+              <p:prevCondLst>
+                <p:cond evt="onPrev" delay="0">
+                  <p:tgtEl>
+                    <p:sldTgt/>
+                  </p:tgtEl>
+                </p:cond>
+              </p:prevCondLst>
+              <p:nextCondLst>
+                <p:cond evt="onNext" delay="0">
+                  <p:tgtEl>
+                    <p:sldTgt/>
+                  </p:tgtEl>
+                </p:cond>
+              </p:nextCondLst>
+            </p:seq>
+          </p:childTnLst>
+        </p:cTn>
+      </p:par>
+    </p:tnLst>
+  </p:timing>
+</p:sld>
+</file>
+
+<file path=ppt/slides/slide11.xml><?xml version="1.0" encoding="utf-8"?>
+<p:sld xmlns:a="http://schemas.openxmlformats.org/drawingml/2006/main" xmlns:r="http://schemas.openxmlformats.org/officeDocument/2006/relationships" xmlns:p="http://schemas.openxmlformats.org/presentationml/2006/main">
+  <p:cSld>
+    <p:spTree>
+      <p:nvGrpSpPr>
+        <p:cNvPr id="1" name=""/>
+        <p:cNvGrpSpPr/>
+        <p:nvPr/>
+      </p:nvGrpSpPr>
+      <p:grpSpPr>
+        <a:xfrm>
+          <a:off x="0" y="0"/>
+          <a:ext cx="0" cy="0"/>
+          <a:chOff x="0" y="0"/>
+          <a:chExt cx="0" cy="0"/>
+        </a:xfrm>
+      </p:grpSpPr>
+      <p:sp>
+        <p:nvSpPr>
+          <p:cNvPr id="2" name="Title 1">
+            <a:extLst>
+              <a:ext uri="{FF2B5EF4-FFF2-40B4-BE49-F238E27FC236}">
+                <a16:creationId xmlns:a16="http://schemas.microsoft.com/office/drawing/2014/main" id="{A6DD51D4-10DF-9A40-AD03-058D1A8C2F01}"/>
+              </a:ext>
+            </a:extLst>
+          </p:cNvPr>
+          <p:cNvSpPr>
+            <a:spLocks noGrp="1"/>
+          </p:cNvSpPr>
+          <p:nvPr>
+            <p:ph type="title"/>
+          </p:nvPr>
+        </p:nvSpPr>
+        <p:spPr/>
+        <p:txBody>
+          <a:bodyPr/>
+          <a:lstStyle/>
+          <a:p>
+            <a:r>
+              <a:rPr lang="en-GB" dirty="0" err="1"/>
+              <a:t>button_push</a:t>
+            </a:r>
+            <a:r>
+              <a:rPr lang="en-GB" dirty="0"/>
+              <a:t>() function</a:t>
+            </a:r>
+          </a:p>
+        </p:txBody>
+      </p:sp>
+      <p:sp>
+        <p:nvSpPr>
+          <p:cNvPr id="3" name="Content Placeholder 2">
+            <a:extLst>
+              <a:ext uri="{FF2B5EF4-FFF2-40B4-BE49-F238E27FC236}">
+                <a16:creationId xmlns:a16="http://schemas.microsoft.com/office/drawing/2014/main" id="{9EAAB96C-93F4-2143-8126-D8D31DD9B1B3}"/>
+              </a:ext>
+            </a:extLst>
+          </p:cNvPr>
+          <p:cNvSpPr>
+            <a:spLocks noGrp="1"/>
+          </p:cNvSpPr>
+          <p:nvPr>
+            <p:ph idx="1"/>
+          </p:nvPr>
+        </p:nvSpPr>
+        <p:spPr/>
+        <p:txBody>
+          <a:bodyPr/>
+          <a:lstStyle/>
+          <a:p>
+            <a:pPr marL="514350" indent="-514350">
+              <a:lnSpc>
+                <a:spcPct val="150000"/>
+              </a:lnSpc>
+              <a:buFont typeface="+mj-lt"/>
+              <a:buAutoNum type="arabicPeriod"/>
+            </a:pPr>
+            <a:r>
+              <a:rPr lang="en-GB" dirty="0"/>
+              <a:t>checks button flags</a:t>
+            </a:r>
+          </a:p>
+          <a:p>
+            <a:pPr marL="514350" indent="-514350">
+              <a:lnSpc>
+                <a:spcPct val="150000"/>
+              </a:lnSpc>
+              <a:buFont typeface="+mj-lt"/>
+              <a:buAutoNum type="arabicPeriod"/>
+            </a:pPr>
+            <a:r>
+              <a:rPr lang="en-GB" dirty="0"/>
+              <a:t>acts if a flag is up</a:t>
+            </a:r>
+          </a:p>
+          <a:p>
+            <a:pPr marL="514350" indent="-514350">
+              <a:lnSpc>
+                <a:spcPct val="150000"/>
+              </a:lnSpc>
+              <a:buFont typeface="+mj-lt"/>
+              <a:buAutoNum type="arabicPeriod"/>
+            </a:pPr>
+            <a:r>
+              <a:rPr lang="en-GB" dirty="0"/>
+              <a:t>resets flag</a:t>
+            </a:r>
+          </a:p>
+        </p:txBody>
+      </p:sp>
+      <p:pic>
+        <p:nvPicPr>
+          <p:cNvPr id="6" name="Picture 5">
+            <a:extLst>
+              <a:ext uri="{FF2B5EF4-FFF2-40B4-BE49-F238E27FC236}">
+                <a16:creationId xmlns:a16="http://schemas.microsoft.com/office/drawing/2014/main" id="{27859494-2C57-DD42-9714-BFAD316C6252}"/>
+              </a:ext>
+            </a:extLst>
+          </p:cNvPr>
+          <p:cNvPicPr>
+            <a:picLocks noChangeAspect="1"/>
+          </p:cNvPicPr>
+          <p:nvPr/>
+        </p:nvPicPr>
+        <p:blipFill>
+          <a:blip r:embed="rId2"/>
+          <a:stretch>
+            <a:fillRect/>
+          </a:stretch>
+        </p:blipFill>
+        <p:spPr>
+          <a:xfrm>
+            <a:off x="4980516" y="1856316"/>
+            <a:ext cx="6126424" cy="3145367"/>
+          </a:xfrm>
+          <a:prstGeom prst="rect">
+            <a:avLst/>
+          </a:prstGeom>
+        </p:spPr>
+      </p:pic>
+    </p:spTree>
+    <p:extLst>
+      <p:ext uri="{BB962C8B-B14F-4D97-AF65-F5344CB8AC3E}">
+        <p14:creationId xmlns:p14="http://schemas.microsoft.com/office/powerpoint/2010/main" val="2832292852"/>
+      </p:ext>
+    </p:extLst>
+  </p:cSld>
+  <p:clrMapOvr>
+    <a:masterClrMapping/>
+  </p:clrMapOvr>
+  <p:timing>
+    <p:tnLst>
+      <p:par>
+        <p:cTn id="1" dur="indefinite" restart="never" nodeType="tmRoot">
+          <p:childTnLst>
+            <p:seq concurrent="1" nextAc="seek">
+              <p:cTn id="2" dur="indefinite" nodeType="mainSeq">
+                <p:childTnLst>
+                  <p:par>
+                    <p:cTn id="3" fill="hold">
+                      <p:stCondLst>
+                        <p:cond delay="indefinite"/>
+                      </p:stCondLst>
+                      <p:childTnLst>
+                        <p:par>
+                          <p:cTn id="4" fill="hold">
+                            <p:stCondLst>
+                              <p:cond delay="0"/>
+                            </p:stCondLst>
+                            <p:childTnLst>
+                              <p:par>
+                                <p:cTn id="5" presetID="1" presetClass="entr" presetSubtype="0" fill="hold" nodeType="clickEffect">
+                                  <p:stCondLst>
+                                    <p:cond delay="0"/>
+                                  </p:stCondLst>
+                                  <p:childTnLst>
+                                    <p:set>
+                                      <p:cBhvr>
+                                        <p:cTn id="6" dur="1" fill="hold">
+                                          <p:stCondLst>
+                                            <p:cond delay="0"/>
+                                          </p:stCondLst>
+                                        </p:cTn>
+                                        <p:tgtEl>
+                                          <p:spTgt spid="3">
+                                            <p:txEl>
+                                              <p:pRg st="0" end="0"/>
+                                            </p:txEl>
+                                          </p:spTgt>
+                                        </p:tgtEl>
+                                        <p:attrNameLst>
+                                          <p:attrName>style.visibility</p:attrName>
+                                        </p:attrNameLst>
+                                      </p:cBhvr>
+                                      <p:to>
+                                        <p:strVal val="visible"/>
+                                      </p:to>
+                                    </p:set>
+                                  </p:childTnLst>
+                                </p:cTn>
+                              </p:par>
+                            </p:childTnLst>
+                          </p:cTn>
+                        </p:par>
+                      </p:childTnLst>
+                    </p:cTn>
+                  </p:par>
+                  <p:par>
+                    <p:cTn id="7" fill="hold">
+                      <p:stCondLst>
+                        <p:cond delay="indefinite"/>
+                      </p:stCondLst>
+                      <p:childTnLst>
+                        <p:par>
+                          <p:cTn id="8" fill="hold">
+                            <p:stCondLst>
+                              <p:cond delay="0"/>
+                            </p:stCondLst>
+                            <p:childTnLst>
+                              <p:par>
+                                <p:cTn id="9" presetID="1" presetClass="entr" presetSubtype="0" fill="hold" nodeType="clickEffect">
+                                  <p:stCondLst>
+                                    <p:cond delay="0"/>
+                                  </p:stCondLst>
+                                  <p:childTnLst>
+                                    <p:set>
+                                      <p:cBhvr>
+                                        <p:cTn id="10" dur="1" fill="hold">
+                                          <p:stCondLst>
+                                            <p:cond delay="0"/>
+                                          </p:stCondLst>
+                                        </p:cTn>
+                                        <p:tgtEl>
+                                          <p:spTgt spid="3">
+                                            <p:txEl>
+                                              <p:pRg st="1" end="1"/>
+                                            </p:txEl>
+                                          </p:spTgt>
+                                        </p:tgtEl>
+                                        <p:attrNameLst>
+                                          <p:attrName>style.visibility</p:attrName>
+                                        </p:attrNameLst>
+                                      </p:cBhvr>
+                                      <p:to>
+                                        <p:strVal val="visible"/>
+                                      </p:to>
+                                    </p:set>
+                                  </p:childTnLst>
+                                </p:cTn>
+                              </p:par>
+                            </p:childTnLst>
+                          </p:cTn>
+                        </p:par>
+                      </p:childTnLst>
+                    </p:cTn>
+                  </p:par>
+                  <p:par>
+                    <p:cTn id="11" fill="hold">
+                      <p:stCondLst>
+                        <p:cond delay="indefinite"/>
+                      </p:stCondLst>
+                      <p:childTnLst>
+                        <p:par>
+                          <p:cTn id="12" fill="hold">
+                            <p:stCondLst>
+                              <p:cond delay="0"/>
+                            </p:stCondLst>
+                            <p:childTnLst>
+                              <p:par>
+                                <p:cTn id="13" presetID="1" presetClass="entr" presetSubtype="0" fill="hold" nodeType="clickEffect">
+                                  <p:stCondLst>
+                                    <p:cond delay="0"/>
+                                  </p:stCondLst>
+                                  <p:childTnLst>
+                                    <p:set>
+                                      <p:cBhvr>
+                                        <p:cTn id="14" dur="1" fill="hold">
+                                          <p:stCondLst>
+                                            <p:cond delay="0"/>
+                                          </p:stCondLst>
+                                        </p:cTn>
+                                        <p:tgtEl>
+                                          <p:spTgt spid="3">
+                                            <p:txEl>
+                                              <p:pRg st="2" end="2"/>
+                                            </p:txEl>
+                                          </p:spTgt>
+                                        </p:tgtEl>
+                                        <p:attrNameLst>
+                                          <p:attrName>style.visibility</p:attrName>
+                                        </p:attrNameLst>
+                                      </p:cBhvr>
+                                      <p:to>
+                                        <p:strVal val="visible"/>
+                                      </p:to>
+                                    </p:set>
+                                  </p:childTnLst>
+                                </p:cTn>
+                              </p:par>
+                            </p:childTnLst>
+                          </p:cTn>
+                        </p:par>
+                      </p:childTnLst>
+                    </p:cTn>
+                  </p:par>
+                  <p:par>
+                    <p:cTn id="15" fill="hold">
+                      <p:stCondLst>
+                        <p:cond delay="indefinite"/>
+                      </p:stCondLst>
+                      <p:childTnLst>
+                        <p:par>
+                          <p:cTn id="16" fill="hold">
+                            <p:stCondLst>
+                              <p:cond delay="0"/>
+                            </p:stCondLst>
+                            <p:childTnLst>
+                              <p:par>
+                                <p:cTn id="17" presetID="1" presetClass="entr" presetSubtype="0" fill="hold" nodeType="clickEffect">
+                                  <p:stCondLst>
+                                    <p:cond delay="0"/>
+                                  </p:stCondLst>
+                                  <p:childTnLst>
+                                    <p:set>
+                                      <p:cBhvr>
+                                        <p:cTn id="18" dur="1" fill="hold">
+                                          <p:stCondLst>
+                                            <p:cond delay="0"/>
+                                          </p:stCondLst>
+                                        </p:cTn>
+                                        <p:tgtEl>
+                                          <p:spTgt spid="6"/>
+                                        </p:tgtEl>
+                                        <p:attrNameLst>
+                                          <p:attrName>style.visibility</p:attrName>
+                                        </p:attrNameLst>
+                                      </p:cBhvr>
+                                      <p:to>
+                                        <p:strVal val="visible"/>
+                                      </p:to>
+                                    </p:set>
+                                  </p:childTnLst>
+                                </p:cTn>
+                              </p:par>
+                            </p:childTnLst>
+                          </p:cTn>
+                        </p:par>
+                      </p:childTnLst>
+                    </p:cTn>
+                  </p:par>
+                </p:childTnLst>
+              </p:cTn>
+              <p:prevCondLst>
+                <p:cond evt="onPrev" delay="0">
+                  <p:tgtEl>
+                    <p:sldTgt/>
+                  </p:tgtEl>
+                </p:cond>
+              </p:prevCondLst>
+              <p:nextCondLst>
+                <p:cond evt="onNext" delay="0">
+                  <p:tgtEl>
+                    <p:sldTgt/>
+                  </p:tgtEl>
+                </p:cond>
+              </p:nextCondLst>
+            </p:seq>
+          </p:childTnLst>
+        </p:cTn>
+      </p:par>
+    </p:tnLst>
+  </p:timing>
+</p:sld>
+</file>
+
+<file path=ppt/slides/slide12.xml><?xml version="1.0" encoding="utf-8"?>
+<p:sld xmlns:a="http://schemas.openxmlformats.org/drawingml/2006/main" xmlns:r="http://schemas.openxmlformats.org/officeDocument/2006/relationships" xmlns:p="http://schemas.openxmlformats.org/presentationml/2006/main">
+  <p:cSld>
+    <p:spTree>
+      <p:nvGrpSpPr>
+        <p:cNvPr id="1" name=""/>
+        <p:cNvGrpSpPr/>
+        <p:nvPr/>
+      </p:nvGrpSpPr>
+      <p:grpSpPr>
+        <a:xfrm>
+          <a:off x="0" y="0"/>
+          <a:ext cx="0" cy="0"/>
+          <a:chOff x="0" y="0"/>
+          <a:chExt cx="0" cy="0"/>
+        </a:xfrm>
+      </p:grpSpPr>
+      <p:sp>
+        <p:nvSpPr>
+          <p:cNvPr id="2" name="Title 1">
+            <a:extLst>
+              <a:ext uri="{FF2B5EF4-FFF2-40B4-BE49-F238E27FC236}">
+                <a16:creationId xmlns:a16="http://schemas.microsoft.com/office/drawing/2014/main" id="{D484EF6E-6466-7C4C-8102-84CD0F4C970F}"/>
+              </a:ext>
+            </a:extLst>
+          </p:cNvPr>
+          <p:cNvSpPr>
+            <a:spLocks noGrp="1"/>
+          </p:cNvSpPr>
+          <p:nvPr>
+            <p:ph type="title"/>
+          </p:nvPr>
+        </p:nvSpPr>
+        <p:spPr/>
+        <p:txBody>
+          <a:bodyPr/>
+          <a:lstStyle/>
+          <a:p>
+            <a:r>
+              <a:rPr lang="en-GB" dirty="0" err="1"/>
+              <a:t>beat_machine</a:t>
+            </a:r>
+            <a:r>
+              <a:rPr lang="en-GB" dirty="0"/>
+              <a:t>() and beat functions</a:t>
+            </a:r>
+          </a:p>
+        </p:txBody>
+      </p:sp>
+      <p:sp>
+        <p:nvSpPr>
+          <p:cNvPr id="7" name="TextBox 6">
+            <a:extLst>
+              <a:ext uri="{FF2B5EF4-FFF2-40B4-BE49-F238E27FC236}">
+                <a16:creationId xmlns:a16="http://schemas.microsoft.com/office/drawing/2014/main" id="{16709949-07E1-FE4F-8696-0230976CD5C6}"/>
+              </a:ext>
+            </a:extLst>
+          </p:cNvPr>
+          <p:cNvSpPr txBox="1"/>
+          <p:nvPr/>
+        </p:nvSpPr>
+        <p:spPr>
+          <a:xfrm>
+            <a:off x="6451049" y="2413307"/>
+            <a:ext cx="1778549" cy="369332"/>
+          </a:xfrm>
+          <a:prstGeom prst="rect">
+            <a:avLst/>
+          </a:prstGeom>
+          <a:solidFill>
+            <a:schemeClr val="accent1"/>
+          </a:solidFill>
+        </p:spPr>
+        <p:txBody>
+          <a:bodyPr wrap="square" rtlCol="0">
+            <a:spAutoFit/>
+          </a:bodyPr>
+          <a:lstStyle/>
+          <a:p>
+            <a:pPr algn="ctr"/>
+            <a:r>
+              <a:rPr lang="en-GB" dirty="0"/>
+              <a:t>normal beep</a:t>
+            </a:r>
+          </a:p>
+        </p:txBody>
+      </p:sp>
+      <p:sp>
+        <p:nvSpPr>
+          <p:cNvPr id="8" name="TextBox 7">
+            <a:extLst>
+              <a:ext uri="{FF2B5EF4-FFF2-40B4-BE49-F238E27FC236}">
+                <a16:creationId xmlns:a16="http://schemas.microsoft.com/office/drawing/2014/main" id="{EC166FF2-BF76-3440-B3CA-74E1029F33BF}"/>
+              </a:ext>
+            </a:extLst>
+          </p:cNvPr>
+          <p:cNvSpPr txBox="1"/>
+          <p:nvPr/>
+        </p:nvSpPr>
+        <p:spPr>
+          <a:xfrm>
+            <a:off x="6451049" y="4206500"/>
+            <a:ext cx="1778549" cy="923330"/>
+          </a:xfrm>
+          <a:prstGeom prst="rect">
+            <a:avLst/>
+          </a:prstGeom>
+          <a:solidFill>
+            <a:schemeClr val="accent1"/>
+          </a:solidFill>
+        </p:spPr>
+        <p:txBody>
+          <a:bodyPr wrap="square" rtlCol="0">
+            <a:spAutoFit/>
+          </a:bodyPr>
+          <a:lstStyle/>
+          <a:p>
+            <a:pPr algn="ctr"/>
+            <a:r>
+              <a:rPr lang="en-GB" dirty="0"/>
+              <a:t>every 1st beat has higher pitched beep</a:t>
+            </a:r>
+          </a:p>
+        </p:txBody>
+      </p:sp>
+      <p:grpSp>
+        <p:nvGrpSpPr>
+          <p:cNvPr id="17" name="Group 16">
+            <a:extLst>
+              <a:ext uri="{FF2B5EF4-FFF2-40B4-BE49-F238E27FC236}">
+                <a16:creationId xmlns:a16="http://schemas.microsoft.com/office/drawing/2014/main" id="{67F51BAA-3279-C94D-8C91-1FD820343506}"/>
+              </a:ext>
+            </a:extLst>
+          </p:cNvPr>
+          <p:cNvGrpSpPr/>
+          <p:nvPr/>
+        </p:nvGrpSpPr>
+        <p:grpSpPr>
+          <a:xfrm>
+            <a:off x="3488267" y="2597973"/>
+            <a:ext cx="2810933" cy="854993"/>
+            <a:chOff x="2980267" y="2530240"/>
+            <a:chExt cx="2810933" cy="854993"/>
+          </a:xfrm>
+        </p:grpSpPr>
+        <p:cxnSp>
+          <p:nvCxnSpPr>
+            <p:cNvPr id="10" name="Straight Arrow Connector 9">
+              <a:extLst>
+                <a:ext uri="{FF2B5EF4-FFF2-40B4-BE49-F238E27FC236}">
+                  <a16:creationId xmlns:a16="http://schemas.microsoft.com/office/drawing/2014/main" id="{BED29F47-8BBC-9B41-AA84-B2B766A017B3}"/>
+                </a:ext>
+              </a:extLst>
+            </p:cNvPr>
+            <p:cNvCxnSpPr/>
+            <p:nvPr/>
+          </p:nvCxnSpPr>
+          <p:spPr>
+            <a:xfrm flipV="1">
+              <a:off x="2980267" y="2577866"/>
+              <a:ext cx="2810933" cy="807367"/>
+            </a:xfrm>
+            <a:prstGeom prst="straightConnector1">
+              <a:avLst/>
+            </a:prstGeom>
+            <a:ln w="76200">
+              <a:solidFill>
+                <a:srgbClr val="FF0000"/>
+              </a:solidFill>
+              <a:tailEnd type="triangle"/>
+            </a:ln>
+          </p:spPr>
+          <p:style>
+            <a:lnRef idx="1">
+              <a:schemeClr val="accent1"/>
+            </a:lnRef>
+            <a:fillRef idx="0">
+              <a:schemeClr val="accent1"/>
+            </a:fillRef>
+            <a:effectRef idx="0">
+              <a:schemeClr val="accent1"/>
+            </a:effectRef>
+            <a:fontRef idx="minor">
+              <a:schemeClr val="tx1"/>
+            </a:fontRef>
+          </p:style>
+        </p:cxnSp>
+        <p:sp>
+          <p:nvSpPr>
+            <p:cNvPr id="15" name="TextBox 14">
+              <a:extLst>
+                <a:ext uri="{FF2B5EF4-FFF2-40B4-BE49-F238E27FC236}">
+                  <a16:creationId xmlns:a16="http://schemas.microsoft.com/office/drawing/2014/main" id="{6FA30EE6-670E-AF43-9C8A-9DF5C845C342}"/>
+                </a:ext>
+              </a:extLst>
+            </p:cNvPr>
+            <p:cNvSpPr txBox="1"/>
+            <p:nvPr/>
+          </p:nvSpPr>
+          <p:spPr>
+            <a:xfrm rot="20551809">
+              <a:off x="3454398" y="2530240"/>
+              <a:ext cx="1862668" cy="369332"/>
+            </a:xfrm>
+            <a:prstGeom prst="rect">
+              <a:avLst/>
+            </a:prstGeom>
+            <a:noFill/>
+          </p:spPr>
+          <p:txBody>
+            <a:bodyPr wrap="square" rtlCol="0">
+              <a:spAutoFit/>
+            </a:bodyPr>
+            <a:lstStyle/>
+            <a:p>
+              <a:r>
+                <a:rPr lang="en-GB" dirty="0"/>
+                <a:t>STANDARD</a:t>
+              </a:r>
+            </a:p>
+          </p:txBody>
+        </p:sp>
+      </p:grpSp>
+      <p:grpSp>
+        <p:nvGrpSpPr>
+          <p:cNvPr id="18" name="Group 17">
+            <a:extLst>
+              <a:ext uri="{FF2B5EF4-FFF2-40B4-BE49-F238E27FC236}">
+                <a16:creationId xmlns:a16="http://schemas.microsoft.com/office/drawing/2014/main" id="{663CD3FC-871A-E64A-94EF-3A5E0A0B58D7}"/>
+              </a:ext>
+            </a:extLst>
+          </p:cNvPr>
+          <p:cNvGrpSpPr/>
+          <p:nvPr/>
+        </p:nvGrpSpPr>
+        <p:grpSpPr>
+          <a:xfrm>
+            <a:off x="3488267" y="3674533"/>
+            <a:ext cx="2810933" cy="993632"/>
+            <a:chOff x="2980267" y="3606800"/>
+            <a:chExt cx="2810933" cy="993632"/>
+          </a:xfrm>
+        </p:grpSpPr>
+        <p:cxnSp>
+          <p:nvCxnSpPr>
+            <p:cNvPr id="11" name="Straight Arrow Connector 10">
+              <a:extLst>
+                <a:ext uri="{FF2B5EF4-FFF2-40B4-BE49-F238E27FC236}">
+                  <a16:creationId xmlns:a16="http://schemas.microsoft.com/office/drawing/2014/main" id="{4A1817AF-32D4-6748-9165-D91D81841575}"/>
+                </a:ext>
+              </a:extLst>
+            </p:cNvPr>
+            <p:cNvCxnSpPr>
+              <a:cxnSpLocks/>
+            </p:cNvCxnSpPr>
+            <p:nvPr/>
+          </p:nvCxnSpPr>
+          <p:spPr>
+            <a:xfrm>
+              <a:off x="2980267" y="3606800"/>
+              <a:ext cx="2810933" cy="993632"/>
+            </a:xfrm>
+            <a:prstGeom prst="straightConnector1">
+              <a:avLst/>
+            </a:prstGeom>
+            <a:ln w="76200">
+              <a:solidFill>
+                <a:srgbClr val="FF0000"/>
+              </a:solidFill>
+              <a:tailEnd type="triangle"/>
+            </a:ln>
+          </p:spPr>
+          <p:style>
+            <a:lnRef idx="1">
+              <a:schemeClr val="accent1"/>
+            </a:lnRef>
+            <a:fillRef idx="0">
+              <a:schemeClr val="accent1"/>
+            </a:fillRef>
+            <a:effectRef idx="0">
+              <a:schemeClr val="accent1"/>
+            </a:effectRef>
+            <a:fontRef idx="minor">
+              <a:schemeClr val="tx1"/>
+            </a:fontRef>
+          </p:style>
+        </p:cxnSp>
+        <p:sp>
+          <p:nvSpPr>
+            <p:cNvPr id="16" name="TextBox 15">
+              <a:extLst>
+                <a:ext uri="{FF2B5EF4-FFF2-40B4-BE49-F238E27FC236}">
+                  <a16:creationId xmlns:a16="http://schemas.microsoft.com/office/drawing/2014/main" id="{12677E12-FEFD-ED42-B48E-837D661E0074}"/>
+                </a:ext>
+              </a:extLst>
+            </p:cNvPr>
+            <p:cNvSpPr txBox="1"/>
+            <p:nvPr/>
+          </p:nvSpPr>
+          <p:spPr>
+            <a:xfrm rot="1077809">
+              <a:off x="3636375" y="3707231"/>
+              <a:ext cx="1862668" cy="369332"/>
+            </a:xfrm>
+            <a:prstGeom prst="rect">
+              <a:avLst/>
+            </a:prstGeom>
+            <a:noFill/>
+          </p:spPr>
+          <p:txBody>
+            <a:bodyPr wrap="square" rtlCol="0">
+              <a:spAutoFit/>
+            </a:bodyPr>
+            <a:lstStyle/>
+            <a:p>
+              <a:r>
+                <a:rPr lang="en-GB" dirty="0"/>
+                <a:t>PRONOUNCED</a:t>
+              </a:r>
+            </a:p>
+          </p:txBody>
+        </p:sp>
+      </p:grpSp>
+      <p:grpSp>
+        <p:nvGrpSpPr>
+          <p:cNvPr id="27" name="Group 26">
+            <a:extLst>
+              <a:ext uri="{FF2B5EF4-FFF2-40B4-BE49-F238E27FC236}">
+                <a16:creationId xmlns:a16="http://schemas.microsoft.com/office/drawing/2014/main" id="{F5352E58-FFBA-BB42-A92C-688EC4AB5F50}"/>
+              </a:ext>
+            </a:extLst>
+          </p:cNvPr>
+          <p:cNvGrpSpPr/>
+          <p:nvPr/>
+        </p:nvGrpSpPr>
+        <p:grpSpPr>
+          <a:xfrm>
+            <a:off x="1591183" y="2696232"/>
+            <a:ext cx="1778549" cy="1123666"/>
+            <a:chOff x="1591183" y="2696232"/>
+            <a:chExt cx="1778549" cy="1123666"/>
+          </a:xfrm>
+        </p:grpSpPr>
+        <p:sp>
+          <p:nvSpPr>
+            <p:cNvPr id="5" name="TextBox 4">
+              <a:extLst>
+                <a:ext uri="{FF2B5EF4-FFF2-40B4-BE49-F238E27FC236}">
+                  <a16:creationId xmlns:a16="http://schemas.microsoft.com/office/drawing/2014/main" id="{274DBD15-B765-6E40-B2B7-C99124A2F070}"/>
+                </a:ext>
+              </a:extLst>
+            </p:cNvPr>
+            <p:cNvSpPr txBox="1"/>
+            <p:nvPr/>
+          </p:nvSpPr>
+          <p:spPr>
+            <a:xfrm>
+              <a:off x="1591183" y="3173567"/>
+              <a:ext cx="1778549" cy="646331"/>
+            </a:xfrm>
+            <a:prstGeom prst="rect">
+              <a:avLst/>
+            </a:prstGeom>
+            <a:solidFill>
+              <a:schemeClr val="accent1"/>
+            </a:solidFill>
+          </p:spPr>
+          <p:txBody>
+            <a:bodyPr wrap="square" rtlCol="0">
+              <a:spAutoFit/>
+            </a:bodyPr>
+            <a:lstStyle/>
+            <a:p>
+              <a:pPr algn="ctr"/>
+              <a:r>
+                <a:rPr lang="en-GB" dirty="0"/>
+                <a:t>What mode is active?</a:t>
+              </a:r>
+            </a:p>
+          </p:txBody>
+        </p:sp>
+        <p:sp>
+          <p:nvSpPr>
+            <p:cNvPr id="19" name="TextBox 18">
+              <a:extLst>
+                <a:ext uri="{FF2B5EF4-FFF2-40B4-BE49-F238E27FC236}">
+                  <a16:creationId xmlns:a16="http://schemas.microsoft.com/office/drawing/2014/main" id="{6E0C05E0-03B0-F649-89AE-3DFB5EBDC3F2}"/>
+                </a:ext>
+              </a:extLst>
+            </p:cNvPr>
+            <p:cNvSpPr txBox="1"/>
+            <p:nvPr/>
+          </p:nvSpPr>
+          <p:spPr>
+            <a:xfrm>
+              <a:off x="1591183" y="2696232"/>
+              <a:ext cx="1778549" cy="369332"/>
+            </a:xfrm>
+            <a:prstGeom prst="rect">
+              <a:avLst/>
+            </a:prstGeom>
+            <a:noFill/>
+          </p:spPr>
+          <p:txBody>
+            <a:bodyPr wrap="square" rtlCol="0">
+              <a:spAutoFit/>
+            </a:bodyPr>
+            <a:lstStyle/>
+            <a:p>
+              <a:r>
+                <a:rPr lang="en-GB" dirty="0" err="1"/>
+                <a:t>beat_machine</a:t>
+              </a:r>
+              <a:r>
+                <a:rPr lang="en-GB" dirty="0"/>
+                <a:t>()</a:t>
+              </a:r>
+            </a:p>
+          </p:txBody>
+        </p:sp>
+      </p:grpSp>
+      <p:sp>
+        <p:nvSpPr>
+          <p:cNvPr id="20" name="TextBox 19">
+            <a:extLst>
+              <a:ext uri="{FF2B5EF4-FFF2-40B4-BE49-F238E27FC236}">
+                <a16:creationId xmlns:a16="http://schemas.microsoft.com/office/drawing/2014/main" id="{5D54B288-85C2-3449-B7BB-4ED8E9B14D4E}"/>
+              </a:ext>
+            </a:extLst>
+          </p:cNvPr>
+          <p:cNvSpPr txBox="1"/>
+          <p:nvPr/>
+        </p:nvSpPr>
+        <p:spPr>
+          <a:xfrm>
+            <a:off x="8745517" y="3057748"/>
+            <a:ext cx="1778549" cy="923330"/>
+          </a:xfrm>
+          <a:prstGeom prst="rect">
+            <a:avLst/>
+          </a:prstGeom>
+          <a:solidFill>
+            <a:schemeClr val="accent1"/>
+          </a:solidFill>
+        </p:spPr>
+        <p:txBody>
+          <a:bodyPr wrap="square" rtlCol="0">
+            <a:spAutoFit/>
+          </a:bodyPr>
+          <a:lstStyle/>
+          <a:p>
+            <a:pPr algn="ctr"/>
+            <a:r>
+              <a:rPr lang="en-GB" dirty="0"/>
+              <a:t>increment beat</a:t>
+            </a:r>
+          </a:p>
+          <a:p>
+            <a:pPr algn="ctr"/>
+            <a:r>
+              <a:rPr lang="en-GB" dirty="0"/>
+              <a:t>beat += 1</a:t>
+            </a:r>
+          </a:p>
+          <a:p>
+            <a:pPr algn="ctr"/>
+            <a:r>
+              <a:rPr lang="en-GB" dirty="0"/>
+              <a:t>or beat = 1</a:t>
+            </a:r>
+          </a:p>
+        </p:txBody>
+      </p:sp>
+      <p:cxnSp>
+        <p:nvCxnSpPr>
+          <p:cNvPr id="22" name="Straight Arrow Connector 21">
+            <a:extLst>
+              <a:ext uri="{FF2B5EF4-FFF2-40B4-BE49-F238E27FC236}">
+                <a16:creationId xmlns:a16="http://schemas.microsoft.com/office/drawing/2014/main" id="{9DC4ABCF-E3FC-A44D-95B7-BFF35253F0C7}"/>
+              </a:ext>
+            </a:extLst>
+          </p:cNvPr>
+          <p:cNvCxnSpPr/>
+          <p:nvPr/>
+        </p:nvCxnSpPr>
+        <p:spPr>
+          <a:xfrm>
+            <a:off x="8305250" y="2664989"/>
+            <a:ext cx="880533" cy="235299"/>
+          </a:xfrm>
+          <a:prstGeom prst="straightConnector1">
+            <a:avLst/>
+          </a:prstGeom>
+          <a:ln w="76200">
+            <a:solidFill>
+              <a:srgbClr val="FF0000"/>
+            </a:solidFill>
+            <a:tailEnd type="triangle"/>
+          </a:ln>
+        </p:spPr>
+        <p:style>
+          <a:lnRef idx="1">
+            <a:schemeClr val="accent1"/>
+          </a:lnRef>
+          <a:fillRef idx="0">
+            <a:schemeClr val="accent1"/>
+          </a:fillRef>
+          <a:effectRef idx="0">
+            <a:schemeClr val="accent1"/>
+          </a:effectRef>
+          <a:fontRef idx="minor">
+            <a:schemeClr val="tx1"/>
+          </a:fontRef>
+        </p:style>
+      </p:cxnSp>
+      <p:cxnSp>
+        <p:nvCxnSpPr>
+          <p:cNvPr id="23" name="Straight Arrow Connector 22">
+            <a:extLst>
+              <a:ext uri="{FF2B5EF4-FFF2-40B4-BE49-F238E27FC236}">
+                <a16:creationId xmlns:a16="http://schemas.microsoft.com/office/drawing/2014/main" id="{D13196A9-895E-3C40-96D5-711C21E1D5E3}"/>
+              </a:ext>
+            </a:extLst>
+          </p:cNvPr>
+          <p:cNvCxnSpPr>
+            <a:cxnSpLocks/>
+          </p:cNvCxnSpPr>
+          <p:nvPr/>
+        </p:nvCxnSpPr>
+        <p:spPr>
+          <a:xfrm flipV="1">
+            <a:off x="8381447" y="4171349"/>
+            <a:ext cx="804336" cy="496816"/>
+          </a:xfrm>
+          <a:prstGeom prst="straightConnector1">
+            <a:avLst/>
+          </a:prstGeom>
+          <a:ln w="76200">
+            <a:solidFill>
+              <a:srgbClr val="FF0000"/>
+            </a:solidFill>
+            <a:tailEnd type="triangle"/>
+          </a:ln>
+        </p:spPr>
+        <p:style>
+          <a:lnRef idx="1">
+            <a:schemeClr val="accent1"/>
+          </a:lnRef>
+          <a:fillRef idx="0">
+            <a:schemeClr val="accent1"/>
+          </a:fillRef>
+          <a:effectRef idx="0">
+            <a:schemeClr val="accent1"/>
+          </a:effectRef>
+          <a:fontRef idx="minor">
+            <a:schemeClr val="tx1"/>
+          </a:fontRef>
+        </p:style>
+      </p:cxnSp>
+    </p:spTree>
+    <p:extLst>
+      <p:ext uri="{BB962C8B-B14F-4D97-AF65-F5344CB8AC3E}">
+        <p14:creationId xmlns:p14="http://schemas.microsoft.com/office/powerpoint/2010/main" val="3634983529"/>
+      </p:ext>
+    </p:extLst>
+  </p:cSld>
+  <p:clrMapOvr>
+    <a:masterClrMapping/>
+  </p:clrMapOvr>
+  <p:timing>
+    <p:tnLst>
+      <p:par>
+        <p:cTn id="1" dur="indefinite" restart="never" nodeType="tmRoot">
+          <p:childTnLst>
+            <p:seq concurrent="1" nextAc="seek">
+              <p:cTn id="2" dur="indefinite" nodeType="mainSeq">
+                <p:childTnLst>
+                  <p:par>
+                    <p:cTn id="3" fill="hold">
+                      <p:stCondLst>
+                        <p:cond delay="indefinite"/>
+                      </p:stCondLst>
+                      <p:childTnLst>
+                        <p:par>
+                          <p:cTn id="4" fill="hold">
+                            <p:stCondLst>
+                              <p:cond delay="0"/>
+                            </p:stCondLst>
+                            <p:childTnLst>
+                              <p:par>
+                                <p:cTn id="5" presetID="1" presetClass="entr" presetSubtype="0" fill="hold" nodeType="clickEffect">
+                                  <p:stCondLst>
+                                    <p:cond delay="0"/>
+                                  </p:stCondLst>
+                                  <p:childTnLst>
+                                    <p:set>
+                                      <p:cBhvr>
+                                        <p:cTn id="6" dur="1" fill="hold">
+                                          <p:stCondLst>
+                                            <p:cond delay="0"/>
+                                          </p:stCondLst>
+                                        </p:cTn>
+                                        <p:tgtEl>
+                                          <p:spTgt spid="17"/>
+                                        </p:tgtEl>
+                                        <p:attrNameLst>
+                                          <p:attrName>style.visibility</p:attrName>
+                                        </p:attrNameLst>
+                                      </p:cBhvr>
+                                      <p:to>
+                                        <p:strVal val="visible"/>
+                                      </p:to>
+                                    </p:set>
+                                  </p:childTnLst>
+                                </p:cTn>
+                              </p:par>
+                            </p:childTnLst>
+                          </p:cTn>
+                        </p:par>
+                      </p:childTnLst>
+                    </p:cTn>
+                  </p:par>
+                  <p:par>
+                    <p:cTn id="7" fill="hold">
+                      <p:stCondLst>
+                        <p:cond delay="indefinite"/>
+                      </p:stCondLst>
+                      <p:childTnLst>
+                        <p:par>
+                          <p:cTn id="8" fill="hold">
+                            <p:stCondLst>
+                              <p:cond delay="0"/>
+                            </p:stCondLst>
+                            <p:childTnLst>
+                              <p:par>
+                                <p:cTn id="9" presetID="1" presetClass="entr" presetSubtype="0" fill="hold" grpId="0" nodeType="clickEffect">
+                                  <p:stCondLst>
+                                    <p:cond delay="0"/>
+                                  </p:stCondLst>
+                                  <p:childTnLst>
+                                    <p:set>
+                                      <p:cBhvr>
+                                        <p:cTn id="10" dur="1" fill="hold">
+                                          <p:stCondLst>
+                                            <p:cond delay="0"/>
+                                          </p:stCondLst>
+                                        </p:cTn>
+                                        <p:tgtEl>
+                                          <p:spTgt spid="7"/>
+                                        </p:tgtEl>
+                                        <p:attrNameLst>
+                                          <p:attrName>style.visibility</p:attrName>
+                                        </p:attrNameLst>
+                                      </p:cBhvr>
+                                      <p:to>
+                                        <p:strVal val="visible"/>
+                                      </p:to>
+                                    </p:set>
+                                  </p:childTnLst>
+                                </p:cTn>
+                              </p:par>
+                            </p:childTnLst>
+                          </p:cTn>
+                        </p:par>
+                      </p:childTnLst>
+                    </p:cTn>
+                  </p:par>
+                  <p:par>
+                    <p:cTn id="11" fill="hold">
+                      <p:stCondLst>
+                        <p:cond delay="indefinite"/>
+                      </p:stCondLst>
+                      <p:childTnLst>
+                        <p:par>
+                          <p:cTn id="12" fill="hold">
+                            <p:stCondLst>
+                              <p:cond delay="0"/>
+                            </p:stCondLst>
+                            <p:childTnLst>
+                              <p:par>
+                                <p:cTn id="13" presetID="1" presetClass="entr" presetSubtype="0" fill="hold" nodeType="clickEffect">
+                                  <p:stCondLst>
+                                    <p:cond delay="0"/>
+                                  </p:stCondLst>
+                                  <p:childTnLst>
+                                    <p:set>
+                                      <p:cBhvr>
+                                        <p:cTn id="14" dur="1" fill="hold">
+                                          <p:stCondLst>
+                                            <p:cond delay="0"/>
+                                          </p:stCondLst>
+                                        </p:cTn>
+                                        <p:tgtEl>
+                                          <p:spTgt spid="22"/>
+                                        </p:tgtEl>
+                                        <p:attrNameLst>
+                                          <p:attrName>style.visibility</p:attrName>
+                                        </p:attrNameLst>
+                                      </p:cBhvr>
+                                      <p:to>
+                                        <p:strVal val="visible"/>
+                                      </p:to>
+                                    </p:set>
+                                  </p:childTnLst>
+                                </p:cTn>
+                              </p:par>
+                              <p:par>
+                                <p:cTn id="15" presetID="1" presetClass="entr" presetSubtype="0" fill="hold" grpId="0" nodeType="withEffect">
+                                  <p:stCondLst>
+                                    <p:cond delay="0"/>
+                                  </p:stCondLst>
+                                  <p:childTnLst>
+                                    <p:set>
+                                      <p:cBhvr>
+                                        <p:cTn id="16" dur="1" fill="hold">
+                                          <p:stCondLst>
+                                            <p:cond delay="0"/>
+                                          </p:stCondLst>
+                                        </p:cTn>
+                                        <p:tgtEl>
+                                          <p:spTgt spid="20"/>
+                                        </p:tgtEl>
+                                        <p:attrNameLst>
+                                          <p:attrName>style.visibility</p:attrName>
+                                        </p:attrNameLst>
+                                      </p:cBhvr>
+                                      <p:to>
+                                        <p:strVal val="visible"/>
+                                      </p:to>
+                                    </p:set>
+                                  </p:childTnLst>
+                                </p:cTn>
+                              </p:par>
+                            </p:childTnLst>
+                          </p:cTn>
+                        </p:par>
+                      </p:childTnLst>
+                    </p:cTn>
+                  </p:par>
+                  <p:par>
+                    <p:cTn id="17" fill="hold">
+                      <p:stCondLst>
+                        <p:cond delay="indefinite"/>
+                      </p:stCondLst>
+                      <p:childTnLst>
+                        <p:par>
+                          <p:cTn id="18" fill="hold">
+                            <p:stCondLst>
+                              <p:cond delay="0"/>
+                            </p:stCondLst>
+                            <p:childTnLst>
+                              <p:par>
+                                <p:cTn id="19" presetID="1" presetClass="entr" presetSubtype="0" fill="hold" nodeType="clickEffect">
+                                  <p:stCondLst>
+                                    <p:cond delay="0"/>
+                                  </p:stCondLst>
+                                  <p:childTnLst>
+                                    <p:set>
+                                      <p:cBhvr>
+                                        <p:cTn id="20" dur="1" fill="hold">
+                                          <p:stCondLst>
+                                            <p:cond delay="0"/>
+                                          </p:stCondLst>
+                                        </p:cTn>
+                                        <p:tgtEl>
+                                          <p:spTgt spid="18"/>
+                                        </p:tgtEl>
+                                        <p:attrNameLst>
+                                          <p:attrName>style.visibility</p:attrName>
+                                        </p:attrNameLst>
+                                      </p:cBhvr>
+                                      <p:to>
+                                        <p:strVal val="visible"/>
+                                      </p:to>
+                                    </p:set>
+                                  </p:childTnLst>
+                                </p:cTn>
+                              </p:par>
+                            </p:childTnLst>
+                          </p:cTn>
+                        </p:par>
+                      </p:childTnLst>
+                    </p:cTn>
+                  </p:par>
+                  <p:par>
+                    <p:cTn id="21" fill="hold">
+                      <p:stCondLst>
+                        <p:cond delay="indefinite"/>
+                      </p:stCondLst>
+                      <p:childTnLst>
+                        <p:par>
+                          <p:cTn id="22" fill="hold">
+                            <p:stCondLst>
+                              <p:cond delay="0"/>
+                            </p:stCondLst>
+                            <p:childTnLst>
+                              <p:par>
+                                <p:cTn id="23" presetID="1" presetClass="entr" presetSubtype="0" fill="hold" grpId="0" nodeType="clickEffect">
+                                  <p:stCondLst>
+                                    <p:cond delay="0"/>
+                                  </p:stCondLst>
+                                  <p:childTnLst>
+                                    <p:set>
+                                      <p:cBhvr>
+                                        <p:cTn id="24" dur="1" fill="hold">
+                                          <p:stCondLst>
+                                            <p:cond delay="0"/>
+                                          </p:stCondLst>
+                                        </p:cTn>
+                                        <p:tgtEl>
+                                          <p:spTgt spid="8"/>
+                                        </p:tgtEl>
+                                        <p:attrNameLst>
+                                          <p:attrName>style.visibility</p:attrName>
+                                        </p:attrNameLst>
+                                      </p:cBhvr>
+                                      <p:to>
+                                        <p:strVal val="visible"/>
+                                      </p:to>
+                                    </p:set>
+                                  </p:childTnLst>
+                                </p:cTn>
+                              </p:par>
+                            </p:childTnLst>
+                          </p:cTn>
+                        </p:par>
+                      </p:childTnLst>
+                    </p:cTn>
+                  </p:par>
+                  <p:par>
+                    <p:cTn id="25" fill="hold">
+                      <p:stCondLst>
+                        <p:cond delay="indefinite"/>
+                      </p:stCondLst>
+                      <p:childTnLst>
+                        <p:par>
+                          <p:cTn id="26" fill="hold">
+                            <p:stCondLst>
+                              <p:cond delay="0"/>
+                            </p:stCondLst>
+                            <p:childTnLst>
+                              <p:par>
+                                <p:cTn id="27" presetID="1" presetClass="entr" presetSubtype="0" fill="hold" nodeType="clickEffect">
+                                  <p:stCondLst>
+                                    <p:cond delay="0"/>
+                                  </p:stCondLst>
+                                  <p:childTnLst>
+                                    <p:set>
+                                      <p:cBhvr>
+                                        <p:cTn id="28" dur="1" fill="hold">
+                                          <p:stCondLst>
+                                            <p:cond delay="0"/>
+                                          </p:stCondLst>
+                                        </p:cTn>
+                                        <p:tgtEl>
+                                          <p:spTgt spid="23"/>
+                                        </p:tgtEl>
+                                        <p:attrNameLst>
+                                          <p:attrName>style.visibility</p:attrName>
+                                        </p:attrNameLst>
+                                      </p:cBhvr>
+                                      <p:to>
+                                        <p:strVal val="visible"/>
+                                      </p:to>
+                                    </p:set>
+                                  </p:childTnLst>
+                                </p:cTn>
+                              </p:par>
+                            </p:childTnLst>
+                          </p:cTn>
+                        </p:par>
+                      </p:childTnLst>
+                    </p:cTn>
+                  </p:par>
+                </p:childTnLst>
+              </p:cTn>
+              <p:prevCondLst>
+                <p:cond evt="onPrev" delay="0">
+                  <p:tgtEl>
+                    <p:sldTgt/>
+                  </p:tgtEl>
+                </p:cond>
+              </p:prevCondLst>
+              <p:nextCondLst>
+                <p:cond evt="onNext" delay="0">
+                  <p:tgtEl>
+                    <p:sldTgt/>
+                  </p:tgtEl>
+                </p:cond>
+              </p:nextCondLst>
+            </p:seq>
+          </p:childTnLst>
+        </p:cTn>
+      </p:par>
+    </p:tnLst>
+    <p:bldLst>
+      <p:bldP spid="7" grpId="0" animBg="1"/>
+      <p:bldP spid="8" grpId="0" animBg="1"/>
+      <p:bldP spid="20" grpId="0" animBg="1"/>
+    </p:bldLst>
+  </p:timing>
+</p:sld>
+</file>
+
+<file path=ppt/slides/slide13.xml><?xml version="1.0" encoding="utf-8"?>
+<p:sld xmlns:a="http://schemas.openxmlformats.org/drawingml/2006/main" xmlns:r="http://schemas.openxmlformats.org/officeDocument/2006/relationships" xmlns:p="http://schemas.openxmlformats.org/presentationml/2006/main">
+  <p:cSld>
+    <p:spTree>
+      <p:nvGrpSpPr>
+        <p:cNvPr id="1" name=""/>
+        <p:cNvGrpSpPr/>
+        <p:nvPr/>
+      </p:nvGrpSpPr>
+      <p:grpSpPr>
+        <a:xfrm>
+          <a:off x="0" y="0"/>
+          <a:ext cx="0" cy="0"/>
+          <a:chOff x="0" y="0"/>
+          <a:chExt cx="0" cy="0"/>
+        </a:xfrm>
+      </p:grpSpPr>
+      <p:sp>
+        <p:nvSpPr>
+          <p:cNvPr id="2" name="Title 1">
+            <a:extLst>
+              <a:ext uri="{FF2B5EF4-FFF2-40B4-BE49-F238E27FC236}">
+                <a16:creationId xmlns:a16="http://schemas.microsoft.com/office/drawing/2014/main" id="{E148B472-6E80-7448-8C65-90DF5663732E}"/>
+              </a:ext>
+            </a:extLst>
+          </p:cNvPr>
+          <p:cNvSpPr>
+            <a:spLocks noGrp="1"/>
+          </p:cNvSpPr>
+          <p:nvPr>
+            <p:ph type="title"/>
+          </p:nvPr>
+        </p:nvSpPr>
+        <p:spPr>
+          <a:xfrm>
+            <a:off x="838200" y="2752726"/>
+            <a:ext cx="10515600" cy="1325563"/>
+          </a:xfrm>
+        </p:spPr>
+        <p:txBody>
+          <a:bodyPr/>
+          <a:lstStyle/>
+          <a:p>
+            <a:pPr algn="ctr"/>
+            <a:r>
+              <a:rPr lang="en-GB" dirty="0"/>
+              <a:t>Demonstration</a:t>
             </a:r>
           </a:p>
         </p:txBody>
@@ -3386,7 +4996,7 @@
     </p:spTree>
     <p:extLst>
       <p:ext uri="{BB962C8B-B14F-4D97-AF65-F5344CB8AC3E}">
-        <p14:creationId xmlns:p14="http://schemas.microsoft.com/office/powerpoint/2010/main" val="891870013"/>
+        <p14:creationId xmlns:p14="http://schemas.microsoft.com/office/powerpoint/2010/main" val="2247662811"/>
       </p:ext>
     </p:extLst>
   </p:cSld>
@@ -3418,7 +5028,7 @@
           <p:cNvPr id="2" name="Title 1">
             <a:extLst>
               <a:ext uri="{FF2B5EF4-FFF2-40B4-BE49-F238E27FC236}">
-                <a16:creationId xmlns:a16="http://schemas.microsoft.com/office/drawing/2014/main" id="{A3982F76-F424-DD44-80F8-43B4C68053B0}"/>
+                <a16:creationId xmlns:a16="http://schemas.microsoft.com/office/drawing/2014/main" id="{083744E6-FD30-3C41-B347-6FC7E5B84CC9}"/>
               </a:ext>
             </a:extLst>
           </p:cNvPr>
@@ -3436,7 +5046,7 @@
           <a:p>
             <a:r>
               <a:rPr lang="en-GB" dirty="0"/>
-              <a:t>Components</a:t>
+              <a:t>my project</a:t>
             </a:r>
           </a:p>
         </p:txBody>
@@ -3446,7 +5056,7 @@
           <p:cNvPr id="3" name="Content Placeholder 2">
             <a:extLst>
               <a:ext uri="{FF2B5EF4-FFF2-40B4-BE49-F238E27FC236}">
-                <a16:creationId xmlns:a16="http://schemas.microsoft.com/office/drawing/2014/main" id="{C645F9CD-8999-D348-80A9-928863D06716}"/>
+                <a16:creationId xmlns:a16="http://schemas.microsoft.com/office/drawing/2014/main" id="{73B5E161-A966-A242-B9B5-E572227DF96F}"/>
               </a:ext>
             </a:extLst>
           </p:cNvPr>
@@ -3464,23 +5074,23 @@
           <a:p>
             <a:pPr>
               <a:lnSpc>
-                <a:spcPct val="150000"/>
+                <a:spcPct val="250000"/>
               </a:lnSpc>
             </a:pPr>
             <a:r>
               <a:rPr lang="en-GB" dirty="0"/>
-              <a:t>STM32F446RE</a:t>
+              <a:t>build own metronome</a:t>
             </a:r>
           </a:p>
           <a:p>
             <a:pPr>
               <a:lnSpc>
-                <a:spcPct val="150000"/>
+                <a:spcPct val="250000"/>
               </a:lnSpc>
             </a:pPr>
             <a:r>
               <a:rPr lang="en-GB" dirty="0"/>
-              <a:t>Accessory board</a:t>
+              <a:t>use microcontroller and accessory board</a:t>
             </a:r>
           </a:p>
         </p:txBody>
@@ -3488,7 +5098,7 @@
     </p:spTree>
     <p:extLst>
       <p:ext uri="{BB962C8B-B14F-4D97-AF65-F5344CB8AC3E}">
-        <p14:creationId xmlns:p14="http://schemas.microsoft.com/office/powerpoint/2010/main" val="513823440"/>
+        <p14:creationId xmlns:p14="http://schemas.microsoft.com/office/powerpoint/2010/main" val="915642369"/>
       </p:ext>
     </p:extLst>
   </p:cSld>
@@ -3666,7 +5276,1454 @@
           <a:p>
             <a:r>
               <a:rPr lang="en-GB" dirty="0"/>
-              <a:t>Functionality</a:t>
+              <a:t>“GUI”</a:t>
+            </a:r>
+          </a:p>
+        </p:txBody>
+      </p:sp>
+      <p:pic>
+        <p:nvPicPr>
+          <p:cNvPr id="7" name="Picture 6" descr="A circuit board&#10;&#10;Description automatically generated">
+            <a:extLst>
+              <a:ext uri="{FF2B5EF4-FFF2-40B4-BE49-F238E27FC236}">
+                <a16:creationId xmlns:a16="http://schemas.microsoft.com/office/drawing/2014/main" id="{0FD1FB55-3C01-4D4F-A430-8B2413E525AF}"/>
+              </a:ext>
+            </a:extLst>
+          </p:cNvPr>
+          <p:cNvPicPr>
+            <a:picLocks noChangeAspect="1"/>
+          </p:cNvPicPr>
+          <p:nvPr/>
+        </p:nvPicPr>
+        <p:blipFill>
+          <a:blip r:embed="rId2"/>
+          <a:stretch>
+            <a:fillRect/>
+          </a:stretch>
+        </p:blipFill>
+        <p:spPr>
+          <a:xfrm>
+            <a:off x="4136274" y="1444107"/>
+            <a:ext cx="3909601" cy="4636560"/>
+          </a:xfrm>
+          <a:prstGeom prst="rect">
+            <a:avLst/>
+          </a:prstGeom>
+        </p:spPr>
+      </p:pic>
+      <p:grpSp>
+        <p:nvGrpSpPr>
+          <p:cNvPr id="12" name="Group 11">
+            <a:extLst>
+              <a:ext uri="{FF2B5EF4-FFF2-40B4-BE49-F238E27FC236}">
+                <a16:creationId xmlns:a16="http://schemas.microsoft.com/office/drawing/2014/main" id="{C22FCE0D-8257-6744-9154-8203C69E20C6}"/>
+              </a:ext>
+            </a:extLst>
+          </p:cNvPr>
+          <p:cNvGrpSpPr/>
+          <p:nvPr/>
+        </p:nvGrpSpPr>
+        <p:grpSpPr>
+          <a:xfrm>
+            <a:off x="2082251" y="3834088"/>
+            <a:ext cx="2861224" cy="656230"/>
+            <a:chOff x="4896889" y="5847463"/>
+            <a:chExt cx="2861224" cy="656230"/>
+          </a:xfrm>
+        </p:grpSpPr>
+        <p:sp>
+          <p:nvSpPr>
+            <p:cNvPr id="8" name="TextBox 7">
+              <a:extLst>
+                <a:ext uri="{FF2B5EF4-FFF2-40B4-BE49-F238E27FC236}">
+                  <a16:creationId xmlns:a16="http://schemas.microsoft.com/office/drawing/2014/main" id="{1D062D46-587A-B84C-9312-1587E4352352}"/>
+                </a:ext>
+              </a:extLst>
+            </p:cNvPr>
+            <p:cNvSpPr txBox="1"/>
+            <p:nvPr/>
+          </p:nvSpPr>
+          <p:spPr>
+            <a:xfrm>
+              <a:off x="4896889" y="5857362"/>
+              <a:ext cx="1458650" cy="646331"/>
+            </a:xfrm>
+            <a:prstGeom prst="rect">
+              <a:avLst/>
+            </a:prstGeom>
+            <a:solidFill>
+              <a:schemeClr val="accent1"/>
+            </a:solidFill>
+          </p:spPr>
+          <p:txBody>
+            <a:bodyPr wrap="square" rtlCol="0">
+              <a:spAutoFit/>
+            </a:bodyPr>
+            <a:lstStyle/>
+            <a:p>
+              <a:pPr algn="ctr"/>
+              <a:r>
+                <a:rPr lang="en-GB" dirty="0"/>
+                <a:t>display values</a:t>
+              </a:r>
+            </a:p>
+          </p:txBody>
+        </p:sp>
+        <p:cxnSp>
+          <p:nvCxnSpPr>
+            <p:cNvPr id="10" name="Straight Connector 9">
+              <a:extLst>
+                <a:ext uri="{FF2B5EF4-FFF2-40B4-BE49-F238E27FC236}">
+                  <a16:creationId xmlns:a16="http://schemas.microsoft.com/office/drawing/2014/main" id="{C943034E-300D-B84E-B4B7-E80F66242982}"/>
+                </a:ext>
+              </a:extLst>
+            </p:cNvPr>
+            <p:cNvCxnSpPr>
+              <a:cxnSpLocks/>
+            </p:cNvCxnSpPr>
+            <p:nvPr/>
+          </p:nvCxnSpPr>
+          <p:spPr>
+            <a:xfrm flipV="1">
+              <a:off x="6355539" y="5847463"/>
+              <a:ext cx="1402574" cy="194565"/>
+            </a:xfrm>
+            <a:prstGeom prst="line">
+              <a:avLst/>
+            </a:prstGeom>
+            <a:ln w="57150">
+              <a:solidFill>
+                <a:srgbClr val="FF0000"/>
+              </a:solidFill>
+            </a:ln>
+          </p:spPr>
+          <p:style>
+            <a:lnRef idx="1">
+              <a:schemeClr val="accent1"/>
+            </a:lnRef>
+            <a:fillRef idx="0">
+              <a:schemeClr val="accent1"/>
+            </a:fillRef>
+            <a:effectRef idx="0">
+              <a:schemeClr val="accent1"/>
+            </a:effectRef>
+            <a:fontRef idx="minor">
+              <a:schemeClr val="tx1"/>
+            </a:fontRef>
+          </p:style>
+        </p:cxnSp>
+      </p:grpSp>
+      <p:grpSp>
+        <p:nvGrpSpPr>
+          <p:cNvPr id="17" name="Group 16">
+            <a:extLst>
+              <a:ext uri="{FF2B5EF4-FFF2-40B4-BE49-F238E27FC236}">
+                <a16:creationId xmlns:a16="http://schemas.microsoft.com/office/drawing/2014/main" id="{DA257EF0-E854-144A-A55E-33A78DEF55A2}"/>
+              </a:ext>
+            </a:extLst>
+          </p:cNvPr>
+          <p:cNvGrpSpPr/>
+          <p:nvPr/>
+        </p:nvGrpSpPr>
+        <p:grpSpPr>
+          <a:xfrm>
+            <a:off x="2082251" y="5262693"/>
+            <a:ext cx="2671615" cy="646331"/>
+            <a:chOff x="4896889" y="5857362"/>
+            <a:chExt cx="2671615" cy="646331"/>
+          </a:xfrm>
+        </p:grpSpPr>
+        <p:sp>
+          <p:nvSpPr>
+            <p:cNvPr id="18" name="TextBox 17">
+              <a:extLst>
+                <a:ext uri="{FF2B5EF4-FFF2-40B4-BE49-F238E27FC236}">
+                  <a16:creationId xmlns:a16="http://schemas.microsoft.com/office/drawing/2014/main" id="{0A81169D-318C-F84C-A884-A5FA60228634}"/>
+                </a:ext>
+              </a:extLst>
+            </p:cNvPr>
+            <p:cNvSpPr txBox="1"/>
+            <p:nvPr/>
+          </p:nvSpPr>
+          <p:spPr>
+            <a:xfrm>
+              <a:off x="4896889" y="5857362"/>
+              <a:ext cx="1458650" cy="646331"/>
+            </a:xfrm>
+            <a:prstGeom prst="rect">
+              <a:avLst/>
+            </a:prstGeom>
+            <a:solidFill>
+              <a:schemeClr val="accent1"/>
+            </a:solidFill>
+          </p:spPr>
+          <p:txBody>
+            <a:bodyPr wrap="square" rtlCol="0">
+              <a:spAutoFit/>
+            </a:bodyPr>
+            <a:lstStyle/>
+            <a:p>
+              <a:pPr algn="ctr"/>
+              <a:r>
+                <a:rPr lang="en-GB" dirty="0"/>
+                <a:t>change volume</a:t>
+              </a:r>
+            </a:p>
+          </p:txBody>
+        </p:sp>
+        <p:cxnSp>
+          <p:nvCxnSpPr>
+            <p:cNvPr id="19" name="Straight Connector 18">
+              <a:extLst>
+                <a:ext uri="{FF2B5EF4-FFF2-40B4-BE49-F238E27FC236}">
+                  <a16:creationId xmlns:a16="http://schemas.microsoft.com/office/drawing/2014/main" id="{53C7ACC0-77EB-E542-B856-EC8FBA79C3E6}"/>
+                </a:ext>
+              </a:extLst>
+            </p:cNvPr>
+            <p:cNvCxnSpPr>
+              <a:cxnSpLocks/>
+            </p:cNvCxnSpPr>
+            <p:nvPr/>
+          </p:nvCxnSpPr>
+          <p:spPr>
+            <a:xfrm>
+              <a:off x="6355539" y="6042028"/>
+              <a:ext cx="1212965" cy="138499"/>
+            </a:xfrm>
+            <a:prstGeom prst="line">
+              <a:avLst/>
+            </a:prstGeom>
+            <a:ln w="57150">
+              <a:solidFill>
+                <a:srgbClr val="FF0000"/>
+              </a:solidFill>
+            </a:ln>
+          </p:spPr>
+          <p:style>
+            <a:lnRef idx="1">
+              <a:schemeClr val="accent1"/>
+            </a:lnRef>
+            <a:fillRef idx="0">
+              <a:schemeClr val="accent1"/>
+            </a:fillRef>
+            <a:effectRef idx="0">
+              <a:schemeClr val="accent1"/>
+            </a:effectRef>
+            <a:fontRef idx="minor">
+              <a:schemeClr val="tx1"/>
+            </a:fontRef>
+          </p:style>
+        </p:cxnSp>
+      </p:grpSp>
+      <p:grpSp>
+        <p:nvGrpSpPr>
+          <p:cNvPr id="20" name="Group 19">
+            <a:extLst>
+              <a:ext uri="{FF2B5EF4-FFF2-40B4-BE49-F238E27FC236}">
+                <a16:creationId xmlns:a16="http://schemas.microsoft.com/office/drawing/2014/main" id="{A86FABF9-7A26-924A-BB07-382BD9FE0652}"/>
+              </a:ext>
+            </a:extLst>
+          </p:cNvPr>
+          <p:cNvGrpSpPr/>
+          <p:nvPr/>
+        </p:nvGrpSpPr>
+        <p:grpSpPr>
+          <a:xfrm>
+            <a:off x="2082251" y="2413945"/>
+            <a:ext cx="2861224" cy="488156"/>
+            <a:chOff x="4896889" y="5738538"/>
+            <a:chExt cx="2861224" cy="488156"/>
+          </a:xfrm>
+        </p:grpSpPr>
+        <p:sp>
+          <p:nvSpPr>
+            <p:cNvPr id="21" name="TextBox 20">
+              <a:extLst>
+                <a:ext uri="{FF2B5EF4-FFF2-40B4-BE49-F238E27FC236}">
+                  <a16:creationId xmlns:a16="http://schemas.microsoft.com/office/drawing/2014/main" id="{344E32BC-F35C-F840-A4D5-2ED991967DA1}"/>
+                </a:ext>
+              </a:extLst>
+            </p:cNvPr>
+            <p:cNvSpPr txBox="1"/>
+            <p:nvPr/>
+          </p:nvSpPr>
+          <p:spPr>
+            <a:xfrm>
+              <a:off x="4896889" y="5857362"/>
+              <a:ext cx="1458650" cy="369332"/>
+            </a:xfrm>
+            <a:prstGeom prst="rect">
+              <a:avLst/>
+            </a:prstGeom>
+            <a:solidFill>
+              <a:schemeClr val="accent1"/>
+            </a:solidFill>
+          </p:spPr>
+          <p:txBody>
+            <a:bodyPr wrap="square" rtlCol="0">
+              <a:spAutoFit/>
+            </a:bodyPr>
+            <a:lstStyle/>
+            <a:p>
+              <a:pPr algn="ctr"/>
+              <a:r>
+                <a:rPr lang="en-GB" dirty="0"/>
+                <a:t>speaker</a:t>
+              </a:r>
+            </a:p>
+          </p:txBody>
+        </p:sp>
+        <p:cxnSp>
+          <p:nvCxnSpPr>
+            <p:cNvPr id="22" name="Straight Connector 21">
+              <a:extLst>
+                <a:ext uri="{FF2B5EF4-FFF2-40B4-BE49-F238E27FC236}">
+                  <a16:creationId xmlns:a16="http://schemas.microsoft.com/office/drawing/2014/main" id="{EDBD9CEE-3073-C74F-BFA2-4B081F8C0C0B}"/>
+                </a:ext>
+              </a:extLst>
+            </p:cNvPr>
+            <p:cNvCxnSpPr>
+              <a:cxnSpLocks/>
+            </p:cNvCxnSpPr>
+            <p:nvPr/>
+          </p:nvCxnSpPr>
+          <p:spPr>
+            <a:xfrm flipV="1">
+              <a:off x="6355539" y="5738538"/>
+              <a:ext cx="1402574" cy="303490"/>
+            </a:xfrm>
+            <a:prstGeom prst="line">
+              <a:avLst/>
+            </a:prstGeom>
+            <a:ln w="57150">
+              <a:solidFill>
+                <a:srgbClr val="FF0000"/>
+              </a:solidFill>
+            </a:ln>
+          </p:spPr>
+          <p:style>
+            <a:lnRef idx="1">
+              <a:schemeClr val="accent1"/>
+            </a:lnRef>
+            <a:fillRef idx="0">
+              <a:schemeClr val="accent1"/>
+            </a:fillRef>
+            <a:effectRef idx="0">
+              <a:schemeClr val="accent1"/>
+            </a:effectRef>
+            <a:fontRef idx="minor">
+              <a:schemeClr val="tx1"/>
+            </a:fontRef>
+          </p:style>
+        </p:cxnSp>
+      </p:grpSp>
+      <p:grpSp>
+        <p:nvGrpSpPr>
+          <p:cNvPr id="23" name="Group 22">
+            <a:extLst>
+              <a:ext uri="{FF2B5EF4-FFF2-40B4-BE49-F238E27FC236}">
+                <a16:creationId xmlns:a16="http://schemas.microsoft.com/office/drawing/2014/main" id="{BEF50B55-C6F1-8147-B548-36B9B44A9374}"/>
+              </a:ext>
+            </a:extLst>
+          </p:cNvPr>
+          <p:cNvGrpSpPr/>
+          <p:nvPr/>
+        </p:nvGrpSpPr>
+        <p:grpSpPr>
+          <a:xfrm>
+            <a:off x="7243763" y="1715866"/>
+            <a:ext cx="2800622" cy="1032614"/>
+            <a:chOff x="3554917" y="5857362"/>
+            <a:chExt cx="2800622" cy="1032614"/>
+          </a:xfrm>
+        </p:grpSpPr>
+        <p:sp>
+          <p:nvSpPr>
+            <p:cNvPr id="24" name="TextBox 23">
+              <a:extLst>
+                <a:ext uri="{FF2B5EF4-FFF2-40B4-BE49-F238E27FC236}">
+                  <a16:creationId xmlns:a16="http://schemas.microsoft.com/office/drawing/2014/main" id="{D3843957-94E6-E742-A41B-2D3531BF7804}"/>
+                </a:ext>
+              </a:extLst>
+            </p:cNvPr>
+            <p:cNvSpPr txBox="1"/>
+            <p:nvPr/>
+          </p:nvSpPr>
+          <p:spPr>
+            <a:xfrm>
+              <a:off x="4896889" y="5857362"/>
+              <a:ext cx="1458650" cy="369332"/>
+            </a:xfrm>
+            <a:prstGeom prst="rect">
+              <a:avLst/>
+            </a:prstGeom>
+            <a:solidFill>
+              <a:schemeClr val="accent1"/>
+            </a:solidFill>
+          </p:spPr>
+          <p:txBody>
+            <a:bodyPr wrap="square" rtlCol="0">
+              <a:spAutoFit/>
+            </a:bodyPr>
+            <a:lstStyle/>
+            <a:p>
+              <a:pPr algn="ctr"/>
+              <a:r>
+                <a:rPr lang="en-GB" dirty="0"/>
+                <a:t>LED</a:t>
+              </a:r>
+            </a:p>
+          </p:txBody>
+        </p:sp>
+        <p:cxnSp>
+          <p:nvCxnSpPr>
+            <p:cNvPr id="25" name="Straight Connector 24">
+              <a:extLst>
+                <a:ext uri="{FF2B5EF4-FFF2-40B4-BE49-F238E27FC236}">
+                  <a16:creationId xmlns:a16="http://schemas.microsoft.com/office/drawing/2014/main" id="{98B7344A-5E70-564E-913B-210C1BC1B1D0}"/>
+                </a:ext>
+              </a:extLst>
+            </p:cNvPr>
+            <p:cNvCxnSpPr>
+              <a:cxnSpLocks/>
+              <a:stCxn id="24" idx="1"/>
+            </p:cNvCxnSpPr>
+            <p:nvPr/>
+          </p:nvCxnSpPr>
+          <p:spPr>
+            <a:xfrm flipH="1">
+              <a:off x="3554917" y="6042028"/>
+              <a:ext cx="1341972" cy="847948"/>
+            </a:xfrm>
+            <a:prstGeom prst="line">
+              <a:avLst/>
+            </a:prstGeom>
+            <a:ln w="57150">
+              <a:solidFill>
+                <a:srgbClr val="FF0000"/>
+              </a:solidFill>
+            </a:ln>
+          </p:spPr>
+          <p:style>
+            <a:lnRef idx="1">
+              <a:schemeClr val="accent1"/>
+            </a:lnRef>
+            <a:fillRef idx="0">
+              <a:schemeClr val="accent1"/>
+            </a:fillRef>
+            <a:effectRef idx="0">
+              <a:schemeClr val="accent1"/>
+            </a:effectRef>
+            <a:fontRef idx="minor">
+              <a:schemeClr val="tx1"/>
+            </a:fontRef>
+          </p:style>
+        </p:cxnSp>
+      </p:grpSp>
+      <p:grpSp>
+        <p:nvGrpSpPr>
+          <p:cNvPr id="28" name="Group 27">
+            <a:extLst>
+              <a:ext uri="{FF2B5EF4-FFF2-40B4-BE49-F238E27FC236}">
+                <a16:creationId xmlns:a16="http://schemas.microsoft.com/office/drawing/2014/main" id="{1666D407-9DAA-4F42-90B0-94DE4F77115C}"/>
+              </a:ext>
+            </a:extLst>
+          </p:cNvPr>
+          <p:cNvGrpSpPr/>
+          <p:nvPr/>
+        </p:nvGrpSpPr>
+        <p:grpSpPr>
+          <a:xfrm>
+            <a:off x="6091076" y="5662920"/>
+            <a:ext cx="4576513" cy="956338"/>
+            <a:chOff x="2502242" y="5874150"/>
+            <a:chExt cx="4576513" cy="956338"/>
+          </a:xfrm>
+        </p:grpSpPr>
+        <p:sp>
+          <p:nvSpPr>
+            <p:cNvPr id="29" name="TextBox 28">
+              <a:extLst>
+                <a:ext uri="{FF2B5EF4-FFF2-40B4-BE49-F238E27FC236}">
+                  <a16:creationId xmlns:a16="http://schemas.microsoft.com/office/drawing/2014/main" id="{9B7DB36D-053A-D94B-BDC4-EDF6E648C63D}"/>
+                </a:ext>
+              </a:extLst>
+            </p:cNvPr>
+            <p:cNvSpPr txBox="1"/>
+            <p:nvPr/>
+          </p:nvSpPr>
+          <p:spPr>
+            <a:xfrm>
+              <a:off x="3169154" y="6461156"/>
+              <a:ext cx="3909601" cy="369332"/>
+            </a:xfrm>
+            <a:prstGeom prst="rect">
+              <a:avLst/>
+            </a:prstGeom>
+            <a:solidFill>
+              <a:schemeClr val="accent1"/>
+            </a:solidFill>
+          </p:spPr>
+          <p:txBody>
+            <a:bodyPr wrap="square" rtlCol="0">
+              <a:spAutoFit/>
+            </a:bodyPr>
+            <a:lstStyle/>
+            <a:p>
+              <a:pPr algn="ctr"/>
+              <a:r>
+                <a:rPr lang="en-GB" dirty="0"/>
+                <a:t>toggle mode, change beats per bar</a:t>
+              </a:r>
+            </a:p>
+          </p:txBody>
+        </p:sp>
+        <p:cxnSp>
+          <p:nvCxnSpPr>
+            <p:cNvPr id="30" name="Straight Connector 29">
+              <a:extLst>
+                <a:ext uri="{FF2B5EF4-FFF2-40B4-BE49-F238E27FC236}">
+                  <a16:creationId xmlns:a16="http://schemas.microsoft.com/office/drawing/2014/main" id="{A45C5F7B-97F7-F64A-AFD2-EADB2F9B33EC}"/>
+                </a:ext>
+              </a:extLst>
+            </p:cNvPr>
+            <p:cNvCxnSpPr>
+              <a:cxnSpLocks/>
+              <a:stCxn id="29" idx="1"/>
+            </p:cNvCxnSpPr>
+            <p:nvPr/>
+          </p:nvCxnSpPr>
+          <p:spPr>
+            <a:xfrm flipH="1" flipV="1">
+              <a:off x="2502242" y="5874150"/>
+              <a:ext cx="666912" cy="771672"/>
+            </a:xfrm>
+            <a:prstGeom prst="line">
+              <a:avLst/>
+            </a:prstGeom>
+            <a:ln w="57150">
+              <a:solidFill>
+                <a:srgbClr val="FF0000"/>
+              </a:solidFill>
+            </a:ln>
+          </p:spPr>
+          <p:style>
+            <a:lnRef idx="1">
+              <a:schemeClr val="accent1"/>
+            </a:lnRef>
+            <a:fillRef idx="0">
+              <a:schemeClr val="accent1"/>
+            </a:fillRef>
+            <a:effectRef idx="0">
+              <a:schemeClr val="accent1"/>
+            </a:effectRef>
+            <a:fontRef idx="minor">
+              <a:schemeClr val="tx1"/>
+            </a:fontRef>
+          </p:style>
+        </p:cxnSp>
+      </p:grpSp>
+      <p:grpSp>
+        <p:nvGrpSpPr>
+          <p:cNvPr id="31" name="Group 30">
+            <a:extLst>
+              <a:ext uri="{FF2B5EF4-FFF2-40B4-BE49-F238E27FC236}">
+                <a16:creationId xmlns:a16="http://schemas.microsoft.com/office/drawing/2014/main" id="{09738713-53B8-964C-B6E2-F5C3CB1F5801}"/>
+              </a:ext>
+            </a:extLst>
+          </p:cNvPr>
+          <p:cNvGrpSpPr/>
+          <p:nvPr/>
+        </p:nvGrpSpPr>
+        <p:grpSpPr>
+          <a:xfrm>
+            <a:off x="7438135" y="4985092"/>
+            <a:ext cx="2606250" cy="493162"/>
+            <a:chOff x="3749289" y="5857362"/>
+            <a:chExt cx="2606250" cy="493162"/>
+          </a:xfrm>
+        </p:grpSpPr>
+        <p:sp>
+          <p:nvSpPr>
+            <p:cNvPr id="32" name="TextBox 31">
+              <a:extLst>
+                <a:ext uri="{FF2B5EF4-FFF2-40B4-BE49-F238E27FC236}">
+                  <a16:creationId xmlns:a16="http://schemas.microsoft.com/office/drawing/2014/main" id="{25053C72-569B-DC4D-834E-3579E4184FC7}"/>
+                </a:ext>
+              </a:extLst>
+            </p:cNvPr>
+            <p:cNvSpPr txBox="1"/>
+            <p:nvPr/>
+          </p:nvSpPr>
+          <p:spPr>
+            <a:xfrm>
+              <a:off x="4896889" y="5857362"/>
+              <a:ext cx="1458650" cy="369332"/>
+            </a:xfrm>
+            <a:prstGeom prst="rect">
+              <a:avLst/>
+            </a:prstGeom>
+            <a:solidFill>
+              <a:schemeClr val="accent1"/>
+            </a:solidFill>
+          </p:spPr>
+          <p:txBody>
+            <a:bodyPr wrap="square" rtlCol="0">
+              <a:spAutoFit/>
+            </a:bodyPr>
+            <a:lstStyle/>
+            <a:p>
+              <a:pPr algn="ctr"/>
+              <a:r>
+                <a:rPr lang="en-GB" dirty="0"/>
+                <a:t>change bpm</a:t>
+              </a:r>
+            </a:p>
+          </p:txBody>
+        </p:sp>
+        <p:cxnSp>
+          <p:nvCxnSpPr>
+            <p:cNvPr id="33" name="Straight Connector 32">
+              <a:extLst>
+                <a:ext uri="{FF2B5EF4-FFF2-40B4-BE49-F238E27FC236}">
+                  <a16:creationId xmlns:a16="http://schemas.microsoft.com/office/drawing/2014/main" id="{F533BC80-C13B-8240-BDC9-2CC571C10577}"/>
+                </a:ext>
+              </a:extLst>
+            </p:cNvPr>
+            <p:cNvCxnSpPr>
+              <a:cxnSpLocks/>
+              <a:stCxn id="32" idx="1"/>
+            </p:cNvCxnSpPr>
+            <p:nvPr/>
+          </p:nvCxnSpPr>
+          <p:spPr>
+            <a:xfrm flipH="1">
+              <a:off x="3749289" y="6042028"/>
+              <a:ext cx="1147600" cy="308496"/>
+            </a:xfrm>
+            <a:prstGeom prst="line">
+              <a:avLst/>
+            </a:prstGeom>
+            <a:ln w="57150">
+              <a:solidFill>
+                <a:srgbClr val="FF0000"/>
+              </a:solidFill>
+            </a:ln>
+          </p:spPr>
+          <p:style>
+            <a:lnRef idx="1">
+              <a:schemeClr val="accent1"/>
+            </a:lnRef>
+            <a:fillRef idx="0">
+              <a:schemeClr val="accent1"/>
+            </a:fillRef>
+            <a:effectRef idx="0">
+              <a:schemeClr val="accent1"/>
+            </a:effectRef>
+            <a:fontRef idx="minor">
+              <a:schemeClr val="tx1"/>
+            </a:fontRef>
+          </p:style>
+        </p:cxnSp>
+      </p:grpSp>
+      <p:grpSp>
+        <p:nvGrpSpPr>
+          <p:cNvPr id="35" name="Group 34">
+            <a:extLst>
+              <a:ext uri="{FF2B5EF4-FFF2-40B4-BE49-F238E27FC236}">
+                <a16:creationId xmlns:a16="http://schemas.microsoft.com/office/drawing/2014/main" id="{DB811CB5-6EF5-D34C-A16D-4623C6FCA1EE}"/>
+              </a:ext>
+            </a:extLst>
+          </p:cNvPr>
+          <p:cNvGrpSpPr/>
+          <p:nvPr/>
+        </p:nvGrpSpPr>
+        <p:grpSpPr>
+          <a:xfrm>
+            <a:off x="7062463" y="3416309"/>
+            <a:ext cx="2981922" cy="369332"/>
+            <a:chOff x="3473629" y="6461156"/>
+            <a:chExt cx="2981922" cy="369332"/>
+          </a:xfrm>
+        </p:grpSpPr>
+        <p:sp>
+          <p:nvSpPr>
+            <p:cNvPr id="36" name="TextBox 35">
+              <a:extLst>
+                <a:ext uri="{FF2B5EF4-FFF2-40B4-BE49-F238E27FC236}">
+                  <a16:creationId xmlns:a16="http://schemas.microsoft.com/office/drawing/2014/main" id="{32238036-6DA4-1244-9579-6D5A2226FD83}"/>
+                </a:ext>
+              </a:extLst>
+            </p:cNvPr>
+            <p:cNvSpPr txBox="1"/>
+            <p:nvPr/>
+          </p:nvSpPr>
+          <p:spPr>
+            <a:xfrm>
+              <a:off x="4996901" y="6461156"/>
+              <a:ext cx="1458650" cy="369332"/>
+            </a:xfrm>
+            <a:prstGeom prst="rect">
+              <a:avLst/>
+            </a:prstGeom>
+            <a:solidFill>
+              <a:schemeClr val="accent1"/>
+            </a:solidFill>
+          </p:spPr>
+          <p:txBody>
+            <a:bodyPr wrap="square" rtlCol="0">
+              <a:spAutoFit/>
+            </a:bodyPr>
+            <a:lstStyle/>
+            <a:p>
+              <a:pPr algn="ctr"/>
+              <a:r>
+                <a:rPr lang="en-GB" dirty="0"/>
+                <a:t>beats per bar</a:t>
+              </a:r>
+            </a:p>
+          </p:txBody>
+        </p:sp>
+        <p:cxnSp>
+          <p:nvCxnSpPr>
+            <p:cNvPr id="37" name="Straight Connector 36">
+              <a:extLst>
+                <a:ext uri="{FF2B5EF4-FFF2-40B4-BE49-F238E27FC236}">
+                  <a16:creationId xmlns:a16="http://schemas.microsoft.com/office/drawing/2014/main" id="{F3CAF13A-8FAD-2149-BB3D-764EE6500383}"/>
+                </a:ext>
+              </a:extLst>
+            </p:cNvPr>
+            <p:cNvCxnSpPr>
+              <a:cxnSpLocks/>
+              <a:stCxn id="36" idx="1"/>
+            </p:cNvCxnSpPr>
+            <p:nvPr/>
+          </p:nvCxnSpPr>
+          <p:spPr>
+            <a:xfrm flipH="1">
+              <a:off x="3473629" y="6645822"/>
+              <a:ext cx="1523272" cy="89830"/>
+            </a:xfrm>
+            <a:prstGeom prst="line">
+              <a:avLst/>
+            </a:prstGeom>
+            <a:ln w="57150">
+              <a:solidFill>
+                <a:srgbClr val="FF0000"/>
+              </a:solidFill>
+            </a:ln>
+          </p:spPr>
+          <p:style>
+            <a:lnRef idx="1">
+              <a:schemeClr val="accent1"/>
+            </a:lnRef>
+            <a:fillRef idx="0">
+              <a:schemeClr val="accent1"/>
+            </a:fillRef>
+            <a:effectRef idx="0">
+              <a:schemeClr val="accent1"/>
+            </a:effectRef>
+            <a:fontRef idx="minor">
+              <a:schemeClr val="tx1"/>
+            </a:fontRef>
+          </p:style>
+        </p:cxnSp>
+      </p:grpSp>
+      <p:grpSp>
+        <p:nvGrpSpPr>
+          <p:cNvPr id="44" name="Group 43">
+            <a:extLst>
+              <a:ext uri="{FF2B5EF4-FFF2-40B4-BE49-F238E27FC236}">
+                <a16:creationId xmlns:a16="http://schemas.microsoft.com/office/drawing/2014/main" id="{31DE03FC-B862-C14D-9693-F2BD36B871CD}"/>
+              </a:ext>
+            </a:extLst>
+          </p:cNvPr>
+          <p:cNvGrpSpPr/>
+          <p:nvPr/>
+        </p:nvGrpSpPr>
+        <p:grpSpPr>
+          <a:xfrm>
+            <a:off x="7062463" y="3940118"/>
+            <a:ext cx="2981922" cy="518804"/>
+            <a:chOff x="3473629" y="6311684"/>
+            <a:chExt cx="2981922" cy="518804"/>
+          </a:xfrm>
+        </p:grpSpPr>
+        <p:sp>
+          <p:nvSpPr>
+            <p:cNvPr id="45" name="TextBox 44">
+              <a:extLst>
+                <a:ext uri="{FF2B5EF4-FFF2-40B4-BE49-F238E27FC236}">
+                  <a16:creationId xmlns:a16="http://schemas.microsoft.com/office/drawing/2014/main" id="{D854DBD3-9F07-C146-BBE6-C56669759E04}"/>
+                </a:ext>
+              </a:extLst>
+            </p:cNvPr>
+            <p:cNvSpPr txBox="1"/>
+            <p:nvPr/>
+          </p:nvSpPr>
+          <p:spPr>
+            <a:xfrm>
+              <a:off x="4996901" y="6461156"/>
+              <a:ext cx="1458650" cy="369332"/>
+            </a:xfrm>
+            <a:prstGeom prst="rect">
+              <a:avLst/>
+            </a:prstGeom>
+            <a:solidFill>
+              <a:schemeClr val="accent1"/>
+            </a:solidFill>
+          </p:spPr>
+          <p:txBody>
+            <a:bodyPr wrap="square" rtlCol="0">
+              <a:spAutoFit/>
+            </a:bodyPr>
+            <a:lstStyle/>
+            <a:p>
+              <a:pPr algn="ctr"/>
+              <a:r>
+                <a:rPr lang="en-GB" dirty="0"/>
+                <a:t>current beat</a:t>
+              </a:r>
+            </a:p>
+          </p:txBody>
+        </p:sp>
+        <p:cxnSp>
+          <p:nvCxnSpPr>
+            <p:cNvPr id="46" name="Straight Connector 45">
+              <a:extLst>
+                <a:ext uri="{FF2B5EF4-FFF2-40B4-BE49-F238E27FC236}">
+                  <a16:creationId xmlns:a16="http://schemas.microsoft.com/office/drawing/2014/main" id="{072F67DF-4C8A-124A-95D9-DBF957A927D9}"/>
+                </a:ext>
+              </a:extLst>
+            </p:cNvPr>
+            <p:cNvCxnSpPr>
+              <a:cxnSpLocks/>
+              <a:stCxn id="45" idx="1"/>
+            </p:cNvCxnSpPr>
+            <p:nvPr/>
+          </p:nvCxnSpPr>
+          <p:spPr>
+            <a:xfrm flipH="1" flipV="1">
+              <a:off x="3473629" y="6311684"/>
+              <a:ext cx="1523272" cy="334138"/>
+            </a:xfrm>
+            <a:prstGeom prst="line">
+              <a:avLst/>
+            </a:prstGeom>
+            <a:ln w="57150">
+              <a:solidFill>
+                <a:srgbClr val="FF0000"/>
+              </a:solidFill>
+            </a:ln>
+          </p:spPr>
+          <p:style>
+            <a:lnRef idx="1">
+              <a:schemeClr val="accent1"/>
+            </a:lnRef>
+            <a:fillRef idx="0">
+              <a:schemeClr val="accent1"/>
+            </a:fillRef>
+            <a:effectRef idx="0">
+              <a:schemeClr val="accent1"/>
+            </a:effectRef>
+            <a:fontRef idx="minor">
+              <a:schemeClr val="tx1"/>
+            </a:fontRef>
+          </p:style>
+        </p:cxnSp>
+      </p:grpSp>
+      <p:grpSp>
+        <p:nvGrpSpPr>
+          <p:cNvPr id="49" name="Group 48">
+            <a:extLst>
+              <a:ext uri="{FF2B5EF4-FFF2-40B4-BE49-F238E27FC236}">
+                <a16:creationId xmlns:a16="http://schemas.microsoft.com/office/drawing/2014/main" id="{E62D2FBE-0F91-2C42-B892-1B76201E8F53}"/>
+              </a:ext>
+            </a:extLst>
+          </p:cNvPr>
+          <p:cNvGrpSpPr/>
+          <p:nvPr/>
+        </p:nvGrpSpPr>
+        <p:grpSpPr>
+          <a:xfrm>
+            <a:off x="6402125" y="2497302"/>
+            <a:ext cx="3642260" cy="1066118"/>
+            <a:chOff x="2713279" y="5857362"/>
+            <a:chExt cx="3642260" cy="1066118"/>
+          </a:xfrm>
+        </p:grpSpPr>
+        <p:sp>
+          <p:nvSpPr>
+            <p:cNvPr id="50" name="TextBox 49">
+              <a:extLst>
+                <a:ext uri="{FF2B5EF4-FFF2-40B4-BE49-F238E27FC236}">
+                  <a16:creationId xmlns:a16="http://schemas.microsoft.com/office/drawing/2014/main" id="{D66C2D07-D4EC-E445-AD70-5931CD3A90E1}"/>
+                </a:ext>
+              </a:extLst>
+            </p:cNvPr>
+            <p:cNvSpPr txBox="1"/>
+            <p:nvPr/>
+          </p:nvSpPr>
+          <p:spPr>
+            <a:xfrm>
+              <a:off x="4896889" y="5857362"/>
+              <a:ext cx="1458650" cy="369332"/>
+            </a:xfrm>
+            <a:prstGeom prst="rect">
+              <a:avLst/>
+            </a:prstGeom>
+            <a:solidFill>
+              <a:schemeClr val="accent1"/>
+            </a:solidFill>
+          </p:spPr>
+          <p:txBody>
+            <a:bodyPr wrap="square" rtlCol="0">
+              <a:spAutoFit/>
+            </a:bodyPr>
+            <a:lstStyle/>
+            <a:p>
+              <a:pPr algn="ctr"/>
+              <a:r>
+                <a:rPr lang="en-GB" dirty="0"/>
+                <a:t>mode</a:t>
+              </a:r>
+            </a:p>
+          </p:txBody>
+        </p:sp>
+        <p:cxnSp>
+          <p:nvCxnSpPr>
+            <p:cNvPr id="51" name="Straight Connector 50">
+              <a:extLst>
+                <a:ext uri="{FF2B5EF4-FFF2-40B4-BE49-F238E27FC236}">
+                  <a16:creationId xmlns:a16="http://schemas.microsoft.com/office/drawing/2014/main" id="{5D344A90-AD2C-7649-B9BB-FC00B3848005}"/>
+                </a:ext>
+              </a:extLst>
+            </p:cNvPr>
+            <p:cNvCxnSpPr>
+              <a:cxnSpLocks/>
+              <a:stCxn id="50" idx="1"/>
+            </p:cNvCxnSpPr>
+            <p:nvPr/>
+          </p:nvCxnSpPr>
+          <p:spPr>
+            <a:xfrm flipH="1">
+              <a:off x="2713279" y="6042028"/>
+              <a:ext cx="2183610" cy="881452"/>
+            </a:xfrm>
+            <a:prstGeom prst="line">
+              <a:avLst/>
+            </a:prstGeom>
+            <a:ln w="57150">
+              <a:solidFill>
+                <a:srgbClr val="FF0000"/>
+              </a:solidFill>
+            </a:ln>
+          </p:spPr>
+          <p:style>
+            <a:lnRef idx="1">
+              <a:schemeClr val="accent1"/>
+            </a:lnRef>
+            <a:fillRef idx="0">
+              <a:schemeClr val="accent1"/>
+            </a:fillRef>
+            <a:effectRef idx="0">
+              <a:schemeClr val="accent1"/>
+            </a:effectRef>
+            <a:fontRef idx="minor">
+              <a:schemeClr val="tx1"/>
+            </a:fontRef>
+          </p:style>
+        </p:cxnSp>
+      </p:grpSp>
+    </p:spTree>
+    <p:extLst>
+      <p:ext uri="{BB962C8B-B14F-4D97-AF65-F5344CB8AC3E}">
+        <p14:creationId xmlns:p14="http://schemas.microsoft.com/office/powerpoint/2010/main" val="3573475447"/>
+      </p:ext>
+    </p:extLst>
+  </p:cSld>
+  <p:clrMapOvr>
+    <a:masterClrMapping/>
+  </p:clrMapOvr>
+  <p:timing>
+    <p:tnLst>
+      <p:par>
+        <p:cTn id="1" dur="indefinite" restart="never" nodeType="tmRoot">
+          <p:childTnLst>
+            <p:seq concurrent="1" nextAc="seek">
+              <p:cTn id="2" dur="indefinite" nodeType="mainSeq">
+                <p:childTnLst>
+                  <p:par>
+                    <p:cTn id="3" fill="hold">
+                      <p:stCondLst>
+                        <p:cond delay="indefinite"/>
+                      </p:stCondLst>
+                      <p:childTnLst>
+                        <p:par>
+                          <p:cTn id="4" fill="hold">
+                            <p:stCondLst>
+                              <p:cond delay="0"/>
+                            </p:stCondLst>
+                            <p:childTnLst>
+                              <p:par>
+                                <p:cTn id="5" presetID="1" presetClass="entr" presetSubtype="0" fill="hold" nodeType="clickEffect">
+                                  <p:stCondLst>
+                                    <p:cond delay="0"/>
+                                  </p:stCondLst>
+                                  <p:childTnLst>
+                                    <p:set>
+                                      <p:cBhvr>
+                                        <p:cTn id="6" dur="1" fill="hold">
+                                          <p:stCondLst>
+                                            <p:cond delay="0"/>
+                                          </p:stCondLst>
+                                        </p:cTn>
+                                        <p:tgtEl>
+                                          <p:spTgt spid="20"/>
+                                        </p:tgtEl>
+                                        <p:attrNameLst>
+                                          <p:attrName>style.visibility</p:attrName>
+                                        </p:attrNameLst>
+                                      </p:cBhvr>
+                                      <p:to>
+                                        <p:strVal val="visible"/>
+                                      </p:to>
+                                    </p:set>
+                                  </p:childTnLst>
+                                </p:cTn>
+                              </p:par>
+                            </p:childTnLst>
+                          </p:cTn>
+                        </p:par>
+                      </p:childTnLst>
+                    </p:cTn>
+                  </p:par>
+                  <p:par>
+                    <p:cTn id="7" fill="hold">
+                      <p:stCondLst>
+                        <p:cond delay="indefinite"/>
+                      </p:stCondLst>
+                      <p:childTnLst>
+                        <p:par>
+                          <p:cTn id="8" fill="hold">
+                            <p:stCondLst>
+                              <p:cond delay="0"/>
+                            </p:stCondLst>
+                            <p:childTnLst>
+                              <p:par>
+                                <p:cTn id="9" presetID="1" presetClass="entr" presetSubtype="0" fill="hold" nodeType="clickEffect">
+                                  <p:stCondLst>
+                                    <p:cond delay="0"/>
+                                  </p:stCondLst>
+                                  <p:childTnLst>
+                                    <p:set>
+                                      <p:cBhvr>
+                                        <p:cTn id="10" dur="1" fill="hold">
+                                          <p:stCondLst>
+                                            <p:cond delay="0"/>
+                                          </p:stCondLst>
+                                        </p:cTn>
+                                        <p:tgtEl>
+                                          <p:spTgt spid="23"/>
+                                        </p:tgtEl>
+                                        <p:attrNameLst>
+                                          <p:attrName>style.visibility</p:attrName>
+                                        </p:attrNameLst>
+                                      </p:cBhvr>
+                                      <p:to>
+                                        <p:strVal val="visible"/>
+                                      </p:to>
+                                    </p:set>
+                                  </p:childTnLst>
+                                </p:cTn>
+                              </p:par>
+                            </p:childTnLst>
+                          </p:cTn>
+                        </p:par>
+                      </p:childTnLst>
+                    </p:cTn>
+                  </p:par>
+                  <p:par>
+                    <p:cTn id="11" fill="hold">
+                      <p:stCondLst>
+                        <p:cond delay="indefinite"/>
+                      </p:stCondLst>
+                      <p:childTnLst>
+                        <p:par>
+                          <p:cTn id="12" fill="hold">
+                            <p:stCondLst>
+                              <p:cond delay="0"/>
+                            </p:stCondLst>
+                            <p:childTnLst>
+                              <p:par>
+                                <p:cTn id="13" presetID="1" presetClass="entr" presetSubtype="0" fill="hold" nodeType="clickEffect">
+                                  <p:stCondLst>
+                                    <p:cond delay="0"/>
+                                  </p:stCondLst>
+                                  <p:childTnLst>
+                                    <p:set>
+                                      <p:cBhvr>
+                                        <p:cTn id="14" dur="1" fill="hold">
+                                          <p:stCondLst>
+                                            <p:cond delay="0"/>
+                                          </p:stCondLst>
+                                        </p:cTn>
+                                        <p:tgtEl>
+                                          <p:spTgt spid="17"/>
+                                        </p:tgtEl>
+                                        <p:attrNameLst>
+                                          <p:attrName>style.visibility</p:attrName>
+                                        </p:attrNameLst>
+                                      </p:cBhvr>
+                                      <p:to>
+                                        <p:strVal val="visible"/>
+                                      </p:to>
+                                    </p:set>
+                                  </p:childTnLst>
+                                </p:cTn>
+                              </p:par>
+                            </p:childTnLst>
+                          </p:cTn>
+                        </p:par>
+                      </p:childTnLst>
+                    </p:cTn>
+                  </p:par>
+                  <p:par>
+                    <p:cTn id="15" fill="hold">
+                      <p:stCondLst>
+                        <p:cond delay="indefinite"/>
+                      </p:stCondLst>
+                      <p:childTnLst>
+                        <p:par>
+                          <p:cTn id="16" fill="hold">
+                            <p:stCondLst>
+                              <p:cond delay="0"/>
+                            </p:stCondLst>
+                            <p:childTnLst>
+                              <p:par>
+                                <p:cTn id="17" presetID="1" presetClass="entr" presetSubtype="0" fill="hold" nodeType="clickEffect">
+                                  <p:stCondLst>
+                                    <p:cond delay="0"/>
+                                  </p:stCondLst>
+                                  <p:childTnLst>
+                                    <p:set>
+                                      <p:cBhvr>
+                                        <p:cTn id="18" dur="1" fill="hold">
+                                          <p:stCondLst>
+                                            <p:cond delay="0"/>
+                                          </p:stCondLst>
+                                        </p:cTn>
+                                        <p:tgtEl>
+                                          <p:spTgt spid="31"/>
+                                        </p:tgtEl>
+                                        <p:attrNameLst>
+                                          <p:attrName>style.visibility</p:attrName>
+                                        </p:attrNameLst>
+                                      </p:cBhvr>
+                                      <p:to>
+                                        <p:strVal val="visible"/>
+                                      </p:to>
+                                    </p:set>
+                                  </p:childTnLst>
+                                </p:cTn>
+                              </p:par>
+                            </p:childTnLst>
+                          </p:cTn>
+                        </p:par>
+                      </p:childTnLst>
+                    </p:cTn>
+                  </p:par>
+                  <p:par>
+                    <p:cTn id="19" fill="hold">
+                      <p:stCondLst>
+                        <p:cond delay="indefinite"/>
+                      </p:stCondLst>
+                      <p:childTnLst>
+                        <p:par>
+                          <p:cTn id="20" fill="hold">
+                            <p:stCondLst>
+                              <p:cond delay="0"/>
+                            </p:stCondLst>
+                            <p:childTnLst>
+                              <p:par>
+                                <p:cTn id="21" presetID="1" presetClass="entr" presetSubtype="0" fill="hold" nodeType="clickEffect">
+                                  <p:stCondLst>
+                                    <p:cond delay="0"/>
+                                  </p:stCondLst>
+                                  <p:childTnLst>
+                                    <p:set>
+                                      <p:cBhvr>
+                                        <p:cTn id="22" dur="1" fill="hold">
+                                          <p:stCondLst>
+                                            <p:cond delay="0"/>
+                                          </p:stCondLst>
+                                        </p:cTn>
+                                        <p:tgtEl>
+                                          <p:spTgt spid="12"/>
+                                        </p:tgtEl>
+                                        <p:attrNameLst>
+                                          <p:attrName>style.visibility</p:attrName>
+                                        </p:attrNameLst>
+                                      </p:cBhvr>
+                                      <p:to>
+                                        <p:strVal val="visible"/>
+                                      </p:to>
+                                    </p:set>
+                                  </p:childTnLst>
+                                </p:cTn>
+                              </p:par>
+                            </p:childTnLst>
+                          </p:cTn>
+                        </p:par>
+                      </p:childTnLst>
+                    </p:cTn>
+                  </p:par>
+                  <p:par>
+                    <p:cTn id="23" fill="hold">
+                      <p:stCondLst>
+                        <p:cond delay="indefinite"/>
+                      </p:stCondLst>
+                      <p:childTnLst>
+                        <p:par>
+                          <p:cTn id="24" fill="hold">
+                            <p:stCondLst>
+                              <p:cond delay="0"/>
+                            </p:stCondLst>
+                            <p:childTnLst>
+                              <p:par>
+                                <p:cTn id="25" presetID="1" presetClass="entr" presetSubtype="0" fill="hold" nodeType="clickEffect">
+                                  <p:stCondLst>
+                                    <p:cond delay="0"/>
+                                  </p:stCondLst>
+                                  <p:childTnLst>
+                                    <p:set>
+                                      <p:cBhvr>
+                                        <p:cTn id="26" dur="1" fill="hold">
+                                          <p:stCondLst>
+                                            <p:cond delay="0"/>
+                                          </p:stCondLst>
+                                        </p:cTn>
+                                        <p:tgtEl>
+                                          <p:spTgt spid="28"/>
+                                        </p:tgtEl>
+                                        <p:attrNameLst>
+                                          <p:attrName>style.visibility</p:attrName>
+                                        </p:attrNameLst>
+                                      </p:cBhvr>
+                                      <p:to>
+                                        <p:strVal val="visible"/>
+                                      </p:to>
+                                    </p:set>
+                                  </p:childTnLst>
+                                </p:cTn>
+                              </p:par>
+                            </p:childTnLst>
+                          </p:cTn>
+                        </p:par>
+                      </p:childTnLst>
+                    </p:cTn>
+                  </p:par>
+                  <p:par>
+                    <p:cTn id="27" fill="hold">
+                      <p:stCondLst>
+                        <p:cond delay="indefinite"/>
+                      </p:stCondLst>
+                      <p:childTnLst>
+                        <p:par>
+                          <p:cTn id="28" fill="hold">
+                            <p:stCondLst>
+                              <p:cond delay="0"/>
+                            </p:stCondLst>
+                            <p:childTnLst>
+                              <p:par>
+                                <p:cTn id="29" presetID="1" presetClass="entr" presetSubtype="0" fill="hold" nodeType="clickEffect">
+                                  <p:stCondLst>
+                                    <p:cond delay="0"/>
+                                  </p:stCondLst>
+                                  <p:childTnLst>
+                                    <p:set>
+                                      <p:cBhvr>
+                                        <p:cTn id="30" dur="1" fill="hold">
+                                          <p:stCondLst>
+                                            <p:cond delay="0"/>
+                                          </p:stCondLst>
+                                        </p:cTn>
+                                        <p:tgtEl>
+                                          <p:spTgt spid="44"/>
+                                        </p:tgtEl>
+                                        <p:attrNameLst>
+                                          <p:attrName>style.visibility</p:attrName>
+                                        </p:attrNameLst>
+                                      </p:cBhvr>
+                                      <p:to>
+                                        <p:strVal val="visible"/>
+                                      </p:to>
+                                    </p:set>
+                                  </p:childTnLst>
+                                </p:cTn>
+                              </p:par>
+                            </p:childTnLst>
+                          </p:cTn>
+                        </p:par>
+                      </p:childTnLst>
+                    </p:cTn>
+                  </p:par>
+                  <p:par>
+                    <p:cTn id="31" fill="hold">
+                      <p:stCondLst>
+                        <p:cond delay="indefinite"/>
+                      </p:stCondLst>
+                      <p:childTnLst>
+                        <p:par>
+                          <p:cTn id="32" fill="hold">
+                            <p:stCondLst>
+                              <p:cond delay="0"/>
+                            </p:stCondLst>
+                            <p:childTnLst>
+                              <p:par>
+                                <p:cTn id="33" presetID="1" presetClass="entr" presetSubtype="0" fill="hold" nodeType="clickEffect">
+                                  <p:stCondLst>
+                                    <p:cond delay="0"/>
+                                  </p:stCondLst>
+                                  <p:childTnLst>
+                                    <p:set>
+                                      <p:cBhvr>
+                                        <p:cTn id="34" dur="1" fill="hold">
+                                          <p:stCondLst>
+                                            <p:cond delay="0"/>
+                                          </p:stCondLst>
+                                        </p:cTn>
+                                        <p:tgtEl>
+                                          <p:spTgt spid="35"/>
+                                        </p:tgtEl>
+                                        <p:attrNameLst>
+                                          <p:attrName>style.visibility</p:attrName>
+                                        </p:attrNameLst>
+                                      </p:cBhvr>
+                                      <p:to>
+                                        <p:strVal val="visible"/>
+                                      </p:to>
+                                    </p:set>
+                                  </p:childTnLst>
+                                </p:cTn>
+                              </p:par>
+                            </p:childTnLst>
+                          </p:cTn>
+                        </p:par>
+                      </p:childTnLst>
+                    </p:cTn>
+                  </p:par>
+                  <p:par>
+                    <p:cTn id="35" fill="hold">
+                      <p:stCondLst>
+                        <p:cond delay="indefinite"/>
+                      </p:stCondLst>
+                      <p:childTnLst>
+                        <p:par>
+                          <p:cTn id="36" fill="hold">
+                            <p:stCondLst>
+                              <p:cond delay="0"/>
+                            </p:stCondLst>
+                            <p:childTnLst>
+                              <p:par>
+                                <p:cTn id="37" presetID="1" presetClass="entr" presetSubtype="0" fill="hold" nodeType="clickEffect">
+                                  <p:stCondLst>
+                                    <p:cond delay="0"/>
+                                  </p:stCondLst>
+                                  <p:childTnLst>
+                                    <p:set>
+                                      <p:cBhvr>
+                                        <p:cTn id="38" dur="1" fill="hold">
+                                          <p:stCondLst>
+                                            <p:cond delay="0"/>
+                                          </p:stCondLst>
+                                        </p:cTn>
+                                        <p:tgtEl>
+                                          <p:spTgt spid="49"/>
+                                        </p:tgtEl>
+                                        <p:attrNameLst>
+                                          <p:attrName>style.visibility</p:attrName>
+                                        </p:attrNameLst>
+                                      </p:cBhvr>
+                                      <p:to>
+                                        <p:strVal val="visible"/>
+                                      </p:to>
+                                    </p:set>
+                                  </p:childTnLst>
+                                </p:cTn>
+                              </p:par>
+                            </p:childTnLst>
+                          </p:cTn>
+                        </p:par>
+                      </p:childTnLst>
+                    </p:cTn>
+                  </p:par>
+                </p:childTnLst>
+              </p:cTn>
+              <p:prevCondLst>
+                <p:cond evt="onPrev" delay="0">
+                  <p:tgtEl>
+                    <p:sldTgt/>
+                  </p:tgtEl>
+                </p:cond>
+              </p:prevCondLst>
+              <p:nextCondLst>
+                <p:cond evt="onNext" delay="0">
+                  <p:tgtEl>
+                    <p:sldTgt/>
+                  </p:tgtEl>
+                </p:cond>
+              </p:nextCondLst>
+            </p:seq>
+          </p:childTnLst>
+        </p:cTn>
+      </p:par>
+    </p:tnLst>
+  </p:timing>
+</p:sld>
+</file>
+
+<file path=ppt/slides/slide4.xml><?xml version="1.0" encoding="utf-8"?>
+<p:sld xmlns:a="http://schemas.openxmlformats.org/drawingml/2006/main" xmlns:r="http://schemas.openxmlformats.org/officeDocument/2006/relationships" xmlns:p="http://schemas.openxmlformats.org/presentationml/2006/main">
+  <p:cSld>
+    <p:spTree>
+      <p:nvGrpSpPr>
+        <p:cNvPr id="1" name=""/>
+        <p:cNvGrpSpPr/>
+        <p:nvPr/>
+      </p:nvGrpSpPr>
+      <p:grpSpPr>
+        <a:xfrm>
+          <a:off x="0" y="0"/>
+          <a:ext cx="0" cy="0"/>
+          <a:chOff x="0" y="0"/>
+          <a:chExt cx="0" cy="0"/>
+        </a:xfrm>
+      </p:grpSpPr>
+      <p:sp>
+        <p:nvSpPr>
+          <p:cNvPr id="2" name="Title 1">
+            <a:extLst>
+              <a:ext uri="{FF2B5EF4-FFF2-40B4-BE49-F238E27FC236}">
+                <a16:creationId xmlns:a16="http://schemas.microsoft.com/office/drawing/2014/main" id="{A27B9692-9466-1E45-924D-268A2C4E5BB8}"/>
+              </a:ext>
+            </a:extLst>
+          </p:cNvPr>
+          <p:cNvSpPr>
+            <a:spLocks noGrp="1"/>
+          </p:cNvSpPr>
+          <p:nvPr>
+            <p:ph type="title"/>
+          </p:nvPr>
+        </p:nvSpPr>
+        <p:spPr/>
+        <p:txBody>
+          <a:bodyPr/>
+          <a:lstStyle/>
+          <a:p>
+            <a:r>
+              <a:rPr lang="en-GB" dirty="0"/>
+              <a:t>inputs</a:t>
             </a:r>
           </a:p>
         </p:txBody>
@@ -3676,7 +6733,682 @@
           <p:cNvPr id="3" name="Content Placeholder 2">
             <a:extLst>
               <a:ext uri="{FF2B5EF4-FFF2-40B4-BE49-F238E27FC236}">
-                <a16:creationId xmlns:a16="http://schemas.microsoft.com/office/drawing/2014/main" id="{B4AC4D33-852A-B04B-A520-B60453DC9C12}"/>
+                <a16:creationId xmlns:a16="http://schemas.microsoft.com/office/drawing/2014/main" id="{13683A51-0ADB-CD4B-B046-5CB14D206304}"/>
+              </a:ext>
+            </a:extLst>
+          </p:cNvPr>
+          <p:cNvSpPr>
+            <a:spLocks noGrp="1"/>
+          </p:cNvSpPr>
+          <p:nvPr>
+            <p:ph idx="1"/>
+          </p:nvPr>
+        </p:nvSpPr>
+        <p:spPr/>
+        <p:txBody>
+          <a:bodyPr/>
+          <a:lstStyle/>
+          <a:p>
+            <a:pPr>
+              <a:lnSpc>
+                <a:spcPct val="200000"/>
+              </a:lnSpc>
+            </a:pPr>
+            <a:r>
+              <a:rPr lang="en-GB" dirty="0"/>
+              <a:t>digital buttons		</a:t>
+            </a:r>
+            <a:r>
+              <a:rPr lang="en-GB" dirty="0">
+                <a:sym typeface="Wingdings" pitchFamily="2" charset="2"/>
+              </a:rPr>
+              <a:t> 	EXTI</a:t>
+            </a:r>
+            <a:br>
+              <a:rPr lang="en-GB" dirty="0">
+                <a:sym typeface="Wingdings" pitchFamily="2" charset="2"/>
+              </a:rPr>
+            </a:br>
+            <a:br>
+              <a:rPr lang="en-GB" dirty="0">
+                <a:sym typeface="Wingdings" pitchFamily="2" charset="2"/>
+              </a:rPr>
+            </a:br>
+            <a:endParaRPr lang="en-GB" dirty="0">
+              <a:sym typeface="Wingdings" pitchFamily="2" charset="2"/>
+            </a:endParaRPr>
+          </a:p>
+          <a:p>
+            <a:pPr>
+              <a:lnSpc>
+                <a:spcPct val="200000"/>
+              </a:lnSpc>
+            </a:pPr>
+            <a:r>
+              <a:rPr lang="en-GB" dirty="0">
+                <a:sym typeface="Wingdings" pitchFamily="2" charset="2"/>
+              </a:rPr>
+              <a:t>potentiometers 		 	ADC</a:t>
+            </a:r>
+            <a:endParaRPr lang="en-GB" dirty="0"/>
+          </a:p>
+        </p:txBody>
+      </p:sp>
+      <p:sp>
+        <p:nvSpPr>
+          <p:cNvPr id="4" name="TextBox 3">
+            <a:extLst>
+              <a:ext uri="{FF2B5EF4-FFF2-40B4-BE49-F238E27FC236}">
+                <a16:creationId xmlns:a16="http://schemas.microsoft.com/office/drawing/2014/main" id="{6F2A98B0-9F5C-2942-A9E0-27418AF32780}"/>
+              </a:ext>
+            </a:extLst>
+          </p:cNvPr>
+          <p:cNvSpPr txBox="1"/>
+          <p:nvPr/>
+        </p:nvSpPr>
+        <p:spPr>
+          <a:xfrm>
+            <a:off x="1083733" y="3031067"/>
+            <a:ext cx="9431867" cy="1143070"/>
+          </a:xfrm>
+          <a:prstGeom prst="rect">
+            <a:avLst/>
+          </a:prstGeom>
+          <a:solidFill>
+            <a:srgbClr val="0070C0"/>
+          </a:solidFill>
+          <a:ln w="19050">
+            <a:solidFill>
+              <a:schemeClr val="tx1"/>
+            </a:solidFill>
+          </a:ln>
+        </p:spPr>
+        <p:txBody>
+          <a:bodyPr wrap="square" rtlCol="0">
+            <a:spAutoFit/>
+          </a:bodyPr>
+          <a:lstStyle/>
+          <a:p>
+            <a:pPr algn="ctr">
+              <a:lnSpc>
+                <a:spcPct val="150000"/>
+              </a:lnSpc>
+            </a:pPr>
+            <a:r>
+              <a:rPr lang="en-GB" sz="2400" dirty="0"/>
+              <a:t>Button press triggers </a:t>
+            </a:r>
+            <a:r>
+              <a:rPr lang="en-GB" sz="2400" b="1" dirty="0"/>
+              <a:t>FLAG</a:t>
+            </a:r>
+            <a:r>
+              <a:rPr lang="en-GB" sz="2400" dirty="0"/>
+              <a:t> for button. </a:t>
+            </a:r>
+            <a:br>
+              <a:rPr lang="en-GB" sz="2400" dirty="0"/>
+            </a:br>
+            <a:r>
+              <a:rPr lang="en-GB" sz="2400" dirty="0"/>
+              <a:t>While loop triggers action, if a certain </a:t>
+            </a:r>
+            <a:r>
+              <a:rPr lang="en-GB" sz="2400" b="1" dirty="0"/>
+              <a:t>FLAG</a:t>
+            </a:r>
+            <a:r>
+              <a:rPr lang="en-GB" sz="2400" dirty="0"/>
+              <a:t> is set. </a:t>
+            </a:r>
+          </a:p>
+        </p:txBody>
+      </p:sp>
+    </p:spTree>
+    <p:extLst>
+      <p:ext uri="{BB962C8B-B14F-4D97-AF65-F5344CB8AC3E}">
+        <p14:creationId xmlns:p14="http://schemas.microsoft.com/office/powerpoint/2010/main" val="1074975041"/>
+      </p:ext>
+    </p:extLst>
+  </p:cSld>
+  <p:clrMapOvr>
+    <a:masterClrMapping/>
+  </p:clrMapOvr>
+  <p:timing>
+    <p:tnLst>
+      <p:par>
+        <p:cTn id="1" dur="indefinite" restart="never" nodeType="tmRoot">
+          <p:childTnLst>
+            <p:seq concurrent="1" nextAc="seek">
+              <p:cTn id="2" dur="indefinite" nodeType="mainSeq">
+                <p:childTnLst>
+                  <p:par>
+                    <p:cTn id="3" fill="hold">
+                      <p:stCondLst>
+                        <p:cond delay="indefinite"/>
+                      </p:stCondLst>
+                      <p:childTnLst>
+                        <p:par>
+                          <p:cTn id="4" fill="hold">
+                            <p:stCondLst>
+                              <p:cond delay="0"/>
+                            </p:stCondLst>
+                            <p:childTnLst>
+                              <p:par>
+                                <p:cTn id="5" presetID="1" presetClass="entr" presetSubtype="0" fill="hold" nodeType="clickEffect">
+                                  <p:stCondLst>
+                                    <p:cond delay="0"/>
+                                  </p:stCondLst>
+                                  <p:childTnLst>
+                                    <p:set>
+                                      <p:cBhvr>
+                                        <p:cTn id="6" dur="1" fill="hold">
+                                          <p:stCondLst>
+                                            <p:cond delay="0"/>
+                                          </p:stCondLst>
+                                        </p:cTn>
+                                        <p:tgtEl>
+                                          <p:spTgt spid="3">
+                                            <p:txEl>
+                                              <p:pRg st="0" end="0"/>
+                                            </p:txEl>
+                                          </p:spTgt>
+                                        </p:tgtEl>
+                                        <p:attrNameLst>
+                                          <p:attrName>style.visibility</p:attrName>
+                                        </p:attrNameLst>
+                                      </p:cBhvr>
+                                      <p:to>
+                                        <p:strVal val="visible"/>
+                                      </p:to>
+                                    </p:set>
+                                  </p:childTnLst>
+                                </p:cTn>
+                              </p:par>
+                            </p:childTnLst>
+                          </p:cTn>
+                        </p:par>
+                      </p:childTnLst>
+                    </p:cTn>
+                  </p:par>
+                  <p:par>
+                    <p:cTn id="7" fill="hold">
+                      <p:stCondLst>
+                        <p:cond delay="indefinite"/>
+                      </p:stCondLst>
+                      <p:childTnLst>
+                        <p:par>
+                          <p:cTn id="8" fill="hold">
+                            <p:stCondLst>
+                              <p:cond delay="0"/>
+                            </p:stCondLst>
+                            <p:childTnLst>
+                              <p:par>
+                                <p:cTn id="9" presetID="1" presetClass="entr" presetSubtype="0" fill="hold" grpId="0" nodeType="clickEffect">
+                                  <p:stCondLst>
+                                    <p:cond delay="0"/>
+                                  </p:stCondLst>
+                                  <p:childTnLst>
+                                    <p:set>
+                                      <p:cBhvr>
+                                        <p:cTn id="10" dur="1" fill="hold">
+                                          <p:stCondLst>
+                                            <p:cond delay="0"/>
+                                          </p:stCondLst>
+                                        </p:cTn>
+                                        <p:tgtEl>
+                                          <p:spTgt spid="4"/>
+                                        </p:tgtEl>
+                                        <p:attrNameLst>
+                                          <p:attrName>style.visibility</p:attrName>
+                                        </p:attrNameLst>
+                                      </p:cBhvr>
+                                      <p:to>
+                                        <p:strVal val="visible"/>
+                                      </p:to>
+                                    </p:set>
+                                  </p:childTnLst>
+                                </p:cTn>
+                              </p:par>
+                            </p:childTnLst>
+                          </p:cTn>
+                        </p:par>
+                      </p:childTnLst>
+                    </p:cTn>
+                  </p:par>
+                  <p:par>
+                    <p:cTn id="11" fill="hold">
+                      <p:stCondLst>
+                        <p:cond delay="indefinite"/>
+                      </p:stCondLst>
+                      <p:childTnLst>
+                        <p:par>
+                          <p:cTn id="12" fill="hold">
+                            <p:stCondLst>
+                              <p:cond delay="0"/>
+                            </p:stCondLst>
+                            <p:childTnLst>
+                              <p:par>
+                                <p:cTn id="13" presetID="1" presetClass="entr" presetSubtype="0" fill="hold" nodeType="clickEffect">
+                                  <p:stCondLst>
+                                    <p:cond delay="0"/>
+                                  </p:stCondLst>
+                                  <p:childTnLst>
+                                    <p:set>
+                                      <p:cBhvr>
+                                        <p:cTn id="14" dur="1" fill="hold">
+                                          <p:stCondLst>
+                                            <p:cond delay="0"/>
+                                          </p:stCondLst>
+                                        </p:cTn>
+                                        <p:tgtEl>
+                                          <p:spTgt spid="3">
+                                            <p:txEl>
+                                              <p:pRg st="1" end="1"/>
+                                            </p:txEl>
+                                          </p:spTgt>
+                                        </p:tgtEl>
+                                        <p:attrNameLst>
+                                          <p:attrName>style.visibility</p:attrName>
+                                        </p:attrNameLst>
+                                      </p:cBhvr>
+                                      <p:to>
+                                        <p:strVal val="visible"/>
+                                      </p:to>
+                                    </p:set>
+                                  </p:childTnLst>
+                                </p:cTn>
+                              </p:par>
+                            </p:childTnLst>
+                          </p:cTn>
+                        </p:par>
+                      </p:childTnLst>
+                    </p:cTn>
+                  </p:par>
+                </p:childTnLst>
+              </p:cTn>
+              <p:prevCondLst>
+                <p:cond evt="onPrev" delay="0">
+                  <p:tgtEl>
+                    <p:sldTgt/>
+                  </p:tgtEl>
+                </p:cond>
+              </p:prevCondLst>
+              <p:nextCondLst>
+                <p:cond evt="onNext" delay="0">
+                  <p:tgtEl>
+                    <p:sldTgt/>
+                  </p:tgtEl>
+                </p:cond>
+              </p:nextCondLst>
+            </p:seq>
+          </p:childTnLst>
+        </p:cTn>
+      </p:par>
+    </p:tnLst>
+    <p:bldLst>
+      <p:bldP spid="4" grpId="0" animBg="1"/>
+    </p:bldLst>
+  </p:timing>
+</p:sld>
+</file>
+
+<file path=ppt/slides/slide5.xml><?xml version="1.0" encoding="utf-8"?>
+<p:sld xmlns:a="http://schemas.openxmlformats.org/drawingml/2006/main" xmlns:r="http://schemas.openxmlformats.org/officeDocument/2006/relationships" xmlns:p="http://schemas.openxmlformats.org/presentationml/2006/main">
+  <p:cSld>
+    <p:spTree>
+      <p:nvGrpSpPr>
+        <p:cNvPr id="1" name=""/>
+        <p:cNvGrpSpPr/>
+        <p:nvPr/>
+      </p:nvGrpSpPr>
+      <p:grpSpPr>
+        <a:xfrm>
+          <a:off x="0" y="0"/>
+          <a:ext cx="0" cy="0"/>
+          <a:chOff x="0" y="0"/>
+          <a:chExt cx="0" cy="0"/>
+        </a:xfrm>
+      </p:grpSpPr>
+      <p:sp>
+        <p:nvSpPr>
+          <p:cNvPr id="2" name="Title 1">
+            <a:extLst>
+              <a:ext uri="{FF2B5EF4-FFF2-40B4-BE49-F238E27FC236}">
+                <a16:creationId xmlns:a16="http://schemas.microsoft.com/office/drawing/2014/main" id="{FB439AC3-CE0B-6847-B1ED-CA1172F644C7}"/>
+              </a:ext>
+            </a:extLst>
+          </p:cNvPr>
+          <p:cNvSpPr>
+            <a:spLocks noGrp="1"/>
+          </p:cNvSpPr>
+          <p:nvPr>
+            <p:ph type="title"/>
+          </p:nvPr>
+        </p:nvSpPr>
+        <p:spPr/>
+        <p:txBody>
+          <a:bodyPr/>
+          <a:lstStyle/>
+          <a:p>
+            <a:r>
+              <a:rPr lang="en-GB" dirty="0"/>
+              <a:t>outputs</a:t>
+            </a:r>
+          </a:p>
+        </p:txBody>
+      </p:sp>
+      <p:sp>
+        <p:nvSpPr>
+          <p:cNvPr id="3" name="Content Placeholder 2">
+            <a:extLst>
+              <a:ext uri="{FF2B5EF4-FFF2-40B4-BE49-F238E27FC236}">
+                <a16:creationId xmlns:a16="http://schemas.microsoft.com/office/drawing/2014/main" id="{7EF0D88F-9689-CC4C-99FD-B8AEDA6A18B5}"/>
+              </a:ext>
+            </a:extLst>
+          </p:cNvPr>
+          <p:cNvSpPr>
+            <a:spLocks noGrp="1"/>
+          </p:cNvSpPr>
+          <p:nvPr>
+            <p:ph idx="1"/>
+          </p:nvPr>
+        </p:nvSpPr>
+        <p:spPr/>
+        <p:txBody>
+          <a:bodyPr/>
+          <a:lstStyle/>
+          <a:p>
+            <a:pPr>
+              <a:lnSpc>
+                <a:spcPct val="200000"/>
+              </a:lnSpc>
+            </a:pPr>
+            <a:r>
+              <a:rPr lang="en-GB" dirty="0"/>
+              <a:t>display 		</a:t>
+            </a:r>
+            <a:r>
+              <a:rPr lang="en-GB" dirty="0">
+                <a:sym typeface="Wingdings" pitchFamily="2" charset="2"/>
+              </a:rPr>
+              <a:t> 	given LCD driver using SPI</a:t>
+            </a:r>
+          </a:p>
+          <a:p>
+            <a:pPr>
+              <a:lnSpc>
+                <a:spcPct val="200000"/>
+              </a:lnSpc>
+            </a:pPr>
+            <a:r>
+              <a:rPr lang="en-GB" dirty="0"/>
+              <a:t>LEDs			</a:t>
+            </a:r>
+            <a:r>
+              <a:rPr lang="en-GB" dirty="0">
+                <a:sym typeface="Wingdings" pitchFamily="2" charset="2"/>
+              </a:rPr>
+              <a:t> 	GPIO</a:t>
+            </a:r>
+          </a:p>
+          <a:p>
+            <a:pPr>
+              <a:lnSpc>
+                <a:spcPct val="200000"/>
+              </a:lnSpc>
+            </a:pPr>
+            <a:r>
+              <a:rPr lang="en-GB" dirty="0">
+                <a:sym typeface="Wingdings" pitchFamily="2" charset="2"/>
+              </a:rPr>
+              <a:t>speaker			PWM signal</a:t>
+            </a:r>
+            <a:endParaRPr lang="en-GB" dirty="0"/>
+          </a:p>
+        </p:txBody>
+      </p:sp>
+    </p:spTree>
+    <p:extLst>
+      <p:ext uri="{BB962C8B-B14F-4D97-AF65-F5344CB8AC3E}">
+        <p14:creationId xmlns:p14="http://schemas.microsoft.com/office/powerpoint/2010/main" val="923821609"/>
+      </p:ext>
+    </p:extLst>
+  </p:cSld>
+  <p:clrMapOvr>
+    <a:masterClrMapping/>
+  </p:clrMapOvr>
+  <p:timing>
+    <p:tnLst>
+      <p:par>
+        <p:cTn id="1" dur="indefinite" restart="never" nodeType="tmRoot">
+          <p:childTnLst>
+            <p:seq concurrent="1" nextAc="seek">
+              <p:cTn id="2" dur="indefinite" nodeType="mainSeq">
+                <p:childTnLst>
+                  <p:par>
+                    <p:cTn id="3" fill="hold">
+                      <p:stCondLst>
+                        <p:cond delay="indefinite"/>
+                      </p:stCondLst>
+                      <p:childTnLst>
+                        <p:par>
+                          <p:cTn id="4" fill="hold">
+                            <p:stCondLst>
+                              <p:cond delay="0"/>
+                            </p:stCondLst>
+                            <p:childTnLst>
+                              <p:par>
+                                <p:cTn id="5" presetID="1" presetClass="entr" presetSubtype="0" fill="hold" nodeType="clickEffect">
+                                  <p:stCondLst>
+                                    <p:cond delay="0"/>
+                                  </p:stCondLst>
+                                  <p:childTnLst>
+                                    <p:set>
+                                      <p:cBhvr>
+                                        <p:cTn id="6" dur="1" fill="hold">
+                                          <p:stCondLst>
+                                            <p:cond delay="0"/>
+                                          </p:stCondLst>
+                                        </p:cTn>
+                                        <p:tgtEl>
+                                          <p:spTgt spid="3">
+                                            <p:txEl>
+                                              <p:pRg st="0" end="0"/>
+                                            </p:txEl>
+                                          </p:spTgt>
+                                        </p:tgtEl>
+                                        <p:attrNameLst>
+                                          <p:attrName>style.visibility</p:attrName>
+                                        </p:attrNameLst>
+                                      </p:cBhvr>
+                                      <p:to>
+                                        <p:strVal val="visible"/>
+                                      </p:to>
+                                    </p:set>
+                                  </p:childTnLst>
+                                </p:cTn>
+                              </p:par>
+                            </p:childTnLst>
+                          </p:cTn>
+                        </p:par>
+                      </p:childTnLst>
+                    </p:cTn>
+                  </p:par>
+                  <p:par>
+                    <p:cTn id="7" fill="hold">
+                      <p:stCondLst>
+                        <p:cond delay="indefinite"/>
+                      </p:stCondLst>
+                      <p:childTnLst>
+                        <p:par>
+                          <p:cTn id="8" fill="hold">
+                            <p:stCondLst>
+                              <p:cond delay="0"/>
+                            </p:stCondLst>
+                            <p:childTnLst>
+                              <p:par>
+                                <p:cTn id="9" presetID="1" presetClass="entr" presetSubtype="0" fill="hold" nodeType="clickEffect">
+                                  <p:stCondLst>
+                                    <p:cond delay="0"/>
+                                  </p:stCondLst>
+                                  <p:childTnLst>
+                                    <p:set>
+                                      <p:cBhvr>
+                                        <p:cTn id="10" dur="1" fill="hold">
+                                          <p:stCondLst>
+                                            <p:cond delay="0"/>
+                                          </p:stCondLst>
+                                        </p:cTn>
+                                        <p:tgtEl>
+                                          <p:spTgt spid="3">
+                                            <p:txEl>
+                                              <p:pRg st="1" end="1"/>
+                                            </p:txEl>
+                                          </p:spTgt>
+                                        </p:tgtEl>
+                                        <p:attrNameLst>
+                                          <p:attrName>style.visibility</p:attrName>
+                                        </p:attrNameLst>
+                                      </p:cBhvr>
+                                      <p:to>
+                                        <p:strVal val="visible"/>
+                                      </p:to>
+                                    </p:set>
+                                  </p:childTnLst>
+                                </p:cTn>
+                              </p:par>
+                            </p:childTnLst>
+                          </p:cTn>
+                        </p:par>
+                      </p:childTnLst>
+                    </p:cTn>
+                  </p:par>
+                  <p:par>
+                    <p:cTn id="11" fill="hold">
+                      <p:stCondLst>
+                        <p:cond delay="indefinite"/>
+                      </p:stCondLst>
+                      <p:childTnLst>
+                        <p:par>
+                          <p:cTn id="12" fill="hold">
+                            <p:stCondLst>
+                              <p:cond delay="0"/>
+                            </p:stCondLst>
+                            <p:childTnLst>
+                              <p:par>
+                                <p:cTn id="13" presetID="1" presetClass="entr" presetSubtype="0" fill="hold" nodeType="clickEffect">
+                                  <p:stCondLst>
+                                    <p:cond delay="0"/>
+                                  </p:stCondLst>
+                                  <p:childTnLst>
+                                    <p:set>
+                                      <p:cBhvr>
+                                        <p:cTn id="14" dur="1" fill="hold">
+                                          <p:stCondLst>
+                                            <p:cond delay="0"/>
+                                          </p:stCondLst>
+                                        </p:cTn>
+                                        <p:tgtEl>
+                                          <p:spTgt spid="3">
+                                            <p:txEl>
+                                              <p:pRg st="2" end="2"/>
+                                            </p:txEl>
+                                          </p:spTgt>
+                                        </p:tgtEl>
+                                        <p:attrNameLst>
+                                          <p:attrName>style.visibility</p:attrName>
+                                        </p:attrNameLst>
+                                      </p:cBhvr>
+                                      <p:to>
+                                        <p:strVal val="visible"/>
+                                      </p:to>
+                                    </p:set>
+                                  </p:childTnLst>
+                                </p:cTn>
+                              </p:par>
+                            </p:childTnLst>
+                          </p:cTn>
+                        </p:par>
+                      </p:childTnLst>
+                    </p:cTn>
+                  </p:par>
+                </p:childTnLst>
+              </p:cTn>
+              <p:prevCondLst>
+                <p:cond evt="onPrev" delay="0">
+                  <p:tgtEl>
+                    <p:sldTgt/>
+                  </p:tgtEl>
+                </p:cond>
+              </p:prevCondLst>
+              <p:nextCondLst>
+                <p:cond evt="onNext" delay="0">
+                  <p:tgtEl>
+                    <p:sldTgt/>
+                  </p:tgtEl>
+                </p:cond>
+              </p:nextCondLst>
+            </p:seq>
+          </p:childTnLst>
+        </p:cTn>
+      </p:par>
+    </p:tnLst>
+  </p:timing>
+</p:sld>
+</file>
+
+<file path=ppt/slides/slide6.xml><?xml version="1.0" encoding="utf-8"?>
+<p:sld xmlns:a="http://schemas.openxmlformats.org/drawingml/2006/main" xmlns:r="http://schemas.openxmlformats.org/officeDocument/2006/relationships" xmlns:p="http://schemas.openxmlformats.org/presentationml/2006/main">
+  <p:cSld>
+    <p:spTree>
+      <p:nvGrpSpPr>
+        <p:cNvPr id="1" name=""/>
+        <p:cNvGrpSpPr/>
+        <p:nvPr/>
+      </p:nvGrpSpPr>
+      <p:grpSpPr>
+        <a:xfrm>
+          <a:off x="0" y="0"/>
+          <a:ext cx="0" cy="0"/>
+          <a:chOff x="0" y="0"/>
+          <a:chExt cx="0" cy="0"/>
+        </a:xfrm>
+      </p:grpSpPr>
+      <p:sp>
+        <p:nvSpPr>
+          <p:cNvPr id="2" name="Title 1">
+            <a:extLst>
+              <a:ext uri="{FF2B5EF4-FFF2-40B4-BE49-F238E27FC236}">
+                <a16:creationId xmlns:a16="http://schemas.microsoft.com/office/drawing/2014/main" id="{AF25A60D-6226-6B4D-A313-6907E46A2F4E}"/>
+              </a:ext>
+            </a:extLst>
+          </p:cNvPr>
+          <p:cNvSpPr>
+            <a:spLocks noGrp="1"/>
+          </p:cNvSpPr>
+          <p:nvPr>
+            <p:ph type="title"/>
+          </p:nvPr>
+        </p:nvSpPr>
+        <p:spPr/>
+        <p:txBody>
+          <a:bodyPr/>
+          <a:lstStyle/>
+          <a:p>
+            <a:r>
+              <a:rPr lang="en-GB" dirty="0"/>
+              <a:t>tasks</a:t>
+            </a:r>
+          </a:p>
+        </p:txBody>
+      </p:sp>
+      <p:sp>
+        <p:nvSpPr>
+          <p:cNvPr id="3" name="Content Placeholder 2">
+            <a:extLst>
+              <a:ext uri="{FF2B5EF4-FFF2-40B4-BE49-F238E27FC236}">
+                <a16:creationId xmlns:a16="http://schemas.microsoft.com/office/drawing/2014/main" id="{AA1BA6DB-F966-BC42-A0C0-D62E5E40E9EE}"/>
               </a:ext>
             </a:extLst>
           </p:cNvPr>
@@ -3690,74 +7422,313 @@
         <p:spPr/>
         <p:txBody>
           <a:bodyPr>
-            <a:normAutofit/>
+            <a:normAutofit fontScale="92500" lnSpcReduction="20000"/>
           </a:bodyPr>
           <a:lstStyle/>
           <a:p>
-            <a:pPr>
+            <a:pPr marL="0" indent="0">
               <a:lnSpc>
-                <a:spcPct val="160000"/>
+                <a:spcPct val="150000"/>
               </a:lnSpc>
+              <a:buNone/>
             </a:pPr>
             <a:r>
-              <a:rPr lang="en-GB" dirty="0"/>
-              <a:t>Display current status</a:t>
-            </a:r>
-          </a:p>
-          <a:p>
-            <a:pPr>
+              <a:rPr lang="de-CH" b="1" dirty="0" err="1"/>
+              <a:t>void</a:t>
+            </a:r>
+            <a:r>
+              <a:rPr lang="de-CH" dirty="0"/>
+              <a:t> </a:t>
+            </a:r>
+            <a:r>
+              <a:rPr lang="de-CH" b="1" dirty="0" err="1"/>
+              <a:t>update_volume</a:t>
+            </a:r>
+            <a:r>
+              <a:rPr lang="de-CH" dirty="0"/>
+              <a:t>();</a:t>
+            </a:r>
+          </a:p>
+          <a:p>
+            <a:pPr marL="0" indent="0">
               <a:lnSpc>
-                <a:spcPct val="160000"/>
+                <a:spcPct val="150000"/>
               </a:lnSpc>
+              <a:buNone/>
             </a:pPr>
             <a:r>
-              <a:rPr lang="en-GB" dirty="0"/>
-              <a:t>Adjust bpm </a:t>
-            </a:r>
-          </a:p>
-          <a:p>
-            <a:pPr>
+              <a:rPr lang="de-CH" b="1" dirty="0" err="1"/>
+              <a:t>void</a:t>
+            </a:r>
+            <a:r>
+              <a:rPr lang="de-CH" dirty="0"/>
+              <a:t> </a:t>
+            </a:r>
+            <a:r>
+              <a:rPr lang="de-CH" b="1" dirty="0" err="1"/>
+              <a:t>update_bpm</a:t>
+            </a:r>
+            <a:r>
+              <a:rPr lang="de-CH" dirty="0"/>
+              <a:t>();</a:t>
+            </a:r>
+          </a:p>
+          <a:p>
+            <a:pPr marL="0" indent="0">
               <a:lnSpc>
-                <a:spcPct val="160000"/>
+                <a:spcPct val="150000"/>
               </a:lnSpc>
+              <a:buNone/>
             </a:pPr>
             <a:r>
-              <a:rPr lang="en-GB" dirty="0"/>
-              <a:t>Adjust volume</a:t>
-            </a:r>
-          </a:p>
-          <a:p>
-            <a:pPr>
+              <a:rPr lang="de-CH" b="1" dirty="0" err="1"/>
+              <a:t>void</a:t>
+            </a:r>
+            <a:r>
+              <a:rPr lang="de-CH" dirty="0"/>
+              <a:t> </a:t>
+            </a:r>
+            <a:r>
+              <a:rPr lang="de-CH" b="1" dirty="0" err="1"/>
+              <a:t>update_display</a:t>
+            </a:r>
+            <a:r>
+              <a:rPr lang="de-CH" dirty="0"/>
+              <a:t>();</a:t>
+            </a:r>
+          </a:p>
+          <a:p>
+            <a:pPr marL="0" indent="0">
               <a:lnSpc>
-                <a:spcPct val="160000"/>
+                <a:spcPct val="150000"/>
               </a:lnSpc>
+              <a:buNone/>
             </a:pPr>
             <a:r>
-              <a:rPr lang="en-GB" b="1" dirty="0"/>
-              <a:t>STANDARD</a:t>
-            </a:r>
-            <a:r>
-              <a:rPr lang="en-GB" dirty="0"/>
-              <a:t> and </a:t>
-            </a:r>
-            <a:r>
-              <a:rPr lang="en-GB" b="1" dirty="0"/>
-              <a:t>PRONOUNCED</a:t>
-            </a:r>
-            <a:r>
-              <a:rPr lang="en-GB" dirty="0"/>
-              <a:t> mode</a:t>
-            </a:r>
-          </a:p>
-          <a:p>
-            <a:pPr>
+              <a:rPr lang="de-CH" b="1" dirty="0" err="1"/>
+              <a:t>void</a:t>
+            </a:r>
+            <a:r>
+              <a:rPr lang="de-CH" dirty="0"/>
+              <a:t> </a:t>
+            </a:r>
+            <a:r>
+              <a:rPr lang="de-CH" b="1" dirty="0" err="1"/>
+              <a:t>button_push</a:t>
+            </a:r>
+            <a:r>
+              <a:rPr lang="de-CH" dirty="0"/>
+              <a:t>(); // check </a:t>
+            </a:r>
+            <a:r>
+              <a:rPr lang="de-CH" dirty="0" err="1"/>
+              <a:t>flags</a:t>
+            </a:r>
+            <a:endParaRPr lang="de-CH" dirty="0"/>
+          </a:p>
+          <a:p>
+            <a:pPr marL="0" indent="0">
               <a:lnSpc>
-                <a:spcPct val="160000"/>
+                <a:spcPct val="150000"/>
               </a:lnSpc>
+              <a:buNone/>
             </a:pPr>
             <a:r>
-              <a:rPr lang="en-GB" dirty="0"/>
-              <a:t>Adjust number of beats per bar</a:t>
+              <a:rPr lang="de-CH" b="1" dirty="0" err="1"/>
+              <a:t>void</a:t>
+            </a:r>
+            <a:r>
+              <a:rPr lang="de-CH" dirty="0"/>
+              <a:t> </a:t>
+            </a:r>
+            <a:r>
+              <a:rPr lang="de-CH" b="1" dirty="0" err="1"/>
+              <a:t>beat_machine</a:t>
+            </a:r>
+            <a:r>
+              <a:rPr lang="de-CH" dirty="0"/>
+              <a:t>(); // </a:t>
+            </a:r>
+            <a:r>
+              <a:rPr lang="de-CH" dirty="0" err="1"/>
+              <a:t>beep</a:t>
+            </a:r>
+            <a:r>
+              <a:rPr lang="de-CH" dirty="0"/>
+              <a:t> </a:t>
+            </a:r>
+            <a:r>
+              <a:rPr lang="de-CH" dirty="0" err="1"/>
+              <a:t>and</a:t>
+            </a:r>
+            <a:r>
+              <a:rPr lang="de-CH" dirty="0"/>
+              <a:t> blink</a:t>
+            </a:r>
+          </a:p>
+          <a:p>
+            <a:pPr marL="0" indent="0">
+              <a:buNone/>
+            </a:pPr>
+            <a:endParaRPr lang="de-CH" dirty="0"/>
+          </a:p>
+          <a:p>
+            <a:pPr marL="0" indent="0">
+              <a:buNone/>
+            </a:pPr>
+            <a:r>
+              <a:rPr lang="en-GB" sz="3600" dirty="0"/>
+              <a:t>What is most important? What can wait? </a:t>
+            </a:r>
+          </a:p>
+        </p:txBody>
+      </p:sp>
+      <p:grpSp>
+        <p:nvGrpSpPr>
+          <p:cNvPr id="7" name="Group 6">
+            <a:extLst>
+              <a:ext uri="{FF2B5EF4-FFF2-40B4-BE49-F238E27FC236}">
+                <a16:creationId xmlns:a16="http://schemas.microsoft.com/office/drawing/2014/main" id="{F2CEDEE8-118E-B54F-9409-DEE750E3751C}"/>
+              </a:ext>
+            </a:extLst>
+          </p:cNvPr>
+          <p:cNvGrpSpPr/>
+          <p:nvPr/>
+        </p:nvGrpSpPr>
+        <p:grpSpPr>
+          <a:xfrm>
+            <a:off x="6543676" y="1825625"/>
+            <a:ext cx="3274481" cy="2458508"/>
+            <a:chOff x="6543676" y="1825625"/>
+            <a:chExt cx="3274481" cy="2458508"/>
+          </a:xfrm>
+        </p:grpSpPr>
+        <p:sp>
+          <p:nvSpPr>
+            <p:cNvPr id="4" name="Right Brace 3">
+              <a:extLst>
+                <a:ext uri="{FF2B5EF4-FFF2-40B4-BE49-F238E27FC236}">
+                  <a16:creationId xmlns:a16="http://schemas.microsoft.com/office/drawing/2014/main" id="{99EA6932-F6AC-144F-95B9-FB6420C43FCD}"/>
+                </a:ext>
+              </a:extLst>
+            </p:cNvPr>
+            <p:cNvSpPr/>
+            <p:nvPr/>
+          </p:nvSpPr>
+          <p:spPr>
+            <a:xfrm>
+              <a:off x="6543676" y="1825625"/>
+              <a:ext cx="428624" cy="2458508"/>
+            </a:xfrm>
+            <a:prstGeom prst="rightBrace">
+              <a:avLst/>
+            </a:prstGeom>
+            <a:ln w="57150">
+              <a:solidFill>
+                <a:schemeClr val="tx1"/>
+              </a:solidFill>
+            </a:ln>
+          </p:spPr>
+          <p:style>
+            <a:lnRef idx="1">
+              <a:schemeClr val="accent1"/>
+            </a:lnRef>
+            <a:fillRef idx="0">
+              <a:schemeClr val="accent1"/>
+            </a:fillRef>
+            <a:effectRef idx="0">
+              <a:schemeClr val="accent1"/>
+            </a:effectRef>
+            <a:fontRef idx="minor">
+              <a:schemeClr val="tx1"/>
+            </a:fontRef>
+          </p:style>
+          <p:txBody>
+            <a:bodyPr rtlCol="0" anchor="ctr"/>
+            <a:lstStyle/>
+            <a:p>
+              <a:pPr algn="ctr"/>
+              <a:endParaRPr lang="en-GB"/>
+            </a:p>
+          </p:txBody>
+        </p:sp>
+        <p:sp>
+          <p:nvSpPr>
+            <p:cNvPr id="5" name="TextBox 4">
+              <a:extLst>
+                <a:ext uri="{FF2B5EF4-FFF2-40B4-BE49-F238E27FC236}">
+                  <a16:creationId xmlns:a16="http://schemas.microsoft.com/office/drawing/2014/main" id="{A980C06B-55C6-CF4A-9763-1BB07B8E5FDA}"/>
+                </a:ext>
+              </a:extLst>
+            </p:cNvPr>
+            <p:cNvSpPr txBox="1"/>
+            <p:nvPr/>
+          </p:nvSpPr>
+          <p:spPr>
+            <a:xfrm>
+              <a:off x="7274983" y="2639380"/>
+              <a:ext cx="2543174" cy="830997"/>
+            </a:xfrm>
+            <a:prstGeom prst="rect">
+              <a:avLst/>
+            </a:prstGeom>
+            <a:noFill/>
+          </p:spPr>
+          <p:txBody>
+            <a:bodyPr wrap="square" rtlCol="0">
+              <a:spAutoFit/>
+            </a:bodyPr>
+            <a:lstStyle/>
+            <a:p>
+              <a:r>
+                <a:rPr lang="en-GB" sz="2400" dirty="0"/>
+                <a:t>timing not so important</a:t>
+              </a:r>
+            </a:p>
+          </p:txBody>
+        </p:sp>
+      </p:grpSp>
+      <p:sp>
+        <p:nvSpPr>
+          <p:cNvPr id="6" name="TextBox 5">
+            <a:extLst>
+              <a:ext uri="{FF2B5EF4-FFF2-40B4-BE49-F238E27FC236}">
+                <a16:creationId xmlns:a16="http://schemas.microsoft.com/office/drawing/2014/main" id="{745B9982-456E-7349-AACA-4D85B7533C5A}"/>
+              </a:ext>
+            </a:extLst>
+          </p:cNvPr>
+          <p:cNvSpPr txBox="1"/>
+          <p:nvPr/>
+        </p:nvSpPr>
+        <p:spPr>
+          <a:xfrm>
+            <a:off x="6399741" y="4491237"/>
+            <a:ext cx="4293657" cy="461665"/>
+          </a:xfrm>
+          <a:prstGeom prst="rect">
+            <a:avLst/>
+          </a:prstGeom>
+          <a:solidFill>
+            <a:srgbClr val="FF0000"/>
+          </a:solidFill>
+        </p:spPr>
+        <p:txBody>
+          <a:bodyPr wrap="square" rtlCol="0">
+            <a:spAutoFit/>
+          </a:bodyPr>
+          <a:lstStyle/>
+          <a:p>
+            <a:r>
+              <a:rPr lang="en-GB" sz="2400" dirty="0"/>
+              <a:t>timing </a:t>
+            </a:r>
+            <a:r>
+              <a:rPr lang="en-GB" sz="2400" b="1" dirty="0"/>
+              <a:t>absolutely </a:t>
+            </a:r>
+            <a:r>
+              <a:rPr lang="en-GB" sz="2400" dirty="0"/>
+              <a:t>important</a:t>
             </a:r>
           </a:p>
         </p:txBody>
@@ -3765,7 +7736,7 @@
     </p:spTree>
     <p:extLst>
       <p:ext uri="{BB962C8B-B14F-4D97-AF65-F5344CB8AC3E}">
-        <p14:creationId xmlns:p14="http://schemas.microsoft.com/office/powerpoint/2010/main" val="3573475447"/>
+        <p14:creationId xmlns:p14="http://schemas.microsoft.com/office/powerpoint/2010/main" val="1903802305"/>
       </p:ext>
     </p:extLst>
   </p:cSld>
@@ -4025,254 +7996,27 @@
                       </p:childTnLst>
                     </p:cTn>
                   </p:par>
-                </p:childTnLst>
-              </p:cTn>
-              <p:prevCondLst>
-                <p:cond evt="onPrev" delay="0">
-                  <p:tgtEl>
-                    <p:sldTgt/>
-                  </p:tgtEl>
-                </p:cond>
-              </p:prevCondLst>
-              <p:nextCondLst>
-                <p:cond evt="onNext" delay="0">
-                  <p:tgtEl>
-                    <p:sldTgt/>
-                  </p:tgtEl>
-                </p:cond>
-              </p:nextCondLst>
-            </p:seq>
-          </p:childTnLst>
-        </p:cTn>
-      </p:par>
-    </p:tnLst>
-  </p:timing>
-</p:sld>
-</file>
-
-<file path=ppt/slides/slide4.xml><?xml version="1.0" encoding="utf-8"?>
-<p:sld xmlns:a="http://schemas.openxmlformats.org/drawingml/2006/main" xmlns:r="http://schemas.openxmlformats.org/officeDocument/2006/relationships" xmlns:p="http://schemas.openxmlformats.org/presentationml/2006/main">
-  <p:cSld>
-    <p:spTree>
-      <p:nvGrpSpPr>
-        <p:cNvPr id="1" name=""/>
-        <p:cNvGrpSpPr/>
-        <p:nvPr/>
-      </p:nvGrpSpPr>
-      <p:grpSpPr>
-        <a:xfrm>
-          <a:off x="0" y="0"/>
-          <a:ext cx="0" cy="0"/>
-          <a:chOff x="0" y="0"/>
-          <a:chExt cx="0" cy="0"/>
-        </a:xfrm>
-      </p:grpSpPr>
-      <p:sp>
-        <p:nvSpPr>
-          <p:cNvPr id="2" name="Title 1">
-            <a:extLst>
-              <a:ext uri="{FF2B5EF4-FFF2-40B4-BE49-F238E27FC236}">
-                <a16:creationId xmlns:a16="http://schemas.microsoft.com/office/drawing/2014/main" id="{A27B9692-9466-1E45-924D-268A2C4E5BB8}"/>
-              </a:ext>
-            </a:extLst>
-          </p:cNvPr>
-          <p:cNvSpPr>
-            <a:spLocks noGrp="1"/>
-          </p:cNvSpPr>
-          <p:nvPr>
-            <p:ph type="title"/>
-          </p:nvPr>
-        </p:nvSpPr>
-        <p:spPr/>
-        <p:txBody>
-          <a:bodyPr/>
-          <a:lstStyle/>
-          <a:p>
-            <a:r>
-              <a:rPr lang="en-GB" dirty="0"/>
-              <a:t>Inputs</a:t>
-            </a:r>
-          </a:p>
-        </p:txBody>
-      </p:sp>
-      <p:sp>
-        <p:nvSpPr>
-          <p:cNvPr id="3" name="Content Placeholder 2">
-            <a:extLst>
-              <a:ext uri="{FF2B5EF4-FFF2-40B4-BE49-F238E27FC236}">
-                <a16:creationId xmlns:a16="http://schemas.microsoft.com/office/drawing/2014/main" id="{13683A51-0ADB-CD4B-B046-5CB14D206304}"/>
-              </a:ext>
-            </a:extLst>
-          </p:cNvPr>
-          <p:cNvSpPr>
-            <a:spLocks noGrp="1"/>
-          </p:cNvSpPr>
-          <p:nvPr>
-            <p:ph idx="1"/>
-          </p:nvPr>
-        </p:nvSpPr>
-        <p:spPr/>
-        <p:txBody>
-          <a:bodyPr/>
-          <a:lstStyle/>
-          <a:p>
-            <a:pPr>
-              <a:lnSpc>
-                <a:spcPct val="200000"/>
-              </a:lnSpc>
-            </a:pPr>
-            <a:r>
-              <a:rPr lang="en-GB" dirty="0"/>
-              <a:t>Digital buttons		</a:t>
-            </a:r>
-            <a:r>
-              <a:rPr lang="en-GB" dirty="0">
-                <a:sym typeface="Wingdings" pitchFamily="2" charset="2"/>
-              </a:rPr>
-              <a:t> 	EXTI</a:t>
-            </a:r>
-            <a:br>
-              <a:rPr lang="en-GB" dirty="0">
-                <a:sym typeface="Wingdings" pitchFamily="2" charset="2"/>
-              </a:rPr>
-            </a:br>
-            <a:br>
-              <a:rPr lang="en-GB" dirty="0">
-                <a:sym typeface="Wingdings" pitchFamily="2" charset="2"/>
-              </a:rPr>
-            </a:br>
-            <a:endParaRPr lang="en-GB" dirty="0">
-              <a:sym typeface="Wingdings" pitchFamily="2" charset="2"/>
-            </a:endParaRPr>
-          </a:p>
-          <a:p>
-            <a:pPr>
-              <a:lnSpc>
-                <a:spcPct val="200000"/>
-              </a:lnSpc>
-            </a:pPr>
-            <a:r>
-              <a:rPr lang="en-GB" dirty="0">
-                <a:sym typeface="Wingdings" pitchFamily="2" charset="2"/>
-              </a:rPr>
-              <a:t>Potentiometers 		 	ADC</a:t>
-            </a:r>
-            <a:endParaRPr lang="en-GB" dirty="0"/>
-          </a:p>
-        </p:txBody>
-      </p:sp>
-      <p:sp>
-        <p:nvSpPr>
-          <p:cNvPr id="4" name="TextBox 3">
-            <a:extLst>
-              <a:ext uri="{FF2B5EF4-FFF2-40B4-BE49-F238E27FC236}">
-                <a16:creationId xmlns:a16="http://schemas.microsoft.com/office/drawing/2014/main" id="{6F2A98B0-9F5C-2942-A9E0-27418AF32780}"/>
-              </a:ext>
-            </a:extLst>
-          </p:cNvPr>
-          <p:cNvSpPr txBox="1"/>
-          <p:nvPr/>
-        </p:nvSpPr>
-        <p:spPr>
-          <a:xfrm>
-            <a:off x="1083733" y="3031067"/>
-            <a:ext cx="9431867" cy="1143070"/>
-          </a:xfrm>
-          <a:prstGeom prst="rect">
-            <a:avLst/>
-          </a:prstGeom>
-          <a:solidFill>
-            <a:schemeClr val="accent4">
-              <a:lumMod val="60000"/>
-              <a:lumOff val="40000"/>
-            </a:schemeClr>
-          </a:solidFill>
-          <a:ln w="19050">
-            <a:solidFill>
-              <a:schemeClr val="tx1"/>
-            </a:solidFill>
-          </a:ln>
-        </p:spPr>
-        <p:txBody>
-          <a:bodyPr wrap="square" rtlCol="0">
-            <a:spAutoFit/>
-          </a:bodyPr>
-          <a:lstStyle/>
-          <a:p>
-            <a:pPr algn="ctr">
-              <a:lnSpc>
-                <a:spcPct val="150000"/>
-              </a:lnSpc>
-            </a:pPr>
-            <a:r>
-              <a:rPr lang="en-GB" sz="2400" dirty="0"/>
-              <a:t>Button press triggers </a:t>
-            </a:r>
-            <a:r>
-              <a:rPr lang="en-GB" sz="2400" b="1" dirty="0"/>
-              <a:t>FLAG</a:t>
-            </a:r>
-            <a:r>
-              <a:rPr lang="en-GB" sz="2400" dirty="0"/>
-              <a:t> for button. </a:t>
-            </a:r>
-            <a:br>
-              <a:rPr lang="en-GB" sz="2400" dirty="0"/>
-            </a:br>
-            <a:r>
-              <a:rPr lang="en-GB" sz="2400" dirty="0"/>
-              <a:t>While loop triggers action, if a certain </a:t>
-            </a:r>
-            <a:r>
-              <a:rPr lang="en-GB" sz="2400" b="1" dirty="0"/>
-              <a:t>FLAG</a:t>
-            </a:r>
-            <a:r>
-              <a:rPr lang="en-GB" sz="2400" dirty="0"/>
-              <a:t> is set. </a:t>
-            </a:r>
-          </a:p>
-        </p:txBody>
-      </p:sp>
-    </p:spTree>
-    <p:extLst>
-      <p:ext uri="{BB962C8B-B14F-4D97-AF65-F5344CB8AC3E}">
-        <p14:creationId xmlns:p14="http://schemas.microsoft.com/office/powerpoint/2010/main" val="1074975041"/>
-      </p:ext>
-    </p:extLst>
-  </p:cSld>
-  <p:clrMapOvr>
-    <a:masterClrMapping/>
-  </p:clrMapOvr>
-  <p:timing>
-    <p:tnLst>
-      <p:par>
-        <p:cTn id="1" dur="indefinite" restart="never" nodeType="tmRoot">
-          <p:childTnLst>
-            <p:seq concurrent="1" nextAc="seek">
-              <p:cTn id="2" dur="indefinite" nodeType="mainSeq">
-                <p:childTnLst>
                   <p:par>
-                    <p:cTn id="3" fill="hold">
+                    <p:cTn id="23" fill="hold">
                       <p:stCondLst>
                         <p:cond delay="indefinite"/>
                       </p:stCondLst>
                       <p:childTnLst>
                         <p:par>
-                          <p:cTn id="4" fill="hold">
+                          <p:cTn id="24" fill="hold">
                             <p:stCondLst>
                               <p:cond delay="0"/>
                             </p:stCondLst>
                             <p:childTnLst>
                               <p:par>
-                                <p:cTn id="5" presetID="1" presetClass="entr" presetSubtype="0" fill="hold" nodeType="clickEffect">
+                                <p:cTn id="25" presetID="1" presetClass="entr" presetSubtype="0" fill="hold" nodeType="clickEffect">
                                   <p:stCondLst>
                                     <p:cond delay="0"/>
                                   </p:stCondLst>
                                   <p:childTnLst>
                                     <p:set>
                                       <p:cBhvr>
-                                        <p:cTn id="6" dur="1" fill="hold">
+                                        <p:cTn id="26" dur="1" fill="hold">
                                           <p:stCondLst>
                                             <p:cond delay="0"/>
                                           </p:stCondLst>
@@ -4280,7 +8024,7 @@
                                         <p:tgtEl>
                                           <p:spTgt spid="3">
                                             <p:txEl>
-                                              <p:pRg st="0" end="0"/>
+                                              <p:pRg st="6" end="6"/>
                                             </p:txEl>
                                           </p:spTgt>
                                         </p:tgtEl>
@@ -4302,32 +8046,32 @@
                     </p:cTn>
                   </p:par>
                   <p:par>
-                    <p:cTn id="7" fill="hold">
+                    <p:cTn id="27" fill="hold">
                       <p:stCondLst>
                         <p:cond delay="indefinite"/>
                       </p:stCondLst>
                       <p:childTnLst>
                         <p:par>
-                          <p:cTn id="8" fill="hold">
+                          <p:cTn id="28" fill="hold">
                             <p:stCondLst>
                               <p:cond delay="0"/>
                             </p:stCondLst>
                             <p:childTnLst>
                               <p:par>
-                                <p:cTn id="9" presetID="1" presetClass="entr" presetSubtype="0" fill="hold" grpId="0" nodeType="clickEffect">
+                                <p:cTn id="29" presetID="1" presetClass="entr" presetSubtype="0" fill="hold" nodeType="clickEffect">
                                   <p:stCondLst>
                                     <p:cond delay="0"/>
                                   </p:stCondLst>
                                   <p:childTnLst>
                                     <p:set>
                                       <p:cBhvr>
-                                        <p:cTn id="10" dur="1" fill="hold">
+                                        <p:cTn id="30" dur="1" fill="hold">
                                           <p:stCondLst>
                                             <p:cond delay="0"/>
                                           </p:stCondLst>
                                         </p:cTn>
                                         <p:tgtEl>
-                                          <p:spTgt spid="4"/>
+                                          <p:spTgt spid="7"/>
                                         </p:tgtEl>
                                         <p:attrNameLst>
                                           <p:attrName>style.visibility</p:attrName>
@@ -4347,36 +8091,32 @@
                     </p:cTn>
                   </p:par>
                   <p:par>
-                    <p:cTn id="11" fill="hold">
+                    <p:cTn id="31" fill="hold">
                       <p:stCondLst>
                         <p:cond delay="indefinite"/>
                       </p:stCondLst>
                       <p:childTnLst>
                         <p:par>
-                          <p:cTn id="12" fill="hold">
+                          <p:cTn id="32" fill="hold">
                             <p:stCondLst>
                               <p:cond delay="0"/>
                             </p:stCondLst>
                             <p:childTnLst>
                               <p:par>
-                                <p:cTn id="13" presetID="1" presetClass="entr" presetSubtype="0" fill="hold" nodeType="clickEffect">
+                                <p:cTn id="33" presetID="1" presetClass="entr" presetSubtype="0" fill="hold" grpId="0" nodeType="clickEffect">
                                   <p:stCondLst>
                                     <p:cond delay="0"/>
                                   </p:stCondLst>
                                   <p:childTnLst>
                                     <p:set>
                                       <p:cBhvr>
-                                        <p:cTn id="14" dur="1" fill="hold">
+                                        <p:cTn id="34" dur="1" fill="hold">
                                           <p:stCondLst>
                                             <p:cond delay="0"/>
                                           </p:stCondLst>
                                         </p:cTn>
                                         <p:tgtEl>
-                                          <p:spTgt spid="3">
-                                            <p:txEl>
-                                              <p:pRg st="1" end="1"/>
-                                            </p:txEl>
-                                          </p:spTgt>
+                                          <p:spTgt spid="6"/>
                                         </p:tgtEl>
                                         <p:attrNameLst>
                                           <p:attrName>style.visibility</p:attrName>
@@ -4417,13 +8157,13 @@
       </p:par>
     </p:tnLst>
     <p:bldLst>
-      <p:bldP spid="4" grpId="0" animBg="1"/>
+      <p:bldP spid="6" grpId="0" animBg="1"/>
     </p:bldLst>
   </p:timing>
 </p:sld>
 </file>
 
-<file path=ppt/slides/slide5.xml><?xml version="1.0" encoding="utf-8"?>
+<file path=ppt/slides/slide7.xml><?xml version="1.0" encoding="utf-8"?>
 <p:sld xmlns:a="http://schemas.openxmlformats.org/drawingml/2006/main" xmlns:r="http://schemas.openxmlformats.org/officeDocument/2006/relationships" xmlns:p="http://schemas.openxmlformats.org/presentationml/2006/main">
   <p:cSld>
     <p:spTree>
@@ -4445,7 +8185,7 @@
           <p:cNvPr id="2" name="Title 1">
             <a:extLst>
               <a:ext uri="{FF2B5EF4-FFF2-40B4-BE49-F238E27FC236}">
-                <a16:creationId xmlns:a16="http://schemas.microsoft.com/office/drawing/2014/main" id="{FB439AC3-CE0B-6847-B1ED-CA1172F644C7}"/>
+                <a16:creationId xmlns:a16="http://schemas.microsoft.com/office/drawing/2014/main" id="{AF25A60D-6226-6B4D-A313-6907E46A2F4E}"/>
               </a:ext>
             </a:extLst>
           </p:cNvPr>
@@ -4463,7 +8203,7 @@
           <a:p>
             <a:r>
               <a:rPr lang="en-GB" dirty="0"/>
-              <a:t>Outputs</a:t>
+              <a:t>program flow</a:t>
             </a:r>
           </a:p>
         </p:txBody>
@@ -4473,7 +8213,7 @@
           <p:cNvPr id="3" name="Content Placeholder 2">
             <a:extLst>
               <a:ext uri="{FF2B5EF4-FFF2-40B4-BE49-F238E27FC236}">
-                <a16:creationId xmlns:a16="http://schemas.microsoft.com/office/drawing/2014/main" id="{7EF0D88F-9689-CC4C-99FD-B8AEDA6A18B5}"/>
+                <a16:creationId xmlns:a16="http://schemas.microsoft.com/office/drawing/2014/main" id="{AA1BA6DB-F966-BC42-A0C0-D62E5E40E9EE}"/>
               </a:ext>
             </a:extLst>
           </p:cNvPr>
@@ -4486,62 +8226,744 @@
         </p:nvSpPr>
         <p:spPr/>
         <p:txBody>
-          <a:bodyPr/>
+          <a:bodyPr>
+            <a:normAutofit fontScale="92500" lnSpcReduction="20000"/>
+          </a:bodyPr>
           <a:lstStyle/>
           <a:p>
-            <a:pPr>
+            <a:pPr marL="0" indent="0">
               <a:lnSpc>
-                <a:spcPct val="200000"/>
+                <a:spcPct val="150000"/>
               </a:lnSpc>
+              <a:buNone/>
             </a:pPr>
             <a:r>
+              <a:rPr lang="de-CH" b="1" dirty="0" err="1"/>
+              <a:t>void</a:t>
+            </a:r>
+            <a:r>
+              <a:rPr lang="de-CH" dirty="0"/>
+              <a:t> </a:t>
+            </a:r>
+            <a:r>
+              <a:rPr lang="de-CH" b="1" dirty="0" err="1"/>
+              <a:t>update_volume</a:t>
+            </a:r>
+            <a:r>
+              <a:rPr lang="de-CH" dirty="0"/>
+              <a:t>();</a:t>
+            </a:r>
+          </a:p>
+          <a:p>
+            <a:pPr marL="0" indent="0">
+              <a:lnSpc>
+                <a:spcPct val="150000"/>
+              </a:lnSpc>
+              <a:buNone/>
+            </a:pPr>
+            <a:r>
+              <a:rPr lang="de-CH" b="1" dirty="0" err="1"/>
+              <a:t>void</a:t>
+            </a:r>
+            <a:r>
+              <a:rPr lang="de-CH" dirty="0"/>
+              <a:t> </a:t>
+            </a:r>
+            <a:r>
+              <a:rPr lang="de-CH" b="1" dirty="0" err="1"/>
+              <a:t>update_bpm</a:t>
+            </a:r>
+            <a:r>
+              <a:rPr lang="de-CH" dirty="0"/>
+              <a:t>();</a:t>
+            </a:r>
+          </a:p>
+          <a:p>
+            <a:pPr marL="0" indent="0">
+              <a:lnSpc>
+                <a:spcPct val="150000"/>
+              </a:lnSpc>
+              <a:buNone/>
+            </a:pPr>
+            <a:r>
+              <a:rPr lang="de-CH" b="1" dirty="0" err="1"/>
+              <a:t>void</a:t>
+            </a:r>
+            <a:r>
+              <a:rPr lang="de-CH" dirty="0"/>
+              <a:t> </a:t>
+            </a:r>
+            <a:r>
+              <a:rPr lang="de-CH" b="1" dirty="0" err="1"/>
+              <a:t>update_display</a:t>
+            </a:r>
+            <a:r>
+              <a:rPr lang="de-CH" dirty="0"/>
+              <a:t>();</a:t>
+            </a:r>
+          </a:p>
+          <a:p>
+            <a:pPr marL="0" indent="0">
+              <a:lnSpc>
+                <a:spcPct val="150000"/>
+              </a:lnSpc>
+              <a:buNone/>
+            </a:pPr>
+            <a:r>
+              <a:rPr lang="de-CH" b="1" dirty="0" err="1"/>
+              <a:t>void</a:t>
+            </a:r>
+            <a:r>
+              <a:rPr lang="de-CH" dirty="0"/>
+              <a:t> </a:t>
+            </a:r>
+            <a:r>
+              <a:rPr lang="de-CH" b="1" dirty="0" err="1"/>
+              <a:t>button_push</a:t>
+            </a:r>
+            <a:r>
+              <a:rPr lang="de-CH" dirty="0"/>
+              <a:t>(); // check </a:t>
+            </a:r>
+            <a:r>
+              <a:rPr lang="de-CH" dirty="0" err="1"/>
+              <a:t>flags</a:t>
+            </a:r>
+            <a:endParaRPr lang="de-CH" dirty="0"/>
+          </a:p>
+          <a:p>
+            <a:pPr marL="0" indent="0">
+              <a:lnSpc>
+                <a:spcPct val="150000"/>
+              </a:lnSpc>
+              <a:buNone/>
+            </a:pPr>
+            <a:r>
+              <a:rPr lang="de-CH" b="1" dirty="0" err="1"/>
+              <a:t>void</a:t>
+            </a:r>
+            <a:r>
+              <a:rPr lang="de-CH" dirty="0"/>
+              <a:t> </a:t>
+            </a:r>
+            <a:r>
+              <a:rPr lang="de-CH" b="1" dirty="0" err="1"/>
+              <a:t>beat_machine</a:t>
+            </a:r>
+            <a:r>
+              <a:rPr lang="de-CH" dirty="0"/>
+              <a:t>(); // </a:t>
+            </a:r>
+            <a:r>
+              <a:rPr lang="de-CH" dirty="0" err="1"/>
+              <a:t>beep</a:t>
+            </a:r>
+            <a:r>
+              <a:rPr lang="de-CH" dirty="0"/>
+              <a:t> </a:t>
+            </a:r>
+            <a:r>
+              <a:rPr lang="de-CH" dirty="0" err="1"/>
+              <a:t>and</a:t>
+            </a:r>
+            <a:r>
+              <a:rPr lang="de-CH" dirty="0"/>
+              <a:t> blink</a:t>
+            </a:r>
+          </a:p>
+          <a:p>
+            <a:pPr marL="0" indent="0">
+              <a:buNone/>
+            </a:pPr>
+            <a:endParaRPr lang="de-CH" dirty="0"/>
+          </a:p>
+          <a:p>
+            <a:pPr marL="0" indent="0">
+              <a:buNone/>
+            </a:pPr>
+            <a:r>
+              <a:rPr lang="en-GB" sz="3600" dirty="0"/>
+              <a:t>What is most important? What can wait? </a:t>
+            </a:r>
+          </a:p>
+        </p:txBody>
+      </p:sp>
+      <p:sp>
+        <p:nvSpPr>
+          <p:cNvPr id="8" name="Rectangle 7">
+            <a:extLst>
+              <a:ext uri="{FF2B5EF4-FFF2-40B4-BE49-F238E27FC236}">
+                <a16:creationId xmlns:a16="http://schemas.microsoft.com/office/drawing/2014/main" id="{759F55BD-1906-1145-B088-EF60410F8CD5}"/>
+              </a:ext>
+            </a:extLst>
+          </p:cNvPr>
+          <p:cNvSpPr/>
+          <p:nvPr/>
+        </p:nvSpPr>
+        <p:spPr>
+          <a:xfrm>
+            <a:off x="694267" y="1876424"/>
+            <a:ext cx="9685866" cy="2441575"/>
+          </a:xfrm>
+          <a:prstGeom prst="rect">
+            <a:avLst/>
+          </a:prstGeom>
+          <a:solidFill>
+            <a:srgbClr val="C4AB35">
+              <a:alpha val="47059"/>
+            </a:srgbClr>
+          </a:solidFill>
+          <a:ln>
+            <a:solidFill>
+              <a:srgbClr val="FF0000"/>
+            </a:solidFill>
+          </a:ln>
+        </p:spPr>
+        <p:style>
+          <a:lnRef idx="2">
+            <a:schemeClr val="accent1">
+              <a:shade val="50000"/>
+            </a:schemeClr>
+          </a:lnRef>
+          <a:fillRef idx="1">
+            <a:schemeClr val="accent1"/>
+          </a:fillRef>
+          <a:effectRef idx="0">
+            <a:schemeClr val="accent1"/>
+          </a:effectRef>
+          <a:fontRef idx="minor">
+            <a:schemeClr val="lt1"/>
+          </a:fontRef>
+        </p:style>
+        <p:txBody>
+          <a:bodyPr rtlCol="0" anchor="ctr"/>
+          <a:lstStyle/>
+          <a:p>
+            <a:pPr algn="ctr"/>
+            <a:r>
               <a:rPr lang="en-GB" dirty="0"/>
-              <a:t>Display 		</a:t>
-            </a:r>
-            <a:r>
-              <a:rPr lang="en-GB" dirty="0">
-                <a:sym typeface="Wingdings" pitchFamily="2" charset="2"/>
-              </a:rPr>
-              <a:t> 	given LCD driver using SPI</a:t>
-            </a:r>
-          </a:p>
-          <a:p>
-            <a:pPr>
-              <a:lnSpc>
-                <a:spcPct val="200000"/>
-              </a:lnSpc>
-            </a:pPr>
-            <a:r>
-              <a:rPr lang="en-GB" dirty="0"/>
-              <a:t>LEDs			</a:t>
-            </a:r>
-            <a:r>
-              <a:rPr lang="en-GB" dirty="0">
-                <a:sym typeface="Wingdings" pitchFamily="2" charset="2"/>
-              </a:rPr>
-              <a:t> 	GPIO</a:t>
-            </a:r>
-          </a:p>
-          <a:p>
-            <a:pPr>
-              <a:lnSpc>
-                <a:spcPct val="200000"/>
-              </a:lnSpc>
-            </a:pPr>
-            <a:r>
-              <a:rPr lang="en-GB" dirty="0">
-                <a:sym typeface="Wingdings" pitchFamily="2" charset="2"/>
-              </a:rPr>
-              <a:t>Speaker			PWM signal</a:t>
+              <a:t>												</a:t>
+            </a:r>
+            <a:r>
+              <a:rPr lang="en-GB" sz="2800" dirty="0"/>
+              <a:t>WHILE LOOP</a:t>
             </a:r>
             <a:endParaRPr lang="en-GB" dirty="0"/>
+          </a:p>
+        </p:txBody>
+      </p:sp>
+      <p:sp>
+        <p:nvSpPr>
+          <p:cNvPr id="9" name="Rectangle 8">
+            <a:extLst>
+              <a:ext uri="{FF2B5EF4-FFF2-40B4-BE49-F238E27FC236}">
+                <a16:creationId xmlns:a16="http://schemas.microsoft.com/office/drawing/2014/main" id="{61DE8944-08E5-C949-9E2D-37347033FDB5}"/>
+              </a:ext>
+            </a:extLst>
+          </p:cNvPr>
+          <p:cNvSpPr/>
+          <p:nvPr/>
+        </p:nvSpPr>
+        <p:spPr>
+          <a:xfrm>
+            <a:off x="694267" y="4402136"/>
+            <a:ext cx="9685866" cy="576263"/>
+          </a:xfrm>
+          <a:prstGeom prst="rect">
+            <a:avLst/>
+          </a:prstGeom>
+          <a:solidFill>
+            <a:srgbClr val="C4AB35">
+              <a:alpha val="47059"/>
+            </a:srgbClr>
+          </a:solidFill>
+          <a:ln>
+            <a:solidFill>
+              <a:srgbClr val="FF0000"/>
+            </a:solidFill>
+          </a:ln>
+        </p:spPr>
+        <p:style>
+          <a:lnRef idx="2">
+            <a:schemeClr val="accent1">
+              <a:shade val="50000"/>
+            </a:schemeClr>
+          </a:lnRef>
+          <a:fillRef idx="1">
+            <a:schemeClr val="accent1"/>
+          </a:fillRef>
+          <a:effectRef idx="0">
+            <a:schemeClr val="accent1"/>
+          </a:effectRef>
+          <a:fontRef idx="minor">
+            <a:schemeClr val="lt1"/>
+          </a:fontRef>
+        </p:style>
+        <p:txBody>
+          <a:bodyPr rtlCol="0" anchor="ctr"/>
+          <a:lstStyle/>
+          <a:p>
+            <a:pPr algn="ctr"/>
+            <a:r>
+              <a:rPr lang="en-GB" sz="2800" dirty="0"/>
+              <a:t>														TIMER INTERRUPT</a:t>
+            </a:r>
           </a:p>
         </p:txBody>
       </p:sp>
     </p:spTree>
     <p:extLst>
       <p:ext uri="{BB962C8B-B14F-4D97-AF65-F5344CB8AC3E}">
-        <p14:creationId xmlns:p14="http://schemas.microsoft.com/office/powerpoint/2010/main" val="923821609"/>
+        <p14:creationId xmlns:p14="http://schemas.microsoft.com/office/powerpoint/2010/main" val="2736188211"/>
+      </p:ext>
+    </p:extLst>
+  </p:cSld>
+  <p:clrMapOvr>
+    <a:masterClrMapping/>
+  </p:clrMapOvr>
+</p:sld>
+</file>
+
+<file path=ppt/slides/slide8.xml><?xml version="1.0" encoding="utf-8"?>
+<p:sld xmlns:a="http://schemas.openxmlformats.org/drawingml/2006/main" xmlns:r="http://schemas.openxmlformats.org/officeDocument/2006/relationships" xmlns:p="http://schemas.openxmlformats.org/presentationml/2006/main">
+  <p:cSld>
+    <p:spTree>
+      <p:nvGrpSpPr>
+        <p:cNvPr id="1" name=""/>
+        <p:cNvGrpSpPr/>
+        <p:nvPr/>
+      </p:nvGrpSpPr>
+      <p:grpSpPr>
+        <a:xfrm>
+          <a:off x="0" y="0"/>
+          <a:ext cx="0" cy="0"/>
+          <a:chOff x="0" y="0"/>
+          <a:chExt cx="0" cy="0"/>
+        </a:xfrm>
+      </p:grpSpPr>
+      <p:sp>
+        <p:nvSpPr>
+          <p:cNvPr id="2" name="Title 1">
+            <a:extLst>
+              <a:ext uri="{FF2B5EF4-FFF2-40B4-BE49-F238E27FC236}">
+                <a16:creationId xmlns:a16="http://schemas.microsoft.com/office/drawing/2014/main" id="{D58D48DE-4110-EA4B-9CE7-1FDD41A97095}"/>
+              </a:ext>
+            </a:extLst>
+          </p:cNvPr>
+          <p:cNvSpPr>
+            <a:spLocks noGrp="1"/>
+          </p:cNvSpPr>
+          <p:nvPr>
+            <p:ph type="title"/>
+          </p:nvPr>
+        </p:nvSpPr>
+        <p:spPr/>
+        <p:txBody>
+          <a:bodyPr anchor="ctr"/>
+          <a:lstStyle/>
+          <a:p>
+            <a:r>
+              <a:rPr lang="en-GB" dirty="0"/>
+              <a:t>some important functions</a:t>
+            </a:r>
+          </a:p>
+        </p:txBody>
+      </p:sp>
+    </p:spTree>
+    <p:extLst>
+      <p:ext uri="{BB962C8B-B14F-4D97-AF65-F5344CB8AC3E}">
+        <p14:creationId xmlns:p14="http://schemas.microsoft.com/office/powerpoint/2010/main" val="4218012427"/>
+      </p:ext>
+    </p:extLst>
+  </p:cSld>
+  <p:clrMapOvr>
+    <a:masterClrMapping/>
+  </p:clrMapOvr>
+</p:sld>
+</file>
+
+<file path=ppt/slides/slide9.xml><?xml version="1.0" encoding="utf-8"?>
+<p:sld xmlns:a="http://schemas.openxmlformats.org/drawingml/2006/main" xmlns:r="http://schemas.openxmlformats.org/officeDocument/2006/relationships" xmlns:p="http://schemas.openxmlformats.org/presentationml/2006/main">
+  <p:cSld>
+    <p:spTree>
+      <p:nvGrpSpPr>
+        <p:cNvPr id="1" name=""/>
+        <p:cNvGrpSpPr/>
+        <p:nvPr/>
+      </p:nvGrpSpPr>
+      <p:grpSpPr>
+        <a:xfrm>
+          <a:off x="0" y="0"/>
+          <a:ext cx="0" cy="0"/>
+          <a:chOff x="0" y="0"/>
+          <a:chExt cx="0" cy="0"/>
+        </a:xfrm>
+      </p:grpSpPr>
+      <p:sp>
+        <p:nvSpPr>
+          <p:cNvPr id="2" name="Title 1">
+            <a:extLst>
+              <a:ext uri="{FF2B5EF4-FFF2-40B4-BE49-F238E27FC236}">
+                <a16:creationId xmlns:a16="http://schemas.microsoft.com/office/drawing/2014/main" id="{D88718F2-F75B-FC44-96F1-35DAB334EDA8}"/>
+              </a:ext>
+            </a:extLst>
+          </p:cNvPr>
+          <p:cNvSpPr>
+            <a:spLocks noGrp="1"/>
+          </p:cNvSpPr>
+          <p:nvPr>
+            <p:ph type="title"/>
+          </p:nvPr>
+        </p:nvSpPr>
+        <p:spPr/>
+        <p:txBody>
+          <a:bodyPr/>
+          <a:lstStyle/>
+          <a:p>
+            <a:r>
+              <a:rPr lang="en-GB" dirty="0" err="1"/>
+              <a:t>update_bpm</a:t>
+            </a:r>
+            <a:r>
+              <a:rPr lang="en-GB" dirty="0"/>
+              <a:t>() function</a:t>
+            </a:r>
+          </a:p>
+        </p:txBody>
+      </p:sp>
+      <mc:AlternateContent xmlns:mc="http://schemas.openxmlformats.org/markup-compatibility/2006">
+        <mc:Choice xmlns:a14="http://schemas.microsoft.com/office/drawing/2010/main" Requires="a14">
+          <p:sp>
+            <p:nvSpPr>
+              <p:cNvPr id="3" name="Content Placeholder 2">
+                <a:extLst>
+                  <a:ext uri="{FF2B5EF4-FFF2-40B4-BE49-F238E27FC236}">
+                    <a16:creationId xmlns:a16="http://schemas.microsoft.com/office/drawing/2014/main" id="{523FDA2E-3A2C-CC4B-9FEA-3DD02C1EC30A}"/>
+                  </a:ext>
+                </a:extLst>
+              </p:cNvPr>
+              <p:cNvSpPr>
+                <a:spLocks noGrp="1"/>
+              </p:cNvSpPr>
+              <p:nvPr>
+                <p:ph idx="1"/>
+              </p:nvPr>
+            </p:nvSpPr>
+            <p:spPr/>
+            <p:txBody>
+              <a:bodyPr>
+                <a:normAutofit fontScale="92500" lnSpcReduction="20000"/>
+              </a:bodyPr>
+              <a:lstStyle/>
+              <a:p>
+                <a:pPr marL="514350" indent="-514350">
+                  <a:lnSpc>
+                    <a:spcPct val="120000"/>
+                  </a:lnSpc>
+                  <a:buFont typeface="+mj-lt"/>
+                  <a:buAutoNum type="arabicPeriod"/>
+                </a:pPr>
+                <a:r>
+                  <a:rPr lang="de-CH" dirty="0"/>
+                  <a:t>read analog </a:t>
+                </a:r>
+                <a:r>
+                  <a:rPr lang="de-CH" dirty="0" err="1"/>
+                  <a:t>input</a:t>
+                </a:r>
+                <a:r>
+                  <a:rPr lang="de-CH" dirty="0"/>
+                  <a:t> </a:t>
+                </a:r>
+              </a:p>
+              <a:p>
+                <a:pPr marL="514350" indent="-514350">
+                  <a:lnSpc>
+                    <a:spcPct val="120000"/>
+                  </a:lnSpc>
+                  <a:buFont typeface="+mj-lt"/>
+                  <a:buAutoNum type="arabicPeriod"/>
+                </a:pPr>
+                <a:r>
+                  <a:rPr lang="de-CH" dirty="0" err="1"/>
+                  <a:t>calculate</a:t>
+                </a:r>
+                <a:r>
+                  <a:rPr lang="de-CH" dirty="0"/>
+                  <a:t> </a:t>
+                </a:r>
+                <a:r>
+                  <a:rPr lang="de-CH" dirty="0" err="1"/>
+                  <a:t>bpm</a:t>
+                </a:r>
+                <a:r>
+                  <a:rPr lang="de-CH" dirty="0"/>
+                  <a:t> </a:t>
+                </a:r>
+                <a:r>
+                  <a:rPr lang="de-CH" dirty="0" err="1"/>
+                  <a:t>within</a:t>
+                </a:r>
+                <a:r>
+                  <a:rPr lang="de-CH" dirty="0"/>
+                  <a:t> </a:t>
+                </a:r>
+                <a:r>
+                  <a:rPr lang="de-CH" dirty="0" err="1"/>
+                  <a:t>defined</a:t>
+                </a:r>
+                <a:r>
+                  <a:rPr lang="de-CH" dirty="0"/>
+                  <a:t> </a:t>
+                </a:r>
+                <a:r>
+                  <a:rPr lang="de-CH" dirty="0" err="1"/>
+                  <a:t>range</a:t>
+                </a:r>
+                <a:r>
+                  <a:rPr lang="de-CH" dirty="0"/>
+                  <a:t> (40 - 200 </a:t>
+                </a:r>
+                <a:r>
+                  <a:rPr lang="de-CH" dirty="0" err="1"/>
+                  <a:t>bpm</a:t>
+                </a:r>
+                <a:r>
+                  <a:rPr lang="de-CH" dirty="0"/>
+                  <a:t>)</a:t>
+                </a:r>
+              </a:p>
+              <a:p>
+                <a:pPr marL="514350" indent="-514350">
+                  <a:lnSpc>
+                    <a:spcPct val="120000"/>
+                  </a:lnSpc>
+                  <a:buFont typeface="+mj-lt"/>
+                  <a:buAutoNum type="arabicPeriod"/>
+                </a:pPr>
+                <a:r>
+                  <a:rPr lang="de-CH" dirty="0" err="1"/>
+                  <a:t>calculate</a:t>
+                </a:r>
+                <a:r>
+                  <a:rPr lang="de-CH" dirty="0"/>
+                  <a:t> </a:t>
+                </a:r>
+                <a:r>
+                  <a:rPr lang="de-CH" dirty="0" err="1"/>
+                  <a:t>new</a:t>
+                </a:r>
+                <a:r>
+                  <a:rPr lang="de-CH" dirty="0"/>
+                  <a:t> </a:t>
+                </a:r>
+                <a:r>
+                  <a:rPr lang="de-CH" dirty="0" err="1"/>
+                  <a:t>prescaler</a:t>
+                </a:r>
+                <a:r>
+                  <a:rPr lang="de-CH" dirty="0"/>
+                  <a:t> </a:t>
+                </a:r>
+                <a:r>
+                  <a:rPr lang="de-CH" dirty="0" err="1"/>
+                  <a:t>value</a:t>
+                </a:r>
+                <a:br>
+                  <a:rPr lang="de-CH" dirty="0"/>
+                </a:br>
+                <a14:m>
+                  <m:oMath xmlns:m="http://schemas.openxmlformats.org/officeDocument/2006/math">
+                    <m:r>
+                      <a:rPr lang="de-CH" b="0" i="1" smtClean="0">
+                        <a:latin typeface="Cambria Math" panose="02040503050406030204" pitchFamily="18" charset="0"/>
+                      </a:rPr>
+                      <m:t>𝑝𝑟𝑒𝑠𝑐𝑎𝑙𝑒𝑟</m:t>
+                    </m:r>
+                    <m:r>
+                      <a:rPr lang="de-CH" b="0" i="1" smtClean="0">
+                        <a:latin typeface="Cambria Math" panose="02040503050406030204" pitchFamily="18" charset="0"/>
+                      </a:rPr>
+                      <m:t>= </m:t>
+                    </m:r>
+                    <m:f>
+                      <m:fPr>
+                        <m:ctrlPr>
+                          <a:rPr lang="de-CH" b="0" i="1" smtClean="0">
+                            <a:latin typeface="Cambria Math" panose="02040503050406030204" pitchFamily="18" charset="0"/>
+                          </a:rPr>
+                        </m:ctrlPr>
+                      </m:fPr>
+                      <m:num>
+                        <m:r>
+                          <a:rPr lang="de-CH" b="0" i="1" smtClean="0">
+                            <a:latin typeface="Cambria Math" panose="02040503050406030204" pitchFamily="18" charset="0"/>
+                          </a:rPr>
+                          <m:t>60⋅</m:t>
+                        </m:r>
+                        <m:r>
+                          <a:rPr lang="de-CH" b="0" i="1" smtClean="0">
+                            <a:latin typeface="Cambria Math" panose="02040503050406030204" pitchFamily="18" charset="0"/>
+                          </a:rPr>
+                          <m:t>𝑐𝑙𝑜𝑐𝑘𝑠𝑝𝑒𝑒𝑑</m:t>
+                        </m:r>
+                      </m:num>
+                      <m:den>
+                        <m:r>
+                          <a:rPr lang="de-CH" b="0" i="1" smtClean="0">
+                            <a:latin typeface="Cambria Math" panose="02040503050406030204" pitchFamily="18" charset="0"/>
+                          </a:rPr>
+                          <m:t>𝑏𝑝𝑚</m:t>
+                        </m:r>
+                        <m:r>
+                          <a:rPr lang="de-CH" b="0" i="1" smtClean="0">
+                            <a:latin typeface="Cambria Math" panose="02040503050406030204" pitchFamily="18" charset="0"/>
+                          </a:rPr>
+                          <m:t>⋅</m:t>
+                        </m:r>
+                        <m:r>
+                          <a:rPr lang="de-CH" b="0" i="1" smtClean="0">
+                            <a:latin typeface="Cambria Math" panose="02040503050406030204" pitchFamily="18" charset="0"/>
+                          </a:rPr>
+                          <m:t>𝑝𝑒𝑟𝑖𝑜𝑑</m:t>
+                        </m:r>
+                        <m:r>
+                          <a:rPr lang="de-CH" b="0" i="1" smtClean="0">
+                            <a:latin typeface="Cambria Math" panose="02040503050406030204" pitchFamily="18" charset="0"/>
+                          </a:rPr>
+                          <m:t>(</m:t>
+                        </m:r>
+                        <m:r>
+                          <a:rPr lang="de-CH" b="0" i="1" smtClean="0">
+                            <a:latin typeface="Cambria Math" panose="02040503050406030204" pitchFamily="18" charset="0"/>
+                          </a:rPr>
+                          <m:t>𝐴𝑅𝑅</m:t>
+                        </m:r>
+                        <m:r>
+                          <a:rPr lang="de-CH" b="0" i="1" smtClean="0">
+                            <a:latin typeface="Cambria Math" panose="02040503050406030204" pitchFamily="18" charset="0"/>
+                          </a:rPr>
+                          <m:t>)</m:t>
+                        </m:r>
+                      </m:den>
+                    </m:f>
+                  </m:oMath>
+                </a14:m>
+                <a:endParaRPr lang="de-CH" dirty="0"/>
+              </a:p>
+              <a:p>
+                <a:pPr marL="514350" indent="-514350">
+                  <a:lnSpc>
+                    <a:spcPct val="120000"/>
+                  </a:lnSpc>
+                  <a:buFont typeface="+mj-lt"/>
+                  <a:buAutoNum type="arabicPeriod"/>
+                </a:pPr>
+                <a:r>
+                  <a:rPr lang="de-CH" dirty="0" err="1"/>
+                  <a:t>set</a:t>
+                </a:r>
+                <a:r>
+                  <a:rPr lang="de-CH" dirty="0"/>
+                  <a:t> </a:t>
+                </a:r>
+                <a:r>
+                  <a:rPr lang="de-CH" dirty="0" err="1"/>
+                  <a:t>new</a:t>
+                </a:r>
+                <a:r>
+                  <a:rPr lang="de-CH" dirty="0"/>
+                  <a:t> </a:t>
+                </a:r>
+                <a:r>
+                  <a:rPr lang="de-CH" dirty="0" err="1"/>
+                  <a:t>prescaler</a:t>
+                </a:r>
+                <a:r>
+                  <a:rPr lang="de-CH" dirty="0"/>
+                  <a:t> </a:t>
+                </a:r>
+                <a:r>
+                  <a:rPr lang="de-CH" dirty="0" err="1"/>
+                  <a:t>value</a:t>
+                </a:r>
+                <a:r>
+                  <a:rPr lang="de-CH" dirty="0"/>
+                  <a:t> </a:t>
+                </a:r>
+                <a:r>
+                  <a:rPr lang="de-CH" dirty="0" err="1"/>
+                  <a:t>using</a:t>
+                </a:r>
+                <a:br>
+                  <a:rPr lang="de-CH" dirty="0"/>
+                </a:br>
+                <a:br>
+                  <a:rPr lang="de-CH" dirty="0"/>
+                </a:br>
+                <a:r>
+                  <a:rPr lang="de-CH" dirty="0"/>
+                  <a:t>	</a:t>
+                </a:r>
+                <a:r>
+                  <a:rPr lang="de-CH" sz="3500" dirty="0"/>
+                  <a:t>TIM6-&gt;PSC</a:t>
+                </a:r>
+                <a:br>
+                  <a:rPr lang="de-CH" dirty="0"/>
+                </a:br>
+                <a:endParaRPr lang="de-CH" dirty="0"/>
+              </a:p>
+              <a:p>
+                <a:endParaRPr lang="en-GB" dirty="0"/>
+              </a:p>
+            </p:txBody>
+          </p:sp>
+        </mc:Choice>
+        <mc:Fallback>
+          <p:sp>
+            <p:nvSpPr>
+              <p:cNvPr id="3" name="Content Placeholder 2">
+                <a:extLst>
+                  <a:ext uri="{FF2B5EF4-FFF2-40B4-BE49-F238E27FC236}">
+                    <a16:creationId xmlns:a16="http://schemas.microsoft.com/office/drawing/2014/main" id="{523FDA2E-3A2C-CC4B-9FEA-3DD02C1EC30A}"/>
+                  </a:ext>
+                </a:extLst>
+              </p:cNvPr>
+              <p:cNvSpPr>
+                <a:spLocks noGrp="1" noRot="1" noChangeAspect="1" noMove="1" noResize="1" noEditPoints="1" noAdjustHandles="1" noChangeArrowheads="1" noChangeShapeType="1" noTextEdit="1"/>
+              </p:cNvSpPr>
+              <p:nvPr>
+                <p:ph idx="1"/>
+              </p:nvPr>
+            </p:nvSpPr>
+            <p:spPr>
+              <a:blipFill>
+                <a:blip r:embed="rId2"/>
+                <a:stretch>
+                  <a:fillRect l="-965" t="-1754"/>
+                </a:stretch>
+              </a:blipFill>
+            </p:spPr>
+            <p:txBody>
+              <a:bodyPr/>
+              <a:lstStyle/>
+              <a:p>
+                <a:r>
+                  <a:rPr lang="en-GB">
+                    <a:noFill/>
+                  </a:rPr>
+                  <a:t> </a:t>
+                </a:r>
+              </a:p>
+            </p:txBody>
+          </p:sp>
+        </mc:Fallback>
+      </mc:AlternateContent>
+    </p:spTree>
+    <p:extLst>
+      <p:ext uri="{BB962C8B-B14F-4D97-AF65-F5344CB8AC3E}">
+        <p14:creationId xmlns:p14="http://schemas.microsoft.com/office/powerpoint/2010/main" val="98724130"/>
       </p:ext>
     </p:extLst>
   </p:cSld>
@@ -4703,370 +9125,20 @@
                       </p:childTnLst>
                     </p:cTn>
                   </p:par>
-                </p:childTnLst>
-              </p:cTn>
-              <p:prevCondLst>
-                <p:cond evt="onPrev" delay="0">
-                  <p:tgtEl>
-                    <p:sldTgt/>
-                  </p:tgtEl>
-                </p:cond>
-              </p:prevCondLst>
-              <p:nextCondLst>
-                <p:cond evt="onNext" delay="0">
-                  <p:tgtEl>
-                    <p:sldTgt/>
-                  </p:tgtEl>
-                </p:cond>
-              </p:nextCondLst>
-            </p:seq>
-          </p:childTnLst>
-        </p:cTn>
-      </p:par>
-    </p:tnLst>
-  </p:timing>
-</p:sld>
-</file>
-
-<file path=ppt/slides/slide6.xml><?xml version="1.0" encoding="utf-8"?>
-<p:sld xmlns:a="http://schemas.openxmlformats.org/drawingml/2006/main" xmlns:r="http://schemas.openxmlformats.org/officeDocument/2006/relationships" xmlns:p="http://schemas.openxmlformats.org/presentationml/2006/main">
-  <p:cSld>
-    <p:spTree>
-      <p:nvGrpSpPr>
-        <p:cNvPr id="1" name=""/>
-        <p:cNvGrpSpPr/>
-        <p:nvPr/>
-      </p:nvGrpSpPr>
-      <p:grpSpPr>
-        <a:xfrm>
-          <a:off x="0" y="0"/>
-          <a:ext cx="0" cy="0"/>
-          <a:chOff x="0" y="0"/>
-          <a:chExt cx="0" cy="0"/>
-        </a:xfrm>
-      </p:grpSpPr>
-      <p:sp>
-        <p:nvSpPr>
-          <p:cNvPr id="2" name="Title 1">
-            <a:extLst>
-              <a:ext uri="{FF2B5EF4-FFF2-40B4-BE49-F238E27FC236}">
-                <a16:creationId xmlns:a16="http://schemas.microsoft.com/office/drawing/2014/main" id="{AF25A60D-6226-6B4D-A313-6907E46A2F4E}"/>
-              </a:ext>
-            </a:extLst>
-          </p:cNvPr>
-          <p:cNvSpPr>
-            <a:spLocks noGrp="1"/>
-          </p:cNvSpPr>
-          <p:nvPr>
-            <p:ph type="title"/>
-          </p:nvPr>
-        </p:nvSpPr>
-        <p:spPr/>
-        <p:txBody>
-          <a:bodyPr/>
-          <a:lstStyle/>
-          <a:p>
-            <a:r>
-              <a:rPr lang="en-GB" dirty="0"/>
-              <a:t>Program flow</a:t>
-            </a:r>
-          </a:p>
-        </p:txBody>
-      </p:sp>
-      <p:sp>
-        <p:nvSpPr>
-          <p:cNvPr id="3" name="Content Placeholder 2">
-            <a:extLst>
-              <a:ext uri="{FF2B5EF4-FFF2-40B4-BE49-F238E27FC236}">
-                <a16:creationId xmlns:a16="http://schemas.microsoft.com/office/drawing/2014/main" id="{AA1BA6DB-F966-BC42-A0C0-D62E5E40E9EE}"/>
-              </a:ext>
-            </a:extLst>
-          </p:cNvPr>
-          <p:cNvSpPr>
-            <a:spLocks noGrp="1"/>
-          </p:cNvSpPr>
-          <p:nvPr>
-            <p:ph idx="1"/>
-          </p:nvPr>
-        </p:nvSpPr>
-        <p:spPr/>
-        <p:txBody>
-          <a:bodyPr>
-            <a:normAutofit/>
-          </a:bodyPr>
-          <a:lstStyle/>
-          <a:p>
-            <a:pPr marL="0" indent="0">
-              <a:buNone/>
-            </a:pPr>
-            <a:r>
-              <a:rPr lang="en-GB" b="1" dirty="0"/>
-              <a:t>Timer interrupt</a:t>
-            </a:r>
-          </a:p>
-          <a:p>
-            <a:r>
-              <a:rPr lang="en-GB" dirty="0"/>
-              <a:t>Trigger beep/blink function</a:t>
-            </a:r>
-            <a:endParaRPr lang="en-GB" b="1" dirty="0"/>
-          </a:p>
-          <a:p>
-            <a:pPr marL="0" indent="0">
-              <a:buNone/>
-            </a:pPr>
-            <a:endParaRPr lang="en-GB" b="1" dirty="0"/>
-          </a:p>
-          <a:p>
-            <a:pPr marL="0" indent="0">
-              <a:buNone/>
-            </a:pPr>
-            <a:r>
-              <a:rPr lang="en-GB" b="1" dirty="0"/>
-              <a:t>While loop</a:t>
-            </a:r>
-          </a:p>
-          <a:p>
-            <a:r>
-              <a:rPr lang="en-GB" dirty="0"/>
-              <a:t>Read inputs</a:t>
-            </a:r>
-          </a:p>
-          <a:p>
-            <a:r>
-              <a:rPr lang="en-GB" dirty="0"/>
-              <a:t>Update interrupt timer </a:t>
-            </a:r>
-            <a:r>
-              <a:rPr lang="en-GB" dirty="0" err="1"/>
-              <a:t>prescaler</a:t>
-            </a:r>
-            <a:r>
-              <a:rPr lang="en-GB" dirty="0"/>
-              <a:t> using </a:t>
-            </a:r>
-            <a:r>
-              <a:rPr lang="de-CH" dirty="0"/>
-              <a:t>TIM6-&gt;PSC</a:t>
-            </a:r>
-            <a:endParaRPr lang="en-GB" dirty="0"/>
-          </a:p>
-          <a:p>
-            <a:r>
-              <a:rPr lang="en-GB" dirty="0"/>
-              <a:t>Update display</a:t>
-            </a:r>
-          </a:p>
-          <a:p>
-            <a:endParaRPr lang="en-GB" dirty="0"/>
-          </a:p>
-        </p:txBody>
-      </p:sp>
-    </p:spTree>
-    <p:extLst>
-      <p:ext uri="{BB962C8B-B14F-4D97-AF65-F5344CB8AC3E}">
-        <p14:creationId xmlns:p14="http://schemas.microsoft.com/office/powerpoint/2010/main" val="1903802305"/>
-      </p:ext>
-    </p:extLst>
-  </p:cSld>
-  <p:clrMapOvr>
-    <a:masterClrMapping/>
-  </p:clrMapOvr>
-  <p:timing>
-    <p:tnLst>
-      <p:par>
-        <p:cTn id="1" dur="indefinite" restart="never" nodeType="tmRoot">
-          <p:childTnLst>
-            <p:seq concurrent="1" nextAc="seek">
-              <p:cTn id="2" dur="indefinite" nodeType="mainSeq">
-                <p:childTnLst>
                   <p:par>
-                    <p:cTn id="3" fill="hold">
+                    <p:cTn id="15" fill="hold">
                       <p:stCondLst>
                         <p:cond delay="indefinite"/>
                       </p:stCondLst>
                       <p:childTnLst>
                         <p:par>
-                          <p:cTn id="4" fill="hold">
+                          <p:cTn id="16" fill="hold">
                             <p:stCondLst>
                               <p:cond delay="0"/>
                             </p:stCondLst>
                             <p:childTnLst>
                               <p:par>
-                                <p:cTn id="5" presetID="1" presetClass="entr" presetSubtype="0" fill="hold" nodeType="clickEffect">
-                                  <p:stCondLst>
-                                    <p:cond delay="0"/>
-                                  </p:stCondLst>
-                                  <p:childTnLst>
-                                    <p:set>
-                                      <p:cBhvr>
-                                        <p:cTn id="6" dur="1" fill="hold">
-                                          <p:stCondLst>
-                                            <p:cond delay="0"/>
-                                          </p:stCondLst>
-                                        </p:cTn>
-                                        <p:tgtEl>
-                                          <p:spTgt spid="3">
-                                            <p:txEl>
-                                              <p:pRg st="0" end="0"/>
-                                            </p:txEl>
-                                          </p:spTgt>
-                                        </p:tgtEl>
-                                        <p:attrNameLst>
-                                          <p:attrName>style.visibility</p:attrName>
-                                        </p:attrNameLst>
-                                      </p:cBhvr>
-                                      <p:to>
-                                        <p:strVal val="visible"/>
-                                      </p:to>
-                                    </p:set>
-                                  </p:childTnLst>
-                                </p:cTn>
-                              </p:par>
-                              <p:par>
-                                <p:cTn id="7" presetID="1" presetClass="entr" presetSubtype="0" fill="hold" nodeType="withEffect">
-                                  <p:stCondLst>
-                                    <p:cond delay="0"/>
-                                  </p:stCondLst>
-                                  <p:childTnLst>
-                                    <p:set>
-                                      <p:cBhvr>
-                                        <p:cTn id="8" dur="1" fill="hold">
-                                          <p:stCondLst>
-                                            <p:cond delay="0"/>
-                                          </p:stCondLst>
-                                        </p:cTn>
-                                        <p:tgtEl>
-                                          <p:spTgt spid="3">
-                                            <p:txEl>
-                                              <p:pRg st="1" end="1"/>
-                                            </p:txEl>
-                                          </p:spTgt>
-                                        </p:tgtEl>
-                                        <p:attrNameLst>
-                                          <p:attrName>style.visibility</p:attrName>
-                                        </p:attrNameLst>
-                                      </p:cBhvr>
-                                      <p:to>
-                                        <p:strVal val="visible"/>
-                                      </p:to>
-                                    </p:set>
-                                  </p:childTnLst>
-                                </p:cTn>
-                              </p:par>
-                            </p:childTnLst>
-                          </p:cTn>
-                        </p:par>
-                      </p:childTnLst>
-                    </p:cTn>
-                  </p:par>
-                  <p:par>
-                    <p:cTn id="9" fill="hold">
-                      <p:stCondLst>
-                        <p:cond delay="indefinite"/>
-                      </p:stCondLst>
-                      <p:childTnLst>
-                        <p:par>
-                          <p:cTn id="10" fill="hold">
-                            <p:stCondLst>
-                              <p:cond delay="0"/>
-                            </p:stCondLst>
-                            <p:childTnLst>
-                              <p:par>
-                                <p:cTn id="11" presetID="1" presetClass="entr" presetSubtype="0" fill="hold" nodeType="clickEffect">
-                                  <p:stCondLst>
-                                    <p:cond delay="0"/>
-                                  </p:stCondLst>
-                                  <p:childTnLst>
-                                    <p:set>
-                                      <p:cBhvr>
-                                        <p:cTn id="12" dur="1" fill="hold">
-                                          <p:stCondLst>
-                                            <p:cond delay="0"/>
-                                          </p:stCondLst>
-                                        </p:cTn>
-                                        <p:tgtEl>
-                                          <p:spTgt spid="3">
-                                            <p:txEl>
-                                              <p:pRg st="3" end="3"/>
-                                            </p:txEl>
-                                          </p:spTgt>
-                                        </p:tgtEl>
-                                        <p:attrNameLst>
-                                          <p:attrName>style.visibility</p:attrName>
-                                        </p:attrNameLst>
-                                      </p:cBhvr>
-                                      <p:to>
-                                        <p:strVal val="visible"/>
-                                      </p:to>
-                                    </p:set>
-                                  </p:childTnLst>
-                                </p:cTn>
-                              </p:par>
-                              <p:par>
-                                <p:cTn id="13" presetID="1" presetClass="entr" presetSubtype="0" fill="hold" nodeType="withEffect">
-                                  <p:stCondLst>
-                                    <p:cond delay="0"/>
-                                  </p:stCondLst>
-                                  <p:childTnLst>
-                                    <p:set>
-                                      <p:cBhvr>
-                                        <p:cTn id="14" dur="1" fill="hold">
-                                          <p:stCondLst>
-                                            <p:cond delay="0"/>
-                                          </p:stCondLst>
-                                        </p:cTn>
-                                        <p:tgtEl>
-                                          <p:spTgt spid="3">
-                                            <p:txEl>
-                                              <p:pRg st="4" end="4"/>
-                                            </p:txEl>
-                                          </p:spTgt>
-                                        </p:tgtEl>
-                                        <p:attrNameLst>
-                                          <p:attrName>style.visibility</p:attrName>
-                                        </p:attrNameLst>
-                                      </p:cBhvr>
-                                      <p:to>
-                                        <p:strVal val="visible"/>
-                                      </p:to>
-                                    </p:set>
-                                  </p:childTnLst>
-                                </p:cTn>
-                              </p:par>
-                              <p:par>
-                                <p:cTn id="15" presetID="1" presetClass="entr" presetSubtype="0" fill="hold" nodeType="withEffect">
-                                  <p:stCondLst>
-                                    <p:cond delay="0"/>
-                                  </p:stCondLst>
-                                  <p:childTnLst>
-                                    <p:set>
-                                      <p:cBhvr>
-                                        <p:cTn id="16" dur="1" fill="hold">
-                                          <p:stCondLst>
-                                            <p:cond delay="0"/>
-                                          </p:stCondLst>
-                                        </p:cTn>
-                                        <p:tgtEl>
-                                          <p:spTgt spid="3">
-                                            <p:txEl>
-                                              <p:pRg st="5" end="5"/>
-                                            </p:txEl>
-                                          </p:spTgt>
-                                        </p:tgtEl>
-                                        <p:attrNameLst>
-                                          <p:attrName>style.visibility</p:attrName>
-                                        </p:attrNameLst>
-                                      </p:cBhvr>
-                                      <p:to>
-                                        <p:strVal val="visible"/>
-                                      </p:to>
-                                    </p:set>
-                                  </p:childTnLst>
-                                </p:cTn>
-                              </p:par>
-                              <p:par>
-                                <p:cTn id="17" presetID="1" presetClass="entr" presetSubtype="0" fill="hold" nodeType="withEffect">
+                                <p:cTn id="17" presetID="1" presetClass="entr" presetSubtype="0" fill="hold" nodeType="clickEffect">
                                   <p:stCondLst>
                                     <p:cond delay="0"/>
                                   </p:stCondLst>
@@ -5081,7 +9153,7 @@
                                         <p:tgtEl>
                                           <p:spTgt spid="3">
                                             <p:txEl>
-                                              <p:pRg st="6" end="6"/>
+                                              <p:pRg st="3" end="3"/>
                                             </p:txEl>
                                           </p:spTgt>
                                         </p:tgtEl>
@@ -5127,74 +9199,10 @@
 </p:sld>
 </file>
 
-<file path=ppt/slides/slide7.xml><?xml version="1.0" encoding="utf-8"?>
-<p:sld xmlns:a="http://schemas.openxmlformats.org/drawingml/2006/main" xmlns:r="http://schemas.openxmlformats.org/officeDocument/2006/relationships" xmlns:p="http://schemas.openxmlformats.org/presentationml/2006/main">
-  <p:cSld>
-    <p:spTree>
-      <p:nvGrpSpPr>
-        <p:cNvPr id="1" name=""/>
-        <p:cNvGrpSpPr/>
-        <p:nvPr/>
-      </p:nvGrpSpPr>
-      <p:grpSpPr>
-        <a:xfrm>
-          <a:off x="0" y="0"/>
-          <a:ext cx="0" cy="0"/>
-          <a:chOff x="0" y="0"/>
-          <a:chExt cx="0" cy="0"/>
-        </a:xfrm>
-      </p:grpSpPr>
-      <p:sp>
-        <p:nvSpPr>
-          <p:cNvPr id="2" name="Title 1">
-            <a:extLst>
-              <a:ext uri="{FF2B5EF4-FFF2-40B4-BE49-F238E27FC236}">
-                <a16:creationId xmlns:a16="http://schemas.microsoft.com/office/drawing/2014/main" id="{E148B472-6E80-7448-8C65-90DF5663732E}"/>
-              </a:ext>
-            </a:extLst>
-          </p:cNvPr>
-          <p:cNvSpPr>
-            <a:spLocks noGrp="1"/>
-          </p:cNvSpPr>
-          <p:nvPr>
-            <p:ph type="title"/>
-          </p:nvPr>
-        </p:nvSpPr>
-        <p:spPr>
-          <a:xfrm>
-            <a:off x="838200" y="2752726"/>
-            <a:ext cx="10515600" cy="1325563"/>
-          </a:xfrm>
-        </p:spPr>
-        <p:txBody>
-          <a:bodyPr/>
-          <a:lstStyle/>
-          <a:p>
-            <a:pPr algn="ctr"/>
-            <a:r>
-              <a:rPr lang="en-GB" dirty="0"/>
-              <a:t>Demonstration</a:t>
-            </a:r>
-          </a:p>
-        </p:txBody>
-      </p:sp>
-    </p:spTree>
-    <p:extLst>
-      <p:ext uri="{BB962C8B-B14F-4D97-AF65-F5344CB8AC3E}">
-        <p14:creationId xmlns:p14="http://schemas.microsoft.com/office/powerpoint/2010/main" val="2247662811"/>
-      </p:ext>
-    </p:extLst>
-  </p:cSld>
-  <p:clrMapOvr>
-    <a:masterClrMapping/>
-  </p:clrMapOvr>
-</p:sld>
-</file>
-
 <file path=ppt/theme/theme1.xml><?xml version="1.0" encoding="utf-8"?>
 <a:theme xmlns:a="http://schemas.openxmlformats.org/drawingml/2006/main" name="Office Theme">
   <a:themeElements>
-    <a:clrScheme name="Office">
+    <a:clrScheme name="Office Theme">
       <a:dk1>
         <a:sysClr val="windowText" lastClr="000000"/>
       </a:dk1>
@@ -5232,7 +9240,7 @@
         <a:srgbClr val="954F72"/>
       </a:folHlink>
     </a:clrScheme>
-    <a:fontScheme name="Office">
+    <a:fontScheme name="Office Theme">
       <a:majorFont>
         <a:latin typeface="Calibri Light" panose="020F0302020204030204"/>
         <a:ea typeface=""/>
@@ -5267,23 +9275,6 @@
         <a:font script="Viet" typeface="Times New Roman"/>
         <a:font script="Uigh" typeface="Microsoft Uighur"/>
         <a:font script="Geor" typeface="Sylfaen"/>
-        <a:font script="Armn" typeface="Arial"/>
-        <a:font script="Bugi" typeface="Leelawadee UI"/>
-        <a:font script="Bopo" typeface="Microsoft JhengHei"/>
-        <a:font script="Java" typeface="Javanese Text"/>
-        <a:font script="Lisu" typeface="Segoe UI"/>
-        <a:font script="Mymr" typeface="Myanmar Text"/>
-        <a:font script="Nkoo" typeface="Ebrima"/>
-        <a:font script="Olck" typeface="Nirmala UI"/>
-        <a:font script="Osma" typeface="Ebrima"/>
-        <a:font script="Phag" typeface="Phagspa"/>
-        <a:font script="Syrn" typeface="Estrangelo Edessa"/>
-        <a:font script="Syrj" typeface="Estrangelo Edessa"/>
-        <a:font script="Syre" typeface="Estrangelo Edessa"/>
-        <a:font script="Sora" typeface="Nirmala UI"/>
-        <a:font script="Tale" typeface="Microsoft Tai Le"/>
-        <a:font script="Talu" typeface="Microsoft New Tai Lue"/>
-        <a:font script="Tfng" typeface="Ebrima"/>
       </a:majorFont>
       <a:minorFont>
         <a:latin typeface="Calibri" panose="020F0502020204030204"/>
@@ -5319,26 +9310,9 @@
         <a:font script="Viet" typeface="Arial"/>
         <a:font script="Uigh" typeface="Microsoft Uighur"/>
         <a:font script="Geor" typeface="Sylfaen"/>
-        <a:font script="Armn" typeface="Arial"/>
-        <a:font script="Bugi" typeface="Leelawadee UI"/>
-        <a:font script="Bopo" typeface="Microsoft JhengHei"/>
-        <a:font script="Java" typeface="Javanese Text"/>
-        <a:font script="Lisu" typeface="Segoe UI"/>
-        <a:font script="Mymr" typeface="Myanmar Text"/>
-        <a:font script="Nkoo" typeface="Ebrima"/>
-        <a:font script="Olck" typeface="Nirmala UI"/>
-        <a:font script="Osma" typeface="Ebrima"/>
-        <a:font script="Phag" typeface="Phagspa"/>
-        <a:font script="Syrn" typeface="Estrangelo Edessa"/>
-        <a:font script="Syrj" typeface="Estrangelo Edessa"/>
-        <a:font script="Syre" typeface="Estrangelo Edessa"/>
-        <a:font script="Sora" typeface="Nirmala UI"/>
-        <a:font script="Tale" typeface="Microsoft Tai Le"/>
-        <a:font script="Talu" typeface="Microsoft New Tai Lue"/>
-        <a:font script="Tfng" typeface="Ebrima"/>
       </a:minorFont>
     </a:fontScheme>
-    <a:fmtScheme name="Office">
+    <a:fmtScheme name="Office Theme">
       <a:fillStyleLst>
         <a:solidFill>
           <a:schemeClr val="phClr"/>
@@ -5480,7 +9454,7 @@
   <a:extraClrSchemeLst/>
   <a:extLst>
     <a:ext uri="{05A4C25C-085E-4340-85A3-A5531E510DB2}">
-      <thm15:themeFamily xmlns:thm15="http://schemas.microsoft.com/office/thememl/2012/main" name="Office Theme" id="{62F939B6-93AF-4DB8-9C6B-D6C7DFDC589F}" vid="{4A3C46E8-61CC-4603-A589-7422A47A8E4A}"/>
+      <thm15:themeFamily xmlns:thm15="http://schemas.microsoft.com/office/thememl/2012/main" name="Office Theme" id="{62F939B6-93AF-4DB8-9C6B-D6C7DFDC589F}" vid="{4F46216B-77A9-411A-B9D3-5023FCB70208}"/>
     </a:ext>
   </a:extLst>
 </a:theme>

--- a/presentation.pptx
+++ b/presentation.pptx
@@ -5,19 +5,20 @@
     <p:sldMasterId id="2147483684" r:id="rId1"/>
   </p:sldMasterIdLst>
   <p:sldIdLst>
-    <p:sldId id="263" r:id="rId2"/>
-    <p:sldId id="264" r:id="rId3"/>
-    <p:sldId id="257" r:id="rId4"/>
-    <p:sldId id="258" r:id="rId5"/>
-    <p:sldId id="260" r:id="rId6"/>
-    <p:sldId id="261" r:id="rId7"/>
-    <p:sldId id="265" r:id="rId8"/>
-    <p:sldId id="267" r:id="rId9"/>
-    <p:sldId id="266" r:id="rId10"/>
-    <p:sldId id="270" r:id="rId11"/>
-    <p:sldId id="269" r:id="rId12"/>
-    <p:sldId id="268" r:id="rId13"/>
-    <p:sldId id="262" r:id="rId14"/>
+    <p:sldId id="272" r:id="rId2"/>
+    <p:sldId id="263" r:id="rId3"/>
+    <p:sldId id="264" r:id="rId4"/>
+    <p:sldId id="257" r:id="rId5"/>
+    <p:sldId id="258" r:id="rId6"/>
+    <p:sldId id="260" r:id="rId7"/>
+    <p:sldId id="261" r:id="rId8"/>
+    <p:sldId id="265" r:id="rId9"/>
+    <p:sldId id="267" r:id="rId10"/>
+    <p:sldId id="266" r:id="rId11"/>
+    <p:sldId id="270" r:id="rId12"/>
+    <p:sldId id="269" r:id="rId13"/>
+    <p:sldId id="268" r:id="rId14"/>
+    <p:sldId id="262" r:id="rId15"/>
   </p:sldIdLst>
   <p:sldSz cx="12192000" cy="6858000"/>
   <p:notesSz cx="6858000" cy="9144000"/>
@@ -255,7 +256,7 @@
           <a:p>
             <a:fld id="{E57EA69A-F6CE-5E47-8D8A-CC0506B88AAC}" type="datetimeFigureOut">
               <a:rPr lang="en-GB" smtClean="0"/>
-              <a:t>16/12/2019</a:t>
+              <a:t>17/12/2019</a:t>
             </a:fld>
             <a:endParaRPr lang="en-GB"/>
           </a:p>
@@ -425,7 +426,7 @@
           <a:p>
             <a:fld id="{E57EA69A-F6CE-5E47-8D8A-CC0506B88AAC}" type="datetimeFigureOut">
               <a:rPr lang="en-GB" smtClean="0"/>
-              <a:t>16/12/2019</a:t>
+              <a:t>17/12/2019</a:t>
             </a:fld>
             <a:endParaRPr lang="en-GB"/>
           </a:p>
@@ -605,7 +606,7 @@
           <a:p>
             <a:fld id="{E57EA69A-F6CE-5E47-8D8A-CC0506B88AAC}" type="datetimeFigureOut">
               <a:rPr lang="en-GB" smtClean="0"/>
-              <a:t>16/12/2019</a:t>
+              <a:t>17/12/2019</a:t>
             </a:fld>
             <a:endParaRPr lang="en-GB"/>
           </a:p>
@@ -775,7 +776,7 @@
           <a:p>
             <a:fld id="{E57EA69A-F6CE-5E47-8D8A-CC0506B88AAC}" type="datetimeFigureOut">
               <a:rPr lang="en-GB" smtClean="0"/>
-              <a:t>16/12/2019</a:t>
+              <a:t>17/12/2019</a:t>
             </a:fld>
             <a:endParaRPr lang="en-GB"/>
           </a:p>
@@ -1021,7 +1022,7 @@
           <a:p>
             <a:fld id="{E57EA69A-F6CE-5E47-8D8A-CC0506B88AAC}" type="datetimeFigureOut">
               <a:rPr lang="en-GB" smtClean="0"/>
-              <a:t>16/12/2019</a:t>
+              <a:t>17/12/2019</a:t>
             </a:fld>
             <a:endParaRPr lang="en-GB"/>
           </a:p>
@@ -1253,7 +1254,7 @@
           <a:p>
             <a:fld id="{E57EA69A-F6CE-5E47-8D8A-CC0506B88AAC}" type="datetimeFigureOut">
               <a:rPr lang="en-GB" smtClean="0"/>
-              <a:t>16/12/2019</a:t>
+              <a:t>17/12/2019</a:t>
             </a:fld>
             <a:endParaRPr lang="en-GB"/>
           </a:p>
@@ -1620,7 +1621,7 @@
           <a:p>
             <a:fld id="{E57EA69A-F6CE-5E47-8D8A-CC0506B88AAC}" type="datetimeFigureOut">
               <a:rPr lang="en-GB" smtClean="0"/>
-              <a:t>16/12/2019</a:t>
+              <a:t>17/12/2019</a:t>
             </a:fld>
             <a:endParaRPr lang="en-GB"/>
           </a:p>
@@ -1738,7 +1739,7 @@
           <a:p>
             <a:fld id="{E57EA69A-F6CE-5E47-8D8A-CC0506B88AAC}" type="datetimeFigureOut">
               <a:rPr lang="en-GB" smtClean="0"/>
-              <a:t>16/12/2019</a:t>
+              <a:t>17/12/2019</a:t>
             </a:fld>
             <a:endParaRPr lang="en-GB"/>
           </a:p>
@@ -1833,7 +1834,7 @@
           <a:p>
             <a:fld id="{E57EA69A-F6CE-5E47-8D8A-CC0506B88AAC}" type="datetimeFigureOut">
               <a:rPr lang="en-GB" smtClean="0"/>
-              <a:t>16/12/2019</a:t>
+              <a:t>17/12/2019</a:t>
             </a:fld>
             <a:endParaRPr lang="en-GB"/>
           </a:p>
@@ -2110,7 +2111,7 @@
           <a:p>
             <a:fld id="{E57EA69A-F6CE-5E47-8D8A-CC0506B88AAC}" type="datetimeFigureOut">
               <a:rPr lang="en-GB" smtClean="0"/>
-              <a:t>16/12/2019</a:t>
+              <a:t>17/12/2019</a:t>
             </a:fld>
             <a:endParaRPr lang="en-GB"/>
           </a:p>
@@ -2367,7 +2368,7 @@
           <a:p>
             <a:fld id="{E57EA69A-F6CE-5E47-8D8A-CC0506B88AAC}" type="datetimeFigureOut">
               <a:rPr lang="en-GB" smtClean="0"/>
-              <a:t>16/12/2019</a:t>
+              <a:t>17/12/2019</a:t>
             </a:fld>
             <a:endParaRPr lang="en-GB"/>
           </a:p>
@@ -2580,7 +2581,7 @@
           <a:p>
             <a:fld id="{E57EA69A-F6CE-5E47-8D8A-CC0506B88AAC}" type="datetimeFigureOut">
               <a:rPr lang="en-GB" smtClean="0"/>
-              <a:t>16/12/2019</a:t>
+              <a:t>17/12/2019</a:t>
             </a:fld>
             <a:endParaRPr lang="en-GB"/>
           </a:p>
@@ -2990,7 +2991,7 @@
           <p:cNvPr id="2" name="Title 1">
             <a:extLst>
               <a:ext uri="{FF2B5EF4-FFF2-40B4-BE49-F238E27FC236}">
-                <a16:creationId xmlns:a16="http://schemas.microsoft.com/office/drawing/2014/main" id="{818CB20A-2FB7-5A40-8811-FFA010C5C1DC}"/>
+                <a16:creationId xmlns:a16="http://schemas.microsoft.com/office/drawing/2014/main" id="{57C84CD4-8A92-2F45-8717-4745B6502B38}"/>
               </a:ext>
             </a:extLst>
           </p:cNvPr>
@@ -3008,58 +3009,17 @@
           <a:p>
             <a:r>
               <a:rPr lang="en-GB" dirty="0"/>
-              <a:t>metronomes</a:t>
-            </a:r>
-          </a:p>
-        </p:txBody>
-      </p:sp>
-      <p:sp>
-        <p:nvSpPr>
-          <p:cNvPr id="3" name="Content Placeholder 2">
-            <a:extLst>
-              <a:ext uri="{FF2B5EF4-FFF2-40B4-BE49-F238E27FC236}">
-                <a16:creationId xmlns:a16="http://schemas.microsoft.com/office/drawing/2014/main" id="{8D37FAED-44E4-284E-A0F1-134ABAA088A2}"/>
-              </a:ext>
-            </a:extLst>
-          </p:cNvPr>
-          <p:cNvSpPr>
-            <a:spLocks noGrp="1"/>
-          </p:cNvSpPr>
-          <p:nvPr>
-            <p:ph idx="1"/>
-          </p:nvPr>
-        </p:nvSpPr>
-        <p:spPr/>
-        <p:txBody>
-          <a:bodyPr/>
-          <a:lstStyle/>
-          <a:p>
-            <a:pPr marL="0" indent="0">
-              <a:buNone/>
-            </a:pPr>
-            <a:r>
-              <a:rPr lang="en-GB" dirty="0"/>
-              <a:t>produce audible click or other sound at a regular interval </a:t>
-            </a:r>
-            <a:br>
-              <a:rPr lang="en-GB" dirty="0"/>
-            </a:br>
-            <a:endParaRPr lang="en-GB" dirty="0"/>
-          </a:p>
-          <a:p>
-            <a:endParaRPr lang="en-GB" dirty="0"/>
-          </a:p>
-          <a:p>
-            <a:endParaRPr lang="en-GB" dirty="0"/>
+              <a:t>serial robots</a:t>
+            </a:r>
           </a:p>
         </p:txBody>
       </p:sp>
       <p:pic>
         <p:nvPicPr>
-          <p:cNvPr id="1026" name="Picture 2" descr="GLEAM Metronome - Piano Metronome Machanical Metal Movement with Free Bag">
+          <p:cNvPr id="4" name="Picture 2" descr="Bildergebnis für servo serial robot">
             <a:extLst>
               <a:ext uri="{FF2B5EF4-FFF2-40B4-BE49-F238E27FC236}">
-                <a16:creationId xmlns:a16="http://schemas.microsoft.com/office/drawing/2014/main" id="{1F5DF89A-0418-9C4B-8860-1AF2A3B6A64E}"/>
+                <a16:creationId xmlns:a16="http://schemas.microsoft.com/office/drawing/2014/main" id="{EC0D7125-0ACD-F342-B27D-FD8D7F64220E}"/>
               </a:ext>
             </a:extLst>
           </p:cNvPr>
@@ -3083,8 +3043,8 @@
         </p:blipFill>
         <p:spPr bwMode="auto">
           <a:xfrm>
-            <a:off x="1181100" y="2634457"/>
-            <a:ext cx="2191106" cy="3542506"/>
+            <a:off x="3641312" y="1420164"/>
+            <a:ext cx="4909375" cy="5236667"/>
           </a:xfrm>
           <a:prstGeom prst="rect">
             <a:avLst/>
@@ -3101,102 +3061,581 @@
           </a:extLst>
         </p:spPr>
       </p:pic>
-      <p:pic>
-        <p:nvPicPr>
-          <p:cNvPr id="1028" name="Picture 4" descr="Bildergebnis für metronome">
+      <p:grpSp>
+        <p:nvGrpSpPr>
+          <p:cNvPr id="10" name="Group 9">
             <a:extLst>
               <a:ext uri="{FF2B5EF4-FFF2-40B4-BE49-F238E27FC236}">
-                <a16:creationId xmlns:a16="http://schemas.microsoft.com/office/drawing/2014/main" id="{20827E62-1649-FF4B-8FCD-6EEB0A5B656B}"/>
+                <a16:creationId xmlns:a16="http://schemas.microsoft.com/office/drawing/2014/main" id="{F8E03C68-B310-2D4C-995F-9D2D945D2F8B}"/>
               </a:ext>
             </a:extLst>
           </p:cNvPr>
-          <p:cNvPicPr>
-            <a:picLocks noChangeAspect="1" noChangeArrowheads="1"/>
-          </p:cNvPicPr>
+          <p:cNvGrpSpPr/>
           <p:nvPr/>
-        </p:nvPicPr>
-        <p:blipFill>
-          <a:blip r:embed="rId3">
-            <a:extLst>
-              <a:ext uri="{28A0092B-C50C-407E-A947-70E740481C1C}">
-                <a14:useLocalDpi xmlns:a14="http://schemas.microsoft.com/office/drawing/2010/main" val="0"/>
-              </a:ext>
-            </a:extLst>
-          </a:blip>
-          <a:srcRect/>
-          <a:stretch>
-            <a:fillRect/>
-          </a:stretch>
-        </p:blipFill>
-        <p:spPr bwMode="auto">
+        </p:nvGrpSpPr>
+        <p:grpSpPr>
           <a:xfrm>
-            <a:off x="4965596" y="2634457"/>
-            <a:ext cx="2260808" cy="3542506"/>
+            <a:off x="4557713" y="700088"/>
+            <a:ext cx="3243262" cy="614362"/>
+            <a:chOff x="4557713" y="700088"/>
+            <a:chExt cx="3243262" cy="614362"/>
           </a:xfrm>
-          <a:prstGeom prst="rect">
-            <a:avLst/>
-          </a:prstGeom>
-          <a:noFill/>
-          <a:extLst>
-            <a:ext uri="{909E8E84-426E-40DD-AFC4-6F175D3DCCD1}">
-              <a14:hiddenFill xmlns:a14="http://schemas.microsoft.com/office/drawing/2010/main">
-                <a:solidFill>
-                  <a:srgbClr val="FFFFFF"/>
-                </a:solidFill>
-              </a14:hiddenFill>
-            </a:ext>
-          </a:extLst>
-        </p:spPr>
-      </p:pic>
-      <p:pic>
-        <p:nvPicPr>
-          <p:cNvPr id="1030" name="Picture 6" descr="Bildergebnis für metronome">
+        </p:grpSpPr>
+        <p:cxnSp>
+          <p:nvCxnSpPr>
+            <p:cNvPr id="6" name="Straight Connector 5">
+              <a:extLst>
+                <a:ext uri="{FF2B5EF4-FFF2-40B4-BE49-F238E27FC236}">
+                  <a16:creationId xmlns:a16="http://schemas.microsoft.com/office/drawing/2014/main" id="{5B24DD3F-2C0A-8C44-B034-BC276775B121}"/>
+                </a:ext>
+              </a:extLst>
+            </p:cNvPr>
+            <p:cNvCxnSpPr/>
+            <p:nvPr/>
+          </p:nvCxnSpPr>
+          <p:spPr>
+            <a:xfrm flipV="1">
+              <a:off x="4557713" y="700088"/>
+              <a:ext cx="3243262" cy="614362"/>
+            </a:xfrm>
+            <a:prstGeom prst="line">
+              <a:avLst/>
+            </a:prstGeom>
+            <a:ln w="76200">
+              <a:solidFill>
+                <a:srgbClr val="FF0000"/>
+              </a:solidFill>
+            </a:ln>
+          </p:spPr>
+          <p:style>
+            <a:lnRef idx="1">
+              <a:schemeClr val="accent1"/>
+            </a:lnRef>
+            <a:fillRef idx="0">
+              <a:schemeClr val="accent1"/>
+            </a:fillRef>
+            <a:effectRef idx="0">
+              <a:schemeClr val="accent1"/>
+            </a:effectRef>
+            <a:fontRef idx="minor">
+              <a:schemeClr val="tx1"/>
+            </a:fontRef>
+          </p:style>
+        </p:cxnSp>
+        <p:cxnSp>
+          <p:nvCxnSpPr>
+            <p:cNvPr id="7" name="Straight Connector 6">
+              <a:extLst>
+                <a:ext uri="{FF2B5EF4-FFF2-40B4-BE49-F238E27FC236}">
+                  <a16:creationId xmlns:a16="http://schemas.microsoft.com/office/drawing/2014/main" id="{54A54DC1-2EF0-3543-B960-F3DDEF63CD01}"/>
+                </a:ext>
+              </a:extLst>
+            </p:cNvPr>
+            <p:cNvCxnSpPr>
+              <a:cxnSpLocks/>
+            </p:cNvCxnSpPr>
+            <p:nvPr/>
+          </p:nvCxnSpPr>
+          <p:spPr>
+            <a:xfrm>
+              <a:off x="4557713" y="700088"/>
+              <a:ext cx="3243262" cy="614362"/>
+            </a:xfrm>
+            <a:prstGeom prst="line">
+              <a:avLst/>
+            </a:prstGeom>
+            <a:ln w="76200">
+              <a:solidFill>
+                <a:srgbClr val="FF0000"/>
+              </a:solidFill>
+            </a:ln>
+          </p:spPr>
+          <p:style>
+            <a:lnRef idx="1">
+              <a:schemeClr val="accent1"/>
+            </a:lnRef>
+            <a:fillRef idx="0">
+              <a:schemeClr val="accent1"/>
+            </a:fillRef>
+            <a:effectRef idx="0">
+              <a:schemeClr val="accent1"/>
+            </a:effectRef>
+            <a:fontRef idx="minor">
+              <a:schemeClr val="tx1"/>
+            </a:fontRef>
+          </p:style>
+        </p:cxnSp>
+      </p:grpSp>
+    </p:spTree>
+    <p:extLst>
+      <p:ext uri="{BB962C8B-B14F-4D97-AF65-F5344CB8AC3E}">
+        <p14:creationId xmlns:p14="http://schemas.microsoft.com/office/powerpoint/2010/main" val="2977210356"/>
+      </p:ext>
+    </p:extLst>
+  </p:cSld>
+  <p:clrMapOvr>
+    <a:masterClrMapping/>
+  </p:clrMapOvr>
+  <p:timing>
+    <p:tnLst>
+      <p:par>
+        <p:cTn id="1" dur="indefinite" restart="never" nodeType="tmRoot">
+          <p:childTnLst>
+            <p:seq concurrent="1" nextAc="seek">
+              <p:cTn id="2" dur="indefinite" nodeType="mainSeq">
+                <p:childTnLst>
+                  <p:par>
+                    <p:cTn id="3" fill="hold">
+                      <p:stCondLst>
+                        <p:cond delay="indefinite"/>
+                      </p:stCondLst>
+                      <p:childTnLst>
+                        <p:par>
+                          <p:cTn id="4" fill="hold">
+                            <p:stCondLst>
+                              <p:cond delay="0"/>
+                            </p:stCondLst>
+                            <p:childTnLst>
+                              <p:par>
+                                <p:cTn id="5" presetID="1" presetClass="entr" presetSubtype="0" fill="hold" nodeType="clickEffect">
+                                  <p:stCondLst>
+                                    <p:cond delay="0"/>
+                                  </p:stCondLst>
+                                  <p:childTnLst>
+                                    <p:set>
+                                      <p:cBhvr>
+                                        <p:cTn id="6" dur="1" fill="hold">
+                                          <p:stCondLst>
+                                            <p:cond delay="0"/>
+                                          </p:stCondLst>
+                                        </p:cTn>
+                                        <p:tgtEl>
+                                          <p:spTgt spid="10"/>
+                                        </p:tgtEl>
+                                        <p:attrNameLst>
+                                          <p:attrName>style.visibility</p:attrName>
+                                        </p:attrNameLst>
+                                      </p:cBhvr>
+                                      <p:to>
+                                        <p:strVal val="visible"/>
+                                      </p:to>
+                                    </p:set>
+                                  </p:childTnLst>
+                                </p:cTn>
+                              </p:par>
+                            </p:childTnLst>
+                          </p:cTn>
+                        </p:par>
+                      </p:childTnLst>
+                    </p:cTn>
+                  </p:par>
+                </p:childTnLst>
+              </p:cTn>
+              <p:prevCondLst>
+                <p:cond evt="onPrev" delay="0">
+                  <p:tgtEl>
+                    <p:sldTgt/>
+                  </p:tgtEl>
+                </p:cond>
+              </p:prevCondLst>
+              <p:nextCondLst>
+                <p:cond evt="onNext" delay="0">
+                  <p:tgtEl>
+                    <p:sldTgt/>
+                  </p:tgtEl>
+                </p:cond>
+              </p:nextCondLst>
+            </p:seq>
+          </p:childTnLst>
+        </p:cTn>
+      </p:par>
+    </p:tnLst>
+  </p:timing>
+</p:sld>
+</file>
+
+<file path=ppt/slides/slide10.xml><?xml version="1.0" encoding="utf-8"?>
+<p:sld xmlns:a="http://schemas.openxmlformats.org/drawingml/2006/main" xmlns:r="http://schemas.openxmlformats.org/officeDocument/2006/relationships" xmlns:p="http://schemas.openxmlformats.org/presentationml/2006/main">
+  <p:cSld>
+    <p:spTree>
+      <p:nvGrpSpPr>
+        <p:cNvPr id="1" name=""/>
+        <p:cNvGrpSpPr/>
+        <p:nvPr/>
+      </p:nvGrpSpPr>
+      <p:grpSpPr>
+        <a:xfrm>
+          <a:off x="0" y="0"/>
+          <a:ext cx="0" cy="0"/>
+          <a:chOff x="0" y="0"/>
+          <a:chExt cx="0" cy="0"/>
+        </a:xfrm>
+      </p:grpSpPr>
+      <p:sp>
+        <p:nvSpPr>
+          <p:cNvPr id="2" name="Title 1">
             <a:extLst>
               <a:ext uri="{FF2B5EF4-FFF2-40B4-BE49-F238E27FC236}">
-                <a16:creationId xmlns:a16="http://schemas.microsoft.com/office/drawing/2014/main" id="{4496A99C-A5F8-4C46-B2E1-A2D429EBFA1C}"/>
+                <a16:creationId xmlns:a16="http://schemas.microsoft.com/office/drawing/2014/main" id="{D88718F2-F75B-FC44-96F1-35DAB334EDA8}"/>
               </a:ext>
             </a:extLst>
           </p:cNvPr>
-          <p:cNvPicPr>
-            <a:picLocks noChangeAspect="1" noChangeArrowheads="1"/>
-          </p:cNvPicPr>
-          <p:nvPr/>
-        </p:nvPicPr>
-        <p:blipFill rotWithShape="1">
-          <a:blip r:embed="rId4">
-            <a:extLst>
-              <a:ext uri="{28A0092B-C50C-407E-A947-70E740481C1C}">
-                <a14:useLocalDpi xmlns:a14="http://schemas.microsoft.com/office/drawing/2010/main" val="0"/>
-              </a:ext>
-            </a:extLst>
-          </a:blip>
-          <a:srcRect l="16241" r="19494"/>
-          <a:stretch/>
-        </p:blipFill>
-        <p:spPr bwMode="auto">
-          <a:xfrm>
-            <a:off x="8407192" y="3350989"/>
-            <a:ext cx="2260808" cy="2109442"/>
-          </a:xfrm>
-          <a:prstGeom prst="rect">
-            <a:avLst/>
-          </a:prstGeom>
-          <a:noFill/>
-          <a:extLst>
-            <a:ext uri="{909E8E84-426E-40DD-AFC4-6F175D3DCCD1}">
-              <a14:hiddenFill xmlns:a14="http://schemas.microsoft.com/office/drawing/2010/main">
-                <a:solidFill>
-                  <a:srgbClr val="FFFFFF"/>
-                </a:solidFill>
-              </a14:hiddenFill>
-            </a:ext>
-          </a:extLst>
-        </p:spPr>
-      </p:pic>
+          <p:cNvSpPr>
+            <a:spLocks noGrp="1"/>
+          </p:cNvSpPr>
+          <p:nvPr>
+            <p:ph type="title"/>
+          </p:nvPr>
+        </p:nvSpPr>
+        <p:spPr/>
+        <p:txBody>
+          <a:bodyPr/>
+          <a:lstStyle/>
+          <a:p>
+            <a:r>
+              <a:rPr lang="en-GB" dirty="0" err="1"/>
+              <a:t>update_bpm</a:t>
+            </a:r>
+            <a:r>
+              <a:rPr lang="en-GB" dirty="0"/>
+              <a:t>() function</a:t>
+            </a:r>
+          </a:p>
+        </p:txBody>
+      </p:sp>
+      <mc:AlternateContent xmlns:mc="http://schemas.openxmlformats.org/markup-compatibility/2006" xmlns:a14="http://schemas.microsoft.com/office/drawing/2010/main">
+        <mc:Choice Requires="a14">
+          <p:sp>
+            <p:nvSpPr>
+              <p:cNvPr id="3" name="Content Placeholder 2">
+                <a:extLst>
+                  <a:ext uri="{FF2B5EF4-FFF2-40B4-BE49-F238E27FC236}">
+                    <a16:creationId xmlns:a16="http://schemas.microsoft.com/office/drawing/2014/main" id="{523FDA2E-3A2C-CC4B-9FEA-3DD02C1EC30A}"/>
+                  </a:ext>
+                </a:extLst>
+              </p:cNvPr>
+              <p:cNvSpPr>
+                <a:spLocks noGrp="1"/>
+              </p:cNvSpPr>
+              <p:nvPr>
+                <p:ph idx="1"/>
+              </p:nvPr>
+            </p:nvSpPr>
+            <p:spPr/>
+            <p:txBody>
+              <a:bodyPr>
+                <a:normAutofit fontScale="92500" lnSpcReduction="20000"/>
+              </a:bodyPr>
+              <a:lstStyle/>
+              <a:p>
+                <a:pPr marL="514350" indent="-514350">
+                  <a:lnSpc>
+                    <a:spcPct val="120000"/>
+                  </a:lnSpc>
+                  <a:buFont typeface="+mj-lt"/>
+                  <a:buAutoNum type="arabicPeriod"/>
+                </a:pPr>
+                <a:r>
+                  <a:rPr lang="de-CH" dirty="0"/>
+                  <a:t>read analog </a:t>
+                </a:r>
+                <a:r>
+                  <a:rPr lang="de-CH" dirty="0" err="1"/>
+                  <a:t>input</a:t>
+                </a:r>
+                <a:r>
+                  <a:rPr lang="de-CH" dirty="0"/>
+                  <a:t> </a:t>
+                </a:r>
+              </a:p>
+              <a:p>
+                <a:pPr marL="514350" indent="-514350">
+                  <a:lnSpc>
+                    <a:spcPct val="120000"/>
+                  </a:lnSpc>
+                  <a:buFont typeface="+mj-lt"/>
+                  <a:buAutoNum type="arabicPeriod"/>
+                </a:pPr>
+                <a:r>
+                  <a:rPr lang="de-CH" dirty="0" err="1"/>
+                  <a:t>calculate</a:t>
+                </a:r>
+                <a:r>
+                  <a:rPr lang="de-CH" dirty="0"/>
+                  <a:t> </a:t>
+                </a:r>
+                <a:r>
+                  <a:rPr lang="de-CH" dirty="0" err="1"/>
+                  <a:t>bpm</a:t>
+                </a:r>
+                <a:r>
+                  <a:rPr lang="de-CH" dirty="0"/>
+                  <a:t> </a:t>
+                </a:r>
+                <a:r>
+                  <a:rPr lang="de-CH" dirty="0" err="1"/>
+                  <a:t>within</a:t>
+                </a:r>
+                <a:r>
+                  <a:rPr lang="de-CH" dirty="0"/>
+                  <a:t> </a:t>
+                </a:r>
+                <a:r>
+                  <a:rPr lang="de-CH" dirty="0" err="1"/>
+                  <a:t>defined</a:t>
+                </a:r>
+                <a:r>
+                  <a:rPr lang="de-CH" dirty="0"/>
+                  <a:t> </a:t>
+                </a:r>
+                <a:r>
+                  <a:rPr lang="de-CH" dirty="0" err="1"/>
+                  <a:t>range</a:t>
+                </a:r>
+                <a:r>
+                  <a:rPr lang="de-CH" dirty="0"/>
+                  <a:t> (40 - 200 </a:t>
+                </a:r>
+                <a:r>
+                  <a:rPr lang="de-CH" dirty="0" err="1"/>
+                  <a:t>bpm</a:t>
+                </a:r>
+                <a:r>
+                  <a:rPr lang="de-CH" dirty="0"/>
+                  <a:t>)</a:t>
+                </a:r>
+              </a:p>
+              <a:p>
+                <a:pPr marL="514350" indent="-514350">
+                  <a:lnSpc>
+                    <a:spcPct val="120000"/>
+                  </a:lnSpc>
+                  <a:buFont typeface="+mj-lt"/>
+                  <a:buAutoNum type="arabicPeriod"/>
+                </a:pPr>
+                <a:r>
+                  <a:rPr lang="de-CH" dirty="0" err="1"/>
+                  <a:t>calculate</a:t>
+                </a:r>
+                <a:r>
+                  <a:rPr lang="de-CH" dirty="0"/>
+                  <a:t> </a:t>
+                </a:r>
+                <a:r>
+                  <a:rPr lang="de-CH" dirty="0" err="1"/>
+                  <a:t>new</a:t>
+                </a:r>
+                <a:r>
+                  <a:rPr lang="de-CH" dirty="0"/>
+                  <a:t> </a:t>
+                </a:r>
+                <a:r>
+                  <a:rPr lang="de-CH" dirty="0" err="1"/>
+                  <a:t>prescaler</a:t>
+                </a:r>
+                <a:r>
+                  <a:rPr lang="de-CH" dirty="0"/>
+                  <a:t> </a:t>
+                </a:r>
+                <a:r>
+                  <a:rPr lang="de-CH" dirty="0" err="1"/>
+                  <a:t>value</a:t>
+                </a:r>
+                <a:br>
+                  <a:rPr lang="de-CH" dirty="0"/>
+                </a:br>
+                <a14:m>
+                  <m:oMath xmlns:m="http://schemas.openxmlformats.org/officeDocument/2006/math">
+                    <m:r>
+                      <a:rPr lang="de-CH" b="0" i="1" smtClean="0">
+                        <a:latin typeface="Cambria Math" panose="02040503050406030204" pitchFamily="18" charset="0"/>
+                      </a:rPr>
+                      <m:t>𝑝𝑟𝑒𝑠𝑐𝑎𝑙𝑒𝑟</m:t>
+                    </m:r>
+                    <m:r>
+                      <a:rPr lang="de-CH" b="0" i="1" smtClean="0">
+                        <a:latin typeface="Cambria Math" panose="02040503050406030204" pitchFamily="18" charset="0"/>
+                      </a:rPr>
+                      <m:t>= </m:t>
+                    </m:r>
+                    <m:f>
+                      <m:fPr>
+                        <m:ctrlPr>
+                          <a:rPr lang="de-CH" b="0" i="1" smtClean="0">
+                            <a:latin typeface="Cambria Math" panose="02040503050406030204" pitchFamily="18" charset="0"/>
+                          </a:rPr>
+                        </m:ctrlPr>
+                      </m:fPr>
+                      <m:num>
+                        <m:r>
+                          <a:rPr lang="de-CH" b="0" i="1" smtClean="0">
+                            <a:latin typeface="Cambria Math" panose="02040503050406030204" pitchFamily="18" charset="0"/>
+                          </a:rPr>
+                          <m:t>60⋅</m:t>
+                        </m:r>
+                        <m:r>
+                          <a:rPr lang="de-CH" b="0" i="1" smtClean="0">
+                            <a:latin typeface="Cambria Math" panose="02040503050406030204" pitchFamily="18" charset="0"/>
+                          </a:rPr>
+                          <m:t>𝑐𝑙𝑜𝑐𝑘𝑠𝑝𝑒𝑒𝑑</m:t>
+                        </m:r>
+                      </m:num>
+                      <m:den>
+                        <m:r>
+                          <a:rPr lang="de-CH" b="0" i="1" smtClean="0">
+                            <a:latin typeface="Cambria Math" panose="02040503050406030204" pitchFamily="18" charset="0"/>
+                          </a:rPr>
+                          <m:t>𝑏𝑝𝑚</m:t>
+                        </m:r>
+                        <m:r>
+                          <a:rPr lang="de-CH" b="0" i="1" smtClean="0">
+                            <a:latin typeface="Cambria Math" panose="02040503050406030204" pitchFamily="18" charset="0"/>
+                          </a:rPr>
+                          <m:t>⋅</m:t>
+                        </m:r>
+                        <m:r>
+                          <a:rPr lang="de-CH" b="0" i="1" smtClean="0">
+                            <a:latin typeface="Cambria Math" panose="02040503050406030204" pitchFamily="18" charset="0"/>
+                          </a:rPr>
+                          <m:t>𝑝𝑒𝑟𝑖𝑜𝑑</m:t>
+                        </m:r>
+                        <m:r>
+                          <a:rPr lang="de-CH" b="0" i="1" smtClean="0">
+                            <a:latin typeface="Cambria Math" panose="02040503050406030204" pitchFamily="18" charset="0"/>
+                          </a:rPr>
+                          <m:t>(</m:t>
+                        </m:r>
+                        <m:r>
+                          <a:rPr lang="de-CH" b="0" i="1" smtClean="0">
+                            <a:latin typeface="Cambria Math" panose="02040503050406030204" pitchFamily="18" charset="0"/>
+                          </a:rPr>
+                          <m:t>𝐴𝑅𝑅</m:t>
+                        </m:r>
+                        <m:r>
+                          <a:rPr lang="de-CH" b="0" i="1" smtClean="0">
+                            <a:latin typeface="Cambria Math" panose="02040503050406030204" pitchFamily="18" charset="0"/>
+                          </a:rPr>
+                          <m:t>)</m:t>
+                        </m:r>
+                      </m:den>
+                    </m:f>
+                  </m:oMath>
+                </a14:m>
+                <a:endParaRPr lang="de-CH" dirty="0"/>
+              </a:p>
+              <a:p>
+                <a:pPr marL="514350" indent="-514350">
+                  <a:lnSpc>
+                    <a:spcPct val="120000"/>
+                  </a:lnSpc>
+                  <a:buFont typeface="+mj-lt"/>
+                  <a:buAutoNum type="arabicPeriod"/>
+                </a:pPr>
+                <a:r>
+                  <a:rPr lang="de-CH" dirty="0" err="1"/>
+                  <a:t>set</a:t>
+                </a:r>
+                <a:r>
+                  <a:rPr lang="de-CH" dirty="0"/>
+                  <a:t> </a:t>
+                </a:r>
+                <a:r>
+                  <a:rPr lang="de-CH" dirty="0" err="1"/>
+                  <a:t>new</a:t>
+                </a:r>
+                <a:r>
+                  <a:rPr lang="de-CH" dirty="0"/>
+                  <a:t> </a:t>
+                </a:r>
+                <a:r>
+                  <a:rPr lang="de-CH" dirty="0" err="1"/>
+                  <a:t>prescaler</a:t>
+                </a:r>
+                <a:r>
+                  <a:rPr lang="de-CH" dirty="0"/>
+                  <a:t> </a:t>
+                </a:r>
+                <a:r>
+                  <a:rPr lang="de-CH" dirty="0" err="1"/>
+                  <a:t>value</a:t>
+                </a:r>
+                <a:r>
+                  <a:rPr lang="de-CH" dirty="0"/>
+                  <a:t> </a:t>
+                </a:r>
+                <a:r>
+                  <a:rPr lang="de-CH" dirty="0" err="1"/>
+                  <a:t>using</a:t>
+                </a:r>
+                <a:br>
+                  <a:rPr lang="de-CH" dirty="0"/>
+                </a:br>
+                <a:br>
+                  <a:rPr lang="de-CH" dirty="0"/>
+                </a:br>
+                <a:r>
+                  <a:rPr lang="de-CH" dirty="0"/>
+                  <a:t>	</a:t>
+                </a:r>
+                <a:r>
+                  <a:rPr lang="de-CH" sz="3500" dirty="0"/>
+                  <a:t>TIM6-&gt;PSC</a:t>
+                </a:r>
+                <a:br>
+                  <a:rPr lang="de-CH" dirty="0"/>
+                </a:br>
+                <a:endParaRPr lang="de-CH" dirty="0"/>
+              </a:p>
+              <a:p>
+                <a:endParaRPr lang="en-GB" dirty="0"/>
+              </a:p>
+            </p:txBody>
+          </p:sp>
+        </mc:Choice>
+        <mc:Fallback xmlns="">
+          <p:sp>
+            <p:nvSpPr>
+              <p:cNvPr id="3" name="Content Placeholder 2">
+                <a:extLst>
+                  <a:ext uri="{FF2B5EF4-FFF2-40B4-BE49-F238E27FC236}">
+                    <a16:creationId xmlns:a16="http://schemas.microsoft.com/office/drawing/2014/main" id="{523FDA2E-3A2C-CC4B-9FEA-3DD02C1EC30A}"/>
+                  </a:ext>
+                </a:extLst>
+              </p:cNvPr>
+              <p:cNvSpPr>
+                <a:spLocks noGrp="1" noRot="1" noChangeAspect="1" noMove="1" noResize="1" noEditPoints="1" noAdjustHandles="1" noChangeArrowheads="1" noChangeShapeType="1" noTextEdit="1"/>
+              </p:cNvSpPr>
+              <p:nvPr>
+                <p:ph idx="1"/>
+              </p:nvPr>
+            </p:nvSpPr>
+            <p:spPr>
+              <a:blipFill>
+                <a:blip r:embed="rId2"/>
+                <a:stretch>
+                  <a:fillRect l="-965" t="-1754"/>
+                </a:stretch>
+              </a:blipFill>
+            </p:spPr>
+            <p:txBody>
+              <a:bodyPr/>
+              <a:lstStyle/>
+              <a:p>
+                <a:r>
+                  <a:rPr lang="en-GB">
+                    <a:noFill/>
+                  </a:rPr>
+                  <a:t> </a:t>
+                </a:r>
+              </a:p>
+            </p:txBody>
+          </p:sp>
+        </mc:Fallback>
+      </mc:AlternateContent>
     </p:spTree>
     <p:extLst>
       <p:ext uri="{BB962C8B-B14F-4D97-AF65-F5344CB8AC3E}">
-        <p14:creationId xmlns:p14="http://schemas.microsoft.com/office/powerpoint/2010/main" val="2917752352"/>
+        <p14:creationId xmlns:p14="http://schemas.microsoft.com/office/powerpoint/2010/main" val="98724130"/>
       </p:ext>
     </p:extLst>
   </p:cSld>
@@ -3286,7 +3725,11 @@
                                           </p:stCondLst>
                                         </p:cTn>
                                         <p:tgtEl>
-                                          <p:spTgt spid="1026"/>
+                                          <p:spTgt spid="3">
+                                            <p:txEl>
+                                              <p:pRg st="1" end="1"/>
+                                            </p:txEl>
+                                          </p:spTgt>
                                         </p:tgtEl>
                                         <p:attrNameLst>
                                           <p:attrName>style.visibility</p:attrName>
@@ -3331,7 +3774,11 @@
                                           </p:stCondLst>
                                         </p:cTn>
                                         <p:tgtEl>
-                                          <p:spTgt spid="1028"/>
+                                          <p:spTgt spid="3">
+                                            <p:txEl>
+                                              <p:pRg st="2" end="2"/>
+                                            </p:txEl>
+                                          </p:spTgt>
                                         </p:tgtEl>
                                         <p:attrNameLst>
                                           <p:attrName>style.visibility</p:attrName>
@@ -3376,7 +3823,11 @@
                                           </p:stCondLst>
                                         </p:cTn>
                                         <p:tgtEl>
-                                          <p:spTgt spid="1030"/>
+                                          <p:spTgt spid="3">
+                                            <p:txEl>
+                                              <p:pRg st="3" end="3"/>
+                                            </p:txEl>
+                                          </p:spTgt>
                                         </p:tgtEl>
                                         <p:attrNameLst>
                                           <p:attrName>style.visibility</p:attrName>
@@ -3420,7 +3871,7 @@
 </p:sld>
 </file>
 
-<file path=ppt/slides/slide10.xml><?xml version="1.0" encoding="utf-8"?>
+<file path=ppt/slides/slide11.xml><?xml version="1.0" encoding="utf-8"?>
 <p:sld xmlns:a="http://schemas.openxmlformats.org/drawingml/2006/main" xmlns:r="http://schemas.openxmlformats.org/officeDocument/2006/relationships" xmlns:p="http://schemas.openxmlformats.org/presentationml/2006/main">
   <p:cSld>
     <p:spTree>
@@ -3460,7 +3911,7 @@
           <a:p>
             <a:r>
               <a:rPr lang="en-GB" dirty="0"/>
-              <a:t>external interrupts</a:t>
+              <a:t>external interrupts (buttons)</a:t>
             </a:r>
           </a:p>
         </p:txBody>
@@ -3663,7 +4114,7 @@
 </p:sld>
 </file>
 
-<file path=ppt/slides/slide11.xml><?xml version="1.0" encoding="utf-8"?>
+<file path=ppt/slides/slide12.xml><?xml version="1.0" encoding="utf-8"?>
 <p:sld xmlns:a="http://schemas.openxmlformats.org/drawingml/2006/main" xmlns:r="http://schemas.openxmlformats.org/officeDocument/2006/relationships" xmlns:p="http://schemas.openxmlformats.org/presentationml/2006/main">
   <p:cSld>
     <p:spTree>
@@ -4038,7 +4489,7 @@
 </p:sld>
 </file>
 
-<file path=ppt/slides/slide12.xml><?xml version="1.0" encoding="utf-8"?>
+<file path=ppt/slides/slide13.xml><?xml version="1.0" encoding="utf-8"?>
 <p:sld xmlns:a="http://schemas.openxmlformats.org/drawingml/2006/main" xmlns:r="http://schemas.openxmlformats.org/officeDocument/2006/relationships" xmlns:p="http://schemas.openxmlformats.org/presentationml/2006/main">
   <p:cSld>
     <p:spTree>
@@ -4942,7 +5393,7 @@
 </p:sld>
 </file>
 
-<file path=ppt/slides/slide13.xml><?xml version="1.0" encoding="utf-8"?>
+<file path=ppt/slides/slide14.xml><?xml version="1.0" encoding="utf-8"?>
 <p:sld xmlns:a="http://schemas.openxmlformats.org/drawingml/2006/main" xmlns:r="http://schemas.openxmlformats.org/officeDocument/2006/relationships" xmlns:p="http://schemas.openxmlformats.org/presentationml/2006/main">
   <p:cSld>
     <p:spTree>
@@ -4988,7 +5439,7 @@
             <a:pPr algn="ctr"/>
             <a:r>
               <a:rPr lang="en-GB" dirty="0"/>
-              <a:t>Demonstration</a:t>
+              <a:t>results / demonstration</a:t>
             </a:r>
           </a:p>
         </p:txBody>
@@ -5007,6 +5458,458 @@
 </file>
 
 <file path=ppt/slides/slide2.xml><?xml version="1.0" encoding="utf-8"?>
+<p:sld xmlns:a="http://schemas.openxmlformats.org/drawingml/2006/main" xmlns:r="http://schemas.openxmlformats.org/officeDocument/2006/relationships" xmlns:p="http://schemas.openxmlformats.org/presentationml/2006/main">
+  <p:cSld>
+    <p:spTree>
+      <p:nvGrpSpPr>
+        <p:cNvPr id="1" name=""/>
+        <p:cNvGrpSpPr/>
+        <p:nvPr/>
+      </p:nvGrpSpPr>
+      <p:grpSpPr>
+        <a:xfrm>
+          <a:off x="0" y="0"/>
+          <a:ext cx="0" cy="0"/>
+          <a:chOff x="0" y="0"/>
+          <a:chExt cx="0" cy="0"/>
+        </a:xfrm>
+      </p:grpSpPr>
+      <p:sp>
+        <p:nvSpPr>
+          <p:cNvPr id="2" name="Title 1">
+            <a:extLst>
+              <a:ext uri="{FF2B5EF4-FFF2-40B4-BE49-F238E27FC236}">
+                <a16:creationId xmlns:a16="http://schemas.microsoft.com/office/drawing/2014/main" id="{818CB20A-2FB7-5A40-8811-FFA010C5C1DC}"/>
+              </a:ext>
+            </a:extLst>
+          </p:cNvPr>
+          <p:cNvSpPr>
+            <a:spLocks noGrp="1"/>
+          </p:cNvSpPr>
+          <p:nvPr>
+            <p:ph type="title"/>
+          </p:nvPr>
+        </p:nvSpPr>
+        <p:spPr/>
+        <p:txBody>
+          <a:bodyPr/>
+          <a:lstStyle/>
+          <a:p>
+            <a:r>
+              <a:rPr lang="en-GB" dirty="0"/>
+              <a:t>metronomes</a:t>
+            </a:r>
+          </a:p>
+        </p:txBody>
+      </p:sp>
+      <p:sp>
+        <p:nvSpPr>
+          <p:cNvPr id="3" name="Content Placeholder 2">
+            <a:extLst>
+              <a:ext uri="{FF2B5EF4-FFF2-40B4-BE49-F238E27FC236}">
+                <a16:creationId xmlns:a16="http://schemas.microsoft.com/office/drawing/2014/main" id="{8D37FAED-44E4-284E-A0F1-134ABAA088A2}"/>
+              </a:ext>
+            </a:extLst>
+          </p:cNvPr>
+          <p:cNvSpPr>
+            <a:spLocks noGrp="1"/>
+          </p:cNvSpPr>
+          <p:nvPr>
+            <p:ph idx="1"/>
+          </p:nvPr>
+        </p:nvSpPr>
+        <p:spPr/>
+        <p:txBody>
+          <a:bodyPr/>
+          <a:lstStyle/>
+          <a:p>
+            <a:pPr marL="0" indent="0" algn="ctr">
+              <a:buNone/>
+            </a:pPr>
+            <a:r>
+              <a:rPr lang="en-GB" dirty="0"/>
+              <a:t>produce audible click or other sound at a regular interval </a:t>
+            </a:r>
+            <a:br>
+              <a:rPr lang="en-GB" dirty="0"/>
+            </a:br>
+            <a:endParaRPr lang="en-GB" dirty="0"/>
+          </a:p>
+          <a:p>
+            <a:endParaRPr lang="en-GB" dirty="0"/>
+          </a:p>
+          <a:p>
+            <a:endParaRPr lang="en-GB" dirty="0"/>
+          </a:p>
+        </p:txBody>
+      </p:sp>
+      <p:pic>
+        <p:nvPicPr>
+          <p:cNvPr id="1026" name="Picture 2" descr="GLEAM Metronome - Piano Metronome Machanical Metal Movement with Free Bag">
+            <a:extLst>
+              <a:ext uri="{FF2B5EF4-FFF2-40B4-BE49-F238E27FC236}">
+                <a16:creationId xmlns:a16="http://schemas.microsoft.com/office/drawing/2014/main" id="{1F5DF89A-0418-9C4B-8860-1AF2A3B6A64E}"/>
+              </a:ext>
+            </a:extLst>
+          </p:cNvPr>
+          <p:cNvPicPr>
+            <a:picLocks noChangeAspect="1" noChangeArrowheads="1"/>
+          </p:cNvPicPr>
+          <p:nvPr/>
+        </p:nvPicPr>
+        <p:blipFill>
+          <a:blip r:embed="rId2">
+            <a:extLst>
+              <a:ext uri="{28A0092B-C50C-407E-A947-70E740481C1C}">
+                <a14:useLocalDpi xmlns:a14="http://schemas.microsoft.com/office/drawing/2010/main" val="0"/>
+              </a:ext>
+            </a:extLst>
+          </a:blip>
+          <a:srcRect/>
+          <a:stretch>
+            <a:fillRect/>
+          </a:stretch>
+        </p:blipFill>
+        <p:spPr bwMode="auto">
+          <a:xfrm>
+            <a:off x="1181100" y="2634457"/>
+            <a:ext cx="2191106" cy="3542506"/>
+          </a:xfrm>
+          <a:prstGeom prst="rect">
+            <a:avLst/>
+          </a:prstGeom>
+          <a:noFill/>
+          <a:extLst>
+            <a:ext uri="{909E8E84-426E-40DD-AFC4-6F175D3DCCD1}">
+              <a14:hiddenFill xmlns:a14="http://schemas.microsoft.com/office/drawing/2010/main">
+                <a:solidFill>
+                  <a:srgbClr val="FFFFFF"/>
+                </a:solidFill>
+              </a14:hiddenFill>
+            </a:ext>
+          </a:extLst>
+        </p:spPr>
+      </p:pic>
+      <p:pic>
+        <p:nvPicPr>
+          <p:cNvPr id="1028" name="Picture 4" descr="Bildergebnis für metronome">
+            <a:extLst>
+              <a:ext uri="{FF2B5EF4-FFF2-40B4-BE49-F238E27FC236}">
+                <a16:creationId xmlns:a16="http://schemas.microsoft.com/office/drawing/2014/main" id="{20827E62-1649-FF4B-8FCD-6EEB0A5B656B}"/>
+              </a:ext>
+            </a:extLst>
+          </p:cNvPr>
+          <p:cNvPicPr>
+            <a:picLocks noChangeAspect="1" noChangeArrowheads="1"/>
+          </p:cNvPicPr>
+          <p:nvPr/>
+        </p:nvPicPr>
+        <p:blipFill>
+          <a:blip r:embed="rId3">
+            <a:extLst>
+              <a:ext uri="{28A0092B-C50C-407E-A947-70E740481C1C}">
+                <a14:useLocalDpi xmlns:a14="http://schemas.microsoft.com/office/drawing/2010/main" val="0"/>
+              </a:ext>
+            </a:extLst>
+          </a:blip>
+          <a:srcRect/>
+          <a:stretch>
+            <a:fillRect/>
+          </a:stretch>
+        </p:blipFill>
+        <p:spPr bwMode="auto">
+          <a:xfrm>
+            <a:off x="4965596" y="2634457"/>
+            <a:ext cx="2260808" cy="3542506"/>
+          </a:xfrm>
+          <a:prstGeom prst="rect">
+            <a:avLst/>
+          </a:prstGeom>
+          <a:noFill/>
+          <a:extLst>
+            <a:ext uri="{909E8E84-426E-40DD-AFC4-6F175D3DCCD1}">
+              <a14:hiddenFill xmlns:a14="http://schemas.microsoft.com/office/drawing/2010/main">
+                <a:solidFill>
+                  <a:srgbClr val="FFFFFF"/>
+                </a:solidFill>
+              </a14:hiddenFill>
+            </a:ext>
+          </a:extLst>
+        </p:spPr>
+      </p:pic>
+      <p:pic>
+        <p:nvPicPr>
+          <p:cNvPr id="1030" name="Picture 6" descr="Bildergebnis für metronome">
+            <a:extLst>
+              <a:ext uri="{FF2B5EF4-FFF2-40B4-BE49-F238E27FC236}">
+                <a16:creationId xmlns:a16="http://schemas.microsoft.com/office/drawing/2014/main" id="{4496A99C-A5F8-4C46-B2E1-A2D429EBFA1C}"/>
+              </a:ext>
+            </a:extLst>
+          </p:cNvPr>
+          <p:cNvPicPr>
+            <a:picLocks noChangeAspect="1" noChangeArrowheads="1"/>
+          </p:cNvPicPr>
+          <p:nvPr/>
+        </p:nvPicPr>
+        <p:blipFill rotWithShape="1">
+          <a:blip r:embed="rId4">
+            <a:extLst>
+              <a:ext uri="{28A0092B-C50C-407E-A947-70E740481C1C}">
+                <a14:useLocalDpi xmlns:a14="http://schemas.microsoft.com/office/drawing/2010/main" val="0"/>
+              </a:ext>
+            </a:extLst>
+          </a:blip>
+          <a:srcRect l="16241" r="19494"/>
+          <a:stretch/>
+        </p:blipFill>
+        <p:spPr bwMode="auto">
+          <a:xfrm>
+            <a:off x="8407192" y="3350989"/>
+            <a:ext cx="2260808" cy="2109442"/>
+          </a:xfrm>
+          <a:prstGeom prst="rect">
+            <a:avLst/>
+          </a:prstGeom>
+          <a:noFill/>
+          <a:extLst>
+            <a:ext uri="{909E8E84-426E-40DD-AFC4-6F175D3DCCD1}">
+              <a14:hiddenFill xmlns:a14="http://schemas.microsoft.com/office/drawing/2010/main">
+                <a:solidFill>
+                  <a:srgbClr val="FFFFFF"/>
+                </a:solidFill>
+              </a14:hiddenFill>
+            </a:ext>
+          </a:extLst>
+        </p:spPr>
+      </p:pic>
+    </p:spTree>
+    <p:extLst>
+      <p:ext uri="{BB962C8B-B14F-4D97-AF65-F5344CB8AC3E}">
+        <p14:creationId xmlns:p14="http://schemas.microsoft.com/office/powerpoint/2010/main" val="2917752352"/>
+      </p:ext>
+    </p:extLst>
+  </p:cSld>
+  <p:clrMapOvr>
+    <a:masterClrMapping/>
+  </p:clrMapOvr>
+  <p:timing>
+    <p:tnLst>
+      <p:par>
+        <p:cTn id="1" dur="indefinite" restart="never" nodeType="tmRoot">
+          <p:childTnLst>
+            <p:seq concurrent="1" nextAc="seek">
+              <p:cTn id="2" dur="indefinite" nodeType="mainSeq">
+                <p:childTnLst>
+                  <p:par>
+                    <p:cTn id="3" fill="hold">
+                      <p:stCondLst>
+                        <p:cond delay="indefinite"/>
+                      </p:stCondLst>
+                      <p:childTnLst>
+                        <p:par>
+                          <p:cTn id="4" fill="hold">
+                            <p:stCondLst>
+                              <p:cond delay="0"/>
+                            </p:stCondLst>
+                            <p:childTnLst>
+                              <p:par>
+                                <p:cTn id="5" presetID="1" presetClass="entr" presetSubtype="0" fill="hold" nodeType="clickEffect">
+                                  <p:stCondLst>
+                                    <p:cond delay="0"/>
+                                  </p:stCondLst>
+                                  <p:childTnLst>
+                                    <p:set>
+                                      <p:cBhvr>
+                                        <p:cTn id="6" dur="1" fill="hold">
+                                          <p:stCondLst>
+                                            <p:cond delay="0"/>
+                                          </p:stCondLst>
+                                        </p:cTn>
+                                        <p:tgtEl>
+                                          <p:spTgt spid="3">
+                                            <p:txEl>
+                                              <p:pRg st="0" end="0"/>
+                                            </p:txEl>
+                                          </p:spTgt>
+                                        </p:tgtEl>
+                                        <p:attrNameLst>
+                                          <p:attrName>style.visibility</p:attrName>
+                                        </p:attrNameLst>
+                                      </p:cBhvr>
+                                      <p:to>
+                                        <p:strVal val="visible"/>
+                                      </p:to>
+                                    </p:set>
+                                  </p:childTnLst>
+                                </p:cTn>
+                              </p:par>
+                            </p:childTnLst>
+                          </p:cTn>
+                        </p:par>
+                      </p:childTnLst>
+                    </p:cTn>
+                  </p:par>
+                  <p:par>
+                    <p:cTn id="7" fill="hold">
+                      <p:stCondLst>
+                        <p:cond delay="indefinite"/>
+                      </p:stCondLst>
+                      <p:childTnLst>
+                        <p:par>
+                          <p:cTn id="8" fill="hold">
+                            <p:stCondLst>
+                              <p:cond delay="0"/>
+                            </p:stCondLst>
+                            <p:childTnLst>
+                              <p:par>
+                                <p:cTn id="9" presetID="1" presetClass="entr" presetSubtype="0" fill="hold" nodeType="clickEffect">
+                                  <p:stCondLst>
+                                    <p:cond delay="0"/>
+                                  </p:stCondLst>
+                                  <p:childTnLst>
+                                    <p:set>
+                                      <p:cBhvr>
+                                        <p:cTn id="10" dur="1" fill="hold">
+                                          <p:stCondLst>
+                                            <p:cond delay="0"/>
+                                          </p:stCondLst>
+                                        </p:cTn>
+                                        <p:tgtEl>
+                                          <p:spTgt spid="1026"/>
+                                        </p:tgtEl>
+                                        <p:attrNameLst>
+                                          <p:attrName>style.visibility</p:attrName>
+                                        </p:attrNameLst>
+                                      </p:cBhvr>
+                                      <p:to>
+                                        <p:strVal val="visible"/>
+                                      </p:to>
+                                    </p:set>
+                                  </p:childTnLst>
+                                </p:cTn>
+                              </p:par>
+                            </p:childTnLst>
+                          </p:cTn>
+                        </p:par>
+                      </p:childTnLst>
+                    </p:cTn>
+                  </p:par>
+                  <p:par>
+                    <p:cTn id="11" fill="hold">
+                      <p:stCondLst>
+                        <p:cond delay="indefinite"/>
+                      </p:stCondLst>
+                      <p:childTnLst>
+                        <p:par>
+                          <p:cTn id="12" fill="hold">
+                            <p:stCondLst>
+                              <p:cond delay="0"/>
+                            </p:stCondLst>
+                            <p:childTnLst>
+                              <p:par>
+                                <p:cTn id="13" presetID="1" presetClass="entr" presetSubtype="0" fill="hold" nodeType="clickEffect">
+                                  <p:stCondLst>
+                                    <p:cond delay="0"/>
+                                  </p:stCondLst>
+                                  <p:childTnLst>
+                                    <p:set>
+                                      <p:cBhvr>
+                                        <p:cTn id="14" dur="1" fill="hold">
+                                          <p:stCondLst>
+                                            <p:cond delay="0"/>
+                                          </p:stCondLst>
+                                        </p:cTn>
+                                        <p:tgtEl>
+                                          <p:spTgt spid="1028"/>
+                                        </p:tgtEl>
+                                        <p:attrNameLst>
+                                          <p:attrName>style.visibility</p:attrName>
+                                        </p:attrNameLst>
+                                      </p:cBhvr>
+                                      <p:to>
+                                        <p:strVal val="visible"/>
+                                      </p:to>
+                                    </p:set>
+                                  </p:childTnLst>
+                                </p:cTn>
+                              </p:par>
+                            </p:childTnLst>
+                          </p:cTn>
+                        </p:par>
+                      </p:childTnLst>
+                    </p:cTn>
+                  </p:par>
+                  <p:par>
+                    <p:cTn id="15" fill="hold">
+                      <p:stCondLst>
+                        <p:cond delay="indefinite"/>
+                      </p:stCondLst>
+                      <p:childTnLst>
+                        <p:par>
+                          <p:cTn id="16" fill="hold">
+                            <p:stCondLst>
+                              <p:cond delay="0"/>
+                            </p:stCondLst>
+                            <p:childTnLst>
+                              <p:par>
+                                <p:cTn id="17" presetID="1" presetClass="entr" presetSubtype="0" fill="hold" nodeType="clickEffect">
+                                  <p:stCondLst>
+                                    <p:cond delay="0"/>
+                                  </p:stCondLst>
+                                  <p:childTnLst>
+                                    <p:set>
+                                      <p:cBhvr>
+                                        <p:cTn id="18" dur="1" fill="hold">
+                                          <p:stCondLst>
+                                            <p:cond delay="0"/>
+                                          </p:stCondLst>
+                                        </p:cTn>
+                                        <p:tgtEl>
+                                          <p:spTgt spid="1030"/>
+                                        </p:tgtEl>
+                                        <p:attrNameLst>
+                                          <p:attrName>style.visibility</p:attrName>
+                                        </p:attrNameLst>
+                                      </p:cBhvr>
+                                      <p:to>
+                                        <p:strVal val="visible"/>
+                                      </p:to>
+                                    </p:set>
+                                  </p:childTnLst>
+                                </p:cTn>
+                              </p:par>
+                            </p:childTnLst>
+                          </p:cTn>
+                        </p:par>
+                      </p:childTnLst>
+                    </p:cTn>
+                  </p:par>
+                </p:childTnLst>
+              </p:cTn>
+              <p:prevCondLst>
+                <p:cond evt="onPrev" delay="0">
+                  <p:tgtEl>
+                    <p:sldTgt/>
+                  </p:tgtEl>
+                </p:cond>
+              </p:prevCondLst>
+              <p:nextCondLst>
+                <p:cond evt="onNext" delay="0">
+                  <p:tgtEl>
+                    <p:sldTgt/>
+                  </p:tgtEl>
+                </p:cond>
+              </p:nextCondLst>
+            </p:seq>
+          </p:childTnLst>
+        </p:cTn>
+      </p:par>
+    </p:tnLst>
+  </p:timing>
+</p:sld>
+</file>
+
+<file path=ppt/slides/slide3.xml><?xml version="1.0" encoding="utf-8"?>
 <p:sld xmlns:a="http://schemas.openxmlformats.org/drawingml/2006/main" xmlns:r="http://schemas.openxmlformats.org/officeDocument/2006/relationships" xmlns:p="http://schemas.openxmlformats.org/presentationml/2006/main">
   <p:cSld>
     <p:spTree>
@@ -5236,7 +6139,7 @@
 </p:sld>
 </file>
 
-<file path=ppt/slides/slide3.xml><?xml version="1.0" encoding="utf-8"?>
+<file path=ppt/slides/slide4.xml><?xml version="1.0" encoding="utf-8"?>
 <p:sld xmlns:a="http://schemas.openxmlformats.org/drawingml/2006/main" xmlns:r="http://schemas.openxmlformats.org/officeDocument/2006/relationships" xmlns:p="http://schemas.openxmlformats.org/presentationml/2006/main">
   <p:cSld>
     <p:spTree>
@@ -6683,7 +7586,7 @@
 </p:sld>
 </file>
 
-<file path=ppt/slides/slide4.xml><?xml version="1.0" encoding="utf-8"?>
+<file path=ppt/slides/slide5.xml><?xml version="1.0" encoding="utf-8"?>
 <p:sld xmlns:a="http://schemas.openxmlformats.org/drawingml/2006/main" xmlns:r="http://schemas.openxmlformats.org/officeDocument/2006/relationships" xmlns:p="http://schemas.openxmlformats.org/presentationml/2006/main">
   <p:cSld>
     <p:spTree>
@@ -7053,7 +7956,7 @@
 </p:sld>
 </file>
 
-<file path=ppt/slides/slide5.xml><?xml version="1.0" encoding="utf-8"?>
+<file path=ppt/slides/slide6.xml><?xml version="1.0" encoding="utf-8"?>
 <p:sld xmlns:a="http://schemas.openxmlformats.org/drawingml/2006/main" xmlns:r="http://schemas.openxmlformats.org/officeDocument/2006/relationships" xmlns:p="http://schemas.openxmlformats.org/presentationml/2006/main">
   <p:cSld>
     <p:spTree>
@@ -7358,7 +8261,7 @@
 </p:sld>
 </file>
 
-<file path=ppt/slides/slide6.xml><?xml version="1.0" encoding="utf-8"?>
+<file path=ppt/slides/slide7.xml><?xml version="1.0" encoding="utf-8"?>
 <p:sld xmlns:a="http://schemas.openxmlformats.org/drawingml/2006/main" xmlns:r="http://schemas.openxmlformats.org/officeDocument/2006/relationships" xmlns:p="http://schemas.openxmlformats.org/presentationml/2006/main">
   <p:cSld>
     <p:spTree>
@@ -8163,7 +9066,7 @@
 </p:sld>
 </file>
 
-<file path=ppt/slides/slide7.xml><?xml version="1.0" encoding="utf-8"?>
+<file path=ppt/slides/slide8.xml><?xml version="1.0" encoding="utf-8"?>
 <p:sld xmlns:a="http://schemas.openxmlformats.org/drawingml/2006/main" xmlns:r="http://schemas.openxmlformats.org/officeDocument/2006/relationships" xmlns:p="http://schemas.openxmlformats.org/presentationml/2006/main">
   <p:cSld>
     <p:spTree>
@@ -8524,7 +9427,7 @@
 </p:sld>
 </file>
 
-<file path=ppt/slides/slide8.xml><?xml version="1.0" encoding="utf-8"?>
+<file path=ppt/slides/slide9.xml><?xml version="1.0" encoding="utf-8"?>
 <p:sld xmlns:a="http://schemas.openxmlformats.org/drawingml/2006/main" xmlns:r="http://schemas.openxmlformats.org/officeDocument/2006/relationships" xmlns:p="http://schemas.openxmlformats.org/presentationml/2006/main">
   <p:cSld>
     <p:spTree>
@@ -8579,623 +9482,6 @@
   <p:clrMapOvr>
     <a:masterClrMapping/>
   </p:clrMapOvr>
-</p:sld>
-</file>
-
-<file path=ppt/slides/slide9.xml><?xml version="1.0" encoding="utf-8"?>
-<p:sld xmlns:a="http://schemas.openxmlformats.org/drawingml/2006/main" xmlns:r="http://schemas.openxmlformats.org/officeDocument/2006/relationships" xmlns:p="http://schemas.openxmlformats.org/presentationml/2006/main">
-  <p:cSld>
-    <p:spTree>
-      <p:nvGrpSpPr>
-        <p:cNvPr id="1" name=""/>
-        <p:cNvGrpSpPr/>
-        <p:nvPr/>
-      </p:nvGrpSpPr>
-      <p:grpSpPr>
-        <a:xfrm>
-          <a:off x="0" y="0"/>
-          <a:ext cx="0" cy="0"/>
-          <a:chOff x="0" y="0"/>
-          <a:chExt cx="0" cy="0"/>
-        </a:xfrm>
-      </p:grpSpPr>
-      <p:sp>
-        <p:nvSpPr>
-          <p:cNvPr id="2" name="Title 1">
-            <a:extLst>
-              <a:ext uri="{FF2B5EF4-FFF2-40B4-BE49-F238E27FC236}">
-                <a16:creationId xmlns:a16="http://schemas.microsoft.com/office/drawing/2014/main" id="{D88718F2-F75B-FC44-96F1-35DAB334EDA8}"/>
-              </a:ext>
-            </a:extLst>
-          </p:cNvPr>
-          <p:cNvSpPr>
-            <a:spLocks noGrp="1"/>
-          </p:cNvSpPr>
-          <p:nvPr>
-            <p:ph type="title"/>
-          </p:nvPr>
-        </p:nvSpPr>
-        <p:spPr/>
-        <p:txBody>
-          <a:bodyPr/>
-          <a:lstStyle/>
-          <a:p>
-            <a:r>
-              <a:rPr lang="en-GB" dirty="0" err="1"/>
-              <a:t>update_bpm</a:t>
-            </a:r>
-            <a:r>
-              <a:rPr lang="en-GB" dirty="0"/>
-              <a:t>() function</a:t>
-            </a:r>
-          </a:p>
-        </p:txBody>
-      </p:sp>
-      <mc:AlternateContent xmlns:mc="http://schemas.openxmlformats.org/markup-compatibility/2006">
-        <mc:Choice xmlns:a14="http://schemas.microsoft.com/office/drawing/2010/main" Requires="a14">
-          <p:sp>
-            <p:nvSpPr>
-              <p:cNvPr id="3" name="Content Placeholder 2">
-                <a:extLst>
-                  <a:ext uri="{FF2B5EF4-FFF2-40B4-BE49-F238E27FC236}">
-                    <a16:creationId xmlns:a16="http://schemas.microsoft.com/office/drawing/2014/main" id="{523FDA2E-3A2C-CC4B-9FEA-3DD02C1EC30A}"/>
-                  </a:ext>
-                </a:extLst>
-              </p:cNvPr>
-              <p:cNvSpPr>
-                <a:spLocks noGrp="1"/>
-              </p:cNvSpPr>
-              <p:nvPr>
-                <p:ph idx="1"/>
-              </p:nvPr>
-            </p:nvSpPr>
-            <p:spPr/>
-            <p:txBody>
-              <a:bodyPr>
-                <a:normAutofit fontScale="92500" lnSpcReduction="20000"/>
-              </a:bodyPr>
-              <a:lstStyle/>
-              <a:p>
-                <a:pPr marL="514350" indent="-514350">
-                  <a:lnSpc>
-                    <a:spcPct val="120000"/>
-                  </a:lnSpc>
-                  <a:buFont typeface="+mj-lt"/>
-                  <a:buAutoNum type="arabicPeriod"/>
-                </a:pPr>
-                <a:r>
-                  <a:rPr lang="de-CH" dirty="0"/>
-                  <a:t>read analog </a:t>
-                </a:r>
-                <a:r>
-                  <a:rPr lang="de-CH" dirty="0" err="1"/>
-                  <a:t>input</a:t>
-                </a:r>
-                <a:r>
-                  <a:rPr lang="de-CH" dirty="0"/>
-                  <a:t> </a:t>
-                </a:r>
-              </a:p>
-              <a:p>
-                <a:pPr marL="514350" indent="-514350">
-                  <a:lnSpc>
-                    <a:spcPct val="120000"/>
-                  </a:lnSpc>
-                  <a:buFont typeface="+mj-lt"/>
-                  <a:buAutoNum type="arabicPeriod"/>
-                </a:pPr>
-                <a:r>
-                  <a:rPr lang="de-CH" dirty="0" err="1"/>
-                  <a:t>calculate</a:t>
-                </a:r>
-                <a:r>
-                  <a:rPr lang="de-CH" dirty="0"/>
-                  <a:t> </a:t>
-                </a:r>
-                <a:r>
-                  <a:rPr lang="de-CH" dirty="0" err="1"/>
-                  <a:t>bpm</a:t>
-                </a:r>
-                <a:r>
-                  <a:rPr lang="de-CH" dirty="0"/>
-                  <a:t> </a:t>
-                </a:r>
-                <a:r>
-                  <a:rPr lang="de-CH" dirty="0" err="1"/>
-                  <a:t>within</a:t>
-                </a:r>
-                <a:r>
-                  <a:rPr lang="de-CH" dirty="0"/>
-                  <a:t> </a:t>
-                </a:r>
-                <a:r>
-                  <a:rPr lang="de-CH" dirty="0" err="1"/>
-                  <a:t>defined</a:t>
-                </a:r>
-                <a:r>
-                  <a:rPr lang="de-CH" dirty="0"/>
-                  <a:t> </a:t>
-                </a:r>
-                <a:r>
-                  <a:rPr lang="de-CH" dirty="0" err="1"/>
-                  <a:t>range</a:t>
-                </a:r>
-                <a:r>
-                  <a:rPr lang="de-CH" dirty="0"/>
-                  <a:t> (40 - 200 </a:t>
-                </a:r>
-                <a:r>
-                  <a:rPr lang="de-CH" dirty="0" err="1"/>
-                  <a:t>bpm</a:t>
-                </a:r>
-                <a:r>
-                  <a:rPr lang="de-CH" dirty="0"/>
-                  <a:t>)</a:t>
-                </a:r>
-              </a:p>
-              <a:p>
-                <a:pPr marL="514350" indent="-514350">
-                  <a:lnSpc>
-                    <a:spcPct val="120000"/>
-                  </a:lnSpc>
-                  <a:buFont typeface="+mj-lt"/>
-                  <a:buAutoNum type="arabicPeriod"/>
-                </a:pPr>
-                <a:r>
-                  <a:rPr lang="de-CH" dirty="0" err="1"/>
-                  <a:t>calculate</a:t>
-                </a:r>
-                <a:r>
-                  <a:rPr lang="de-CH" dirty="0"/>
-                  <a:t> </a:t>
-                </a:r>
-                <a:r>
-                  <a:rPr lang="de-CH" dirty="0" err="1"/>
-                  <a:t>new</a:t>
-                </a:r>
-                <a:r>
-                  <a:rPr lang="de-CH" dirty="0"/>
-                  <a:t> </a:t>
-                </a:r>
-                <a:r>
-                  <a:rPr lang="de-CH" dirty="0" err="1"/>
-                  <a:t>prescaler</a:t>
-                </a:r>
-                <a:r>
-                  <a:rPr lang="de-CH" dirty="0"/>
-                  <a:t> </a:t>
-                </a:r>
-                <a:r>
-                  <a:rPr lang="de-CH" dirty="0" err="1"/>
-                  <a:t>value</a:t>
-                </a:r>
-                <a:br>
-                  <a:rPr lang="de-CH" dirty="0"/>
-                </a:br>
-                <a14:m>
-                  <m:oMath xmlns:m="http://schemas.openxmlformats.org/officeDocument/2006/math">
-                    <m:r>
-                      <a:rPr lang="de-CH" b="0" i="1" smtClean="0">
-                        <a:latin typeface="Cambria Math" panose="02040503050406030204" pitchFamily="18" charset="0"/>
-                      </a:rPr>
-                      <m:t>𝑝𝑟𝑒𝑠𝑐𝑎𝑙𝑒𝑟</m:t>
-                    </m:r>
-                    <m:r>
-                      <a:rPr lang="de-CH" b="0" i="1" smtClean="0">
-                        <a:latin typeface="Cambria Math" panose="02040503050406030204" pitchFamily="18" charset="0"/>
-                      </a:rPr>
-                      <m:t>= </m:t>
-                    </m:r>
-                    <m:f>
-                      <m:fPr>
-                        <m:ctrlPr>
-                          <a:rPr lang="de-CH" b="0" i="1" smtClean="0">
-                            <a:latin typeface="Cambria Math" panose="02040503050406030204" pitchFamily="18" charset="0"/>
-                          </a:rPr>
-                        </m:ctrlPr>
-                      </m:fPr>
-                      <m:num>
-                        <m:r>
-                          <a:rPr lang="de-CH" b="0" i="1" smtClean="0">
-                            <a:latin typeface="Cambria Math" panose="02040503050406030204" pitchFamily="18" charset="0"/>
-                          </a:rPr>
-                          <m:t>60⋅</m:t>
-                        </m:r>
-                        <m:r>
-                          <a:rPr lang="de-CH" b="0" i="1" smtClean="0">
-                            <a:latin typeface="Cambria Math" panose="02040503050406030204" pitchFamily="18" charset="0"/>
-                          </a:rPr>
-                          <m:t>𝑐𝑙𝑜𝑐𝑘𝑠𝑝𝑒𝑒𝑑</m:t>
-                        </m:r>
-                      </m:num>
-                      <m:den>
-                        <m:r>
-                          <a:rPr lang="de-CH" b="0" i="1" smtClean="0">
-                            <a:latin typeface="Cambria Math" panose="02040503050406030204" pitchFamily="18" charset="0"/>
-                          </a:rPr>
-                          <m:t>𝑏𝑝𝑚</m:t>
-                        </m:r>
-                        <m:r>
-                          <a:rPr lang="de-CH" b="0" i="1" smtClean="0">
-                            <a:latin typeface="Cambria Math" panose="02040503050406030204" pitchFamily="18" charset="0"/>
-                          </a:rPr>
-                          <m:t>⋅</m:t>
-                        </m:r>
-                        <m:r>
-                          <a:rPr lang="de-CH" b="0" i="1" smtClean="0">
-                            <a:latin typeface="Cambria Math" panose="02040503050406030204" pitchFamily="18" charset="0"/>
-                          </a:rPr>
-                          <m:t>𝑝𝑒𝑟𝑖𝑜𝑑</m:t>
-                        </m:r>
-                        <m:r>
-                          <a:rPr lang="de-CH" b="0" i="1" smtClean="0">
-                            <a:latin typeface="Cambria Math" panose="02040503050406030204" pitchFamily="18" charset="0"/>
-                          </a:rPr>
-                          <m:t>(</m:t>
-                        </m:r>
-                        <m:r>
-                          <a:rPr lang="de-CH" b="0" i="1" smtClean="0">
-                            <a:latin typeface="Cambria Math" panose="02040503050406030204" pitchFamily="18" charset="0"/>
-                          </a:rPr>
-                          <m:t>𝐴𝑅𝑅</m:t>
-                        </m:r>
-                        <m:r>
-                          <a:rPr lang="de-CH" b="0" i="1" smtClean="0">
-                            <a:latin typeface="Cambria Math" panose="02040503050406030204" pitchFamily="18" charset="0"/>
-                          </a:rPr>
-                          <m:t>)</m:t>
-                        </m:r>
-                      </m:den>
-                    </m:f>
-                  </m:oMath>
-                </a14:m>
-                <a:endParaRPr lang="de-CH" dirty="0"/>
-              </a:p>
-              <a:p>
-                <a:pPr marL="514350" indent="-514350">
-                  <a:lnSpc>
-                    <a:spcPct val="120000"/>
-                  </a:lnSpc>
-                  <a:buFont typeface="+mj-lt"/>
-                  <a:buAutoNum type="arabicPeriod"/>
-                </a:pPr>
-                <a:r>
-                  <a:rPr lang="de-CH" dirty="0" err="1"/>
-                  <a:t>set</a:t>
-                </a:r>
-                <a:r>
-                  <a:rPr lang="de-CH" dirty="0"/>
-                  <a:t> </a:t>
-                </a:r>
-                <a:r>
-                  <a:rPr lang="de-CH" dirty="0" err="1"/>
-                  <a:t>new</a:t>
-                </a:r>
-                <a:r>
-                  <a:rPr lang="de-CH" dirty="0"/>
-                  <a:t> </a:t>
-                </a:r>
-                <a:r>
-                  <a:rPr lang="de-CH" dirty="0" err="1"/>
-                  <a:t>prescaler</a:t>
-                </a:r>
-                <a:r>
-                  <a:rPr lang="de-CH" dirty="0"/>
-                  <a:t> </a:t>
-                </a:r>
-                <a:r>
-                  <a:rPr lang="de-CH" dirty="0" err="1"/>
-                  <a:t>value</a:t>
-                </a:r>
-                <a:r>
-                  <a:rPr lang="de-CH" dirty="0"/>
-                  <a:t> </a:t>
-                </a:r>
-                <a:r>
-                  <a:rPr lang="de-CH" dirty="0" err="1"/>
-                  <a:t>using</a:t>
-                </a:r>
-                <a:br>
-                  <a:rPr lang="de-CH" dirty="0"/>
-                </a:br>
-                <a:br>
-                  <a:rPr lang="de-CH" dirty="0"/>
-                </a:br>
-                <a:r>
-                  <a:rPr lang="de-CH" dirty="0"/>
-                  <a:t>	</a:t>
-                </a:r>
-                <a:r>
-                  <a:rPr lang="de-CH" sz="3500" dirty="0"/>
-                  <a:t>TIM6-&gt;PSC</a:t>
-                </a:r>
-                <a:br>
-                  <a:rPr lang="de-CH" dirty="0"/>
-                </a:br>
-                <a:endParaRPr lang="de-CH" dirty="0"/>
-              </a:p>
-              <a:p>
-                <a:endParaRPr lang="en-GB" dirty="0"/>
-              </a:p>
-            </p:txBody>
-          </p:sp>
-        </mc:Choice>
-        <mc:Fallback>
-          <p:sp>
-            <p:nvSpPr>
-              <p:cNvPr id="3" name="Content Placeholder 2">
-                <a:extLst>
-                  <a:ext uri="{FF2B5EF4-FFF2-40B4-BE49-F238E27FC236}">
-                    <a16:creationId xmlns:a16="http://schemas.microsoft.com/office/drawing/2014/main" id="{523FDA2E-3A2C-CC4B-9FEA-3DD02C1EC30A}"/>
-                  </a:ext>
-                </a:extLst>
-              </p:cNvPr>
-              <p:cNvSpPr>
-                <a:spLocks noGrp="1" noRot="1" noChangeAspect="1" noMove="1" noResize="1" noEditPoints="1" noAdjustHandles="1" noChangeArrowheads="1" noChangeShapeType="1" noTextEdit="1"/>
-              </p:cNvSpPr>
-              <p:nvPr>
-                <p:ph idx="1"/>
-              </p:nvPr>
-            </p:nvSpPr>
-            <p:spPr>
-              <a:blipFill>
-                <a:blip r:embed="rId2"/>
-                <a:stretch>
-                  <a:fillRect l="-965" t="-1754"/>
-                </a:stretch>
-              </a:blipFill>
-            </p:spPr>
-            <p:txBody>
-              <a:bodyPr/>
-              <a:lstStyle/>
-              <a:p>
-                <a:r>
-                  <a:rPr lang="en-GB">
-                    <a:noFill/>
-                  </a:rPr>
-                  <a:t> </a:t>
-                </a:r>
-              </a:p>
-            </p:txBody>
-          </p:sp>
-        </mc:Fallback>
-      </mc:AlternateContent>
-    </p:spTree>
-    <p:extLst>
-      <p:ext uri="{BB962C8B-B14F-4D97-AF65-F5344CB8AC3E}">
-        <p14:creationId xmlns:p14="http://schemas.microsoft.com/office/powerpoint/2010/main" val="98724130"/>
-      </p:ext>
-    </p:extLst>
-  </p:cSld>
-  <p:clrMapOvr>
-    <a:masterClrMapping/>
-  </p:clrMapOvr>
-  <p:timing>
-    <p:tnLst>
-      <p:par>
-        <p:cTn id="1" dur="indefinite" restart="never" nodeType="tmRoot">
-          <p:childTnLst>
-            <p:seq concurrent="1" nextAc="seek">
-              <p:cTn id="2" dur="indefinite" nodeType="mainSeq">
-                <p:childTnLst>
-                  <p:par>
-                    <p:cTn id="3" fill="hold">
-                      <p:stCondLst>
-                        <p:cond delay="indefinite"/>
-                      </p:stCondLst>
-                      <p:childTnLst>
-                        <p:par>
-                          <p:cTn id="4" fill="hold">
-                            <p:stCondLst>
-                              <p:cond delay="0"/>
-                            </p:stCondLst>
-                            <p:childTnLst>
-                              <p:par>
-                                <p:cTn id="5" presetID="1" presetClass="entr" presetSubtype="0" fill="hold" nodeType="clickEffect">
-                                  <p:stCondLst>
-                                    <p:cond delay="0"/>
-                                  </p:stCondLst>
-                                  <p:childTnLst>
-                                    <p:set>
-                                      <p:cBhvr>
-                                        <p:cTn id="6" dur="1" fill="hold">
-                                          <p:stCondLst>
-                                            <p:cond delay="0"/>
-                                          </p:stCondLst>
-                                        </p:cTn>
-                                        <p:tgtEl>
-                                          <p:spTgt spid="3">
-                                            <p:txEl>
-                                              <p:pRg st="0" end="0"/>
-                                            </p:txEl>
-                                          </p:spTgt>
-                                        </p:tgtEl>
-                                        <p:attrNameLst>
-                                          <p:attrName>style.visibility</p:attrName>
-                                        </p:attrNameLst>
-                                      </p:cBhvr>
-                                      <p:to>
-                                        <p:strVal val="visible"/>
-                                      </p:to>
-                                    </p:set>
-                                  </p:childTnLst>
-                                </p:cTn>
-                              </p:par>
-                            </p:childTnLst>
-                          </p:cTn>
-                        </p:par>
-                      </p:childTnLst>
-                    </p:cTn>
-                  </p:par>
-                  <p:par>
-                    <p:cTn id="7" fill="hold">
-                      <p:stCondLst>
-                        <p:cond delay="indefinite"/>
-                      </p:stCondLst>
-                      <p:childTnLst>
-                        <p:par>
-                          <p:cTn id="8" fill="hold">
-                            <p:stCondLst>
-                              <p:cond delay="0"/>
-                            </p:stCondLst>
-                            <p:childTnLst>
-                              <p:par>
-                                <p:cTn id="9" presetID="1" presetClass="entr" presetSubtype="0" fill="hold" nodeType="clickEffect">
-                                  <p:stCondLst>
-                                    <p:cond delay="0"/>
-                                  </p:stCondLst>
-                                  <p:childTnLst>
-                                    <p:set>
-                                      <p:cBhvr>
-                                        <p:cTn id="10" dur="1" fill="hold">
-                                          <p:stCondLst>
-                                            <p:cond delay="0"/>
-                                          </p:stCondLst>
-                                        </p:cTn>
-                                        <p:tgtEl>
-                                          <p:spTgt spid="3">
-                                            <p:txEl>
-                                              <p:pRg st="1" end="1"/>
-                                            </p:txEl>
-                                          </p:spTgt>
-                                        </p:tgtEl>
-                                        <p:attrNameLst>
-                                          <p:attrName>style.visibility</p:attrName>
-                                        </p:attrNameLst>
-                                      </p:cBhvr>
-                                      <p:to>
-                                        <p:strVal val="visible"/>
-                                      </p:to>
-                                    </p:set>
-                                  </p:childTnLst>
-                                </p:cTn>
-                              </p:par>
-                            </p:childTnLst>
-                          </p:cTn>
-                        </p:par>
-                      </p:childTnLst>
-                    </p:cTn>
-                  </p:par>
-                  <p:par>
-                    <p:cTn id="11" fill="hold">
-                      <p:stCondLst>
-                        <p:cond delay="indefinite"/>
-                      </p:stCondLst>
-                      <p:childTnLst>
-                        <p:par>
-                          <p:cTn id="12" fill="hold">
-                            <p:stCondLst>
-                              <p:cond delay="0"/>
-                            </p:stCondLst>
-                            <p:childTnLst>
-                              <p:par>
-                                <p:cTn id="13" presetID="1" presetClass="entr" presetSubtype="0" fill="hold" nodeType="clickEffect">
-                                  <p:stCondLst>
-                                    <p:cond delay="0"/>
-                                  </p:stCondLst>
-                                  <p:childTnLst>
-                                    <p:set>
-                                      <p:cBhvr>
-                                        <p:cTn id="14" dur="1" fill="hold">
-                                          <p:stCondLst>
-                                            <p:cond delay="0"/>
-                                          </p:stCondLst>
-                                        </p:cTn>
-                                        <p:tgtEl>
-                                          <p:spTgt spid="3">
-                                            <p:txEl>
-                                              <p:pRg st="2" end="2"/>
-                                            </p:txEl>
-                                          </p:spTgt>
-                                        </p:tgtEl>
-                                        <p:attrNameLst>
-                                          <p:attrName>style.visibility</p:attrName>
-                                        </p:attrNameLst>
-                                      </p:cBhvr>
-                                      <p:to>
-                                        <p:strVal val="visible"/>
-                                      </p:to>
-                                    </p:set>
-                                  </p:childTnLst>
-                                </p:cTn>
-                              </p:par>
-                            </p:childTnLst>
-                          </p:cTn>
-                        </p:par>
-                      </p:childTnLst>
-                    </p:cTn>
-                  </p:par>
-                  <p:par>
-                    <p:cTn id="15" fill="hold">
-                      <p:stCondLst>
-                        <p:cond delay="indefinite"/>
-                      </p:stCondLst>
-                      <p:childTnLst>
-                        <p:par>
-                          <p:cTn id="16" fill="hold">
-                            <p:stCondLst>
-                              <p:cond delay="0"/>
-                            </p:stCondLst>
-                            <p:childTnLst>
-                              <p:par>
-                                <p:cTn id="17" presetID="1" presetClass="entr" presetSubtype="0" fill="hold" nodeType="clickEffect">
-                                  <p:stCondLst>
-                                    <p:cond delay="0"/>
-                                  </p:stCondLst>
-                                  <p:childTnLst>
-                                    <p:set>
-                                      <p:cBhvr>
-                                        <p:cTn id="18" dur="1" fill="hold">
-                                          <p:stCondLst>
-                                            <p:cond delay="0"/>
-                                          </p:stCondLst>
-                                        </p:cTn>
-                                        <p:tgtEl>
-                                          <p:spTgt spid="3">
-                                            <p:txEl>
-                                              <p:pRg st="3" end="3"/>
-                                            </p:txEl>
-                                          </p:spTgt>
-                                        </p:tgtEl>
-                                        <p:attrNameLst>
-                                          <p:attrName>style.visibility</p:attrName>
-                                        </p:attrNameLst>
-                                      </p:cBhvr>
-                                      <p:to>
-                                        <p:strVal val="visible"/>
-                                      </p:to>
-                                    </p:set>
-                                  </p:childTnLst>
-                                </p:cTn>
-                              </p:par>
-                            </p:childTnLst>
-                          </p:cTn>
-                        </p:par>
-                      </p:childTnLst>
-                    </p:cTn>
-                  </p:par>
-                </p:childTnLst>
-              </p:cTn>
-              <p:prevCondLst>
-                <p:cond evt="onPrev" delay="0">
-                  <p:tgtEl>
-                    <p:sldTgt/>
-                  </p:tgtEl>
-                </p:cond>
-              </p:prevCondLst>
-              <p:nextCondLst>
-                <p:cond evt="onNext" delay="0">
-                  <p:tgtEl>
-                    <p:sldTgt/>
-                  </p:tgtEl>
-                </p:cond>
-              </p:nextCondLst>
-            </p:seq>
-          </p:childTnLst>
-        </p:cTn>
-      </p:par>
-    </p:tnLst>
-  </p:timing>
 </p:sld>
 </file>
 
